--- a/Dokumente/_Fertig/GUI Masken.pptx
+++ b/Dokumente/_Fertig/GUI Masken.pptx
@@ -7,30 +7,31 @@
   <p:sldIdLst>
     <p:sldId id="256" r:id="rId41"/>
     <p:sldId id="263" r:id="rId42"/>
-    <p:sldId id="260" r:id="rId43"/>
-    <p:sldId id="265" r:id="rId44"/>
-    <p:sldId id="269" r:id="rId45"/>
-    <p:sldId id="266" r:id="rId46"/>
-    <p:sldId id="277" r:id="rId47"/>
-    <p:sldId id="274" r:id="rId48"/>
-    <p:sldId id="275" r:id="rId49"/>
-    <p:sldId id="276" r:id="rId50"/>
-    <p:sldId id="264" r:id="rId51"/>
-    <p:sldId id="281" r:id="rId52"/>
-    <p:sldId id="262" r:id="rId53"/>
-    <p:sldId id="257" r:id="rId54"/>
-    <p:sldId id="258" r:id="rId55"/>
-    <p:sldId id="259" r:id="rId56"/>
-    <p:sldId id="267" r:id="rId57"/>
-    <p:sldId id="261" r:id="rId58"/>
-    <p:sldId id="268" r:id="rId59"/>
-    <p:sldId id="270" r:id="rId60"/>
-    <p:sldId id="271" r:id="rId61"/>
-    <p:sldId id="279" r:id="rId62"/>
-    <p:sldId id="278" r:id="rId63"/>
-    <p:sldId id="280" r:id="rId64"/>
-    <p:sldId id="272" r:id="rId65"/>
-    <p:sldId id="273" r:id="rId66"/>
+    <p:sldId id="282" r:id="rId43"/>
+    <p:sldId id="260" r:id="rId44"/>
+    <p:sldId id="265" r:id="rId45"/>
+    <p:sldId id="269" r:id="rId46"/>
+    <p:sldId id="266" r:id="rId47"/>
+    <p:sldId id="277" r:id="rId48"/>
+    <p:sldId id="274" r:id="rId49"/>
+    <p:sldId id="275" r:id="rId50"/>
+    <p:sldId id="276" r:id="rId51"/>
+    <p:sldId id="264" r:id="rId52"/>
+    <p:sldId id="281" r:id="rId53"/>
+    <p:sldId id="262" r:id="rId54"/>
+    <p:sldId id="257" r:id="rId55"/>
+    <p:sldId id="258" r:id="rId56"/>
+    <p:sldId id="259" r:id="rId57"/>
+    <p:sldId id="267" r:id="rId58"/>
+    <p:sldId id="261" r:id="rId59"/>
+    <p:sldId id="268" r:id="rId60"/>
+    <p:sldId id="270" r:id="rId61"/>
+    <p:sldId id="271" r:id="rId62"/>
+    <p:sldId id="279" r:id="rId63"/>
+    <p:sldId id="278" r:id="rId64"/>
+    <p:sldId id="280" r:id="rId65"/>
+    <p:sldId id="272" r:id="rId66"/>
+    <p:sldId id="273" r:id="rId67"/>
   </p:sldIdLst>
   <p:sldSz cx="12192000" cy="6858000"/>
   <p:notesSz cx="6858000" cy="12192000"/>
@@ -280,7 +281,7 @@
               <a:defRPr/>
             </a:pPr>
             <a:fld id="{676AD5AC-6540-4C8A-BEBF-B910CBD6DB91}" type="datetimeFigureOut">
-              <a:t>02.12.2017</a:t>
+              <a:t>03.12.2017</a:t>
             </a:fld>
             <a:endParaRPr lang="de-DE"/>
           </a:p>
@@ -468,7 +469,7 @@
               <a:defRPr/>
             </a:pPr>
             <a:fld id="{676AD5AC-6540-4C8A-BEBF-B910CBD6DB91}" type="datetimeFigureOut">
-              <a:t>02.12.2017</a:t>
+              <a:t>03.12.2017</a:t>
             </a:fld>
             <a:endParaRPr lang="de-DE"/>
           </a:p>
@@ -666,7 +667,7 @@
               <a:defRPr/>
             </a:pPr>
             <a:fld id="{676AD5AC-6540-4C8A-BEBF-B910CBD6DB91}" type="datetimeFigureOut">
-              <a:t>02.12.2017</a:t>
+              <a:t>03.12.2017</a:t>
             </a:fld>
             <a:endParaRPr lang="de-DE"/>
           </a:p>
@@ -854,7 +855,7 @@
               <a:defRPr/>
             </a:pPr>
             <a:fld id="{676AD5AC-6540-4C8A-BEBF-B910CBD6DB91}" type="datetimeFigureOut">
-              <a:t>02.12.2017</a:t>
+              <a:t>03.12.2017</a:t>
             </a:fld>
             <a:endParaRPr lang="de-DE"/>
           </a:p>
@@ -1108,7 +1109,7 @@
               <a:defRPr/>
             </a:pPr>
             <a:fld id="{676AD5AC-6540-4C8A-BEBF-B910CBD6DB91}" type="datetimeFigureOut">
-              <a:t>02.12.2017</a:t>
+              <a:t>03.12.2017</a:t>
             </a:fld>
             <a:endParaRPr lang="de-DE"/>
           </a:p>
@@ -1371,7 +1372,7 @@
               <a:defRPr/>
             </a:pPr>
             <a:fld id="{676AD5AC-6540-4C8A-BEBF-B910CBD6DB91}" type="datetimeFigureOut">
-              <a:t>02.12.2017</a:t>
+              <a:t>03.12.2017</a:t>
             </a:fld>
             <a:endParaRPr lang="de-DE"/>
           </a:p>
@@ -1775,7 +1776,7 @@
               <a:defRPr/>
             </a:pPr>
             <a:fld id="{676AD5AC-6540-4C8A-BEBF-B910CBD6DB91}" type="datetimeFigureOut">
-              <a:t>02.12.2017</a:t>
+              <a:t>03.12.2017</a:t>
             </a:fld>
             <a:endParaRPr lang="de-DE"/>
           </a:p>
@@ -1898,7 +1899,7 @@
               <a:defRPr/>
             </a:pPr>
             <a:fld id="{676AD5AC-6540-4C8A-BEBF-B910CBD6DB91}" type="datetimeFigureOut">
-              <a:t>02.12.2017</a:t>
+              <a:t>03.12.2017</a:t>
             </a:fld>
             <a:endParaRPr lang="de-DE"/>
           </a:p>
@@ -1996,7 +1997,7 @@
               <a:defRPr/>
             </a:pPr>
             <a:fld id="{676AD5AC-6540-4C8A-BEBF-B910CBD6DB91}" type="datetimeFigureOut">
-              <a:t>02.12.2017</a:t>
+              <a:t>03.12.2017</a:t>
             </a:fld>
             <a:endParaRPr lang="de-DE"/>
           </a:p>
@@ -2294,7 +2295,7 @@
               <a:defRPr/>
             </a:pPr>
             <a:fld id="{676AD5AC-6540-4C8A-BEBF-B910CBD6DB91}" type="datetimeFigureOut">
-              <a:t>02.12.2017</a:t>
+              <a:t>03.12.2017</a:t>
             </a:fld>
             <a:endParaRPr lang="de-DE"/>
           </a:p>
@@ -2558,7 +2559,7 @@
               <a:defRPr/>
             </a:pPr>
             <a:fld id="{676AD5AC-6540-4C8A-BEBF-B910CBD6DB91}" type="datetimeFigureOut">
-              <a:t>02.12.2017</a:t>
+              <a:t>03.12.2017</a:t>
             </a:fld>
             <a:endParaRPr lang="de-DE"/>
           </a:p>
@@ -2789,7 +2790,7 @@
               <a:defRPr/>
             </a:pPr>
             <a:fld id="{676AD5AC-6540-4C8A-BEBF-B910CBD6DB91}" type="datetimeFigureOut">
-              <a:t>02.12.2017</a:t>
+              <a:t>03.12.2017</a:t>
             </a:fld>
             <a:endParaRPr lang="de-DE"/>
           </a:p>
@@ -3228,7 +3229,7 @@
               <a:pPr algn="ctr">
                 <a:defRPr/>
               </a:pPr>
-              <a:endParaRPr lang="en-US" sz="800">
+              <a:endParaRPr lang="en-US" sz="800" dirty="0">
                 <a:solidFill>
                   <a:prstClr val="white"/>
                 </a:solidFill>
@@ -4102,6 +4103,1353 @@
         </p:nvSpPr>
         <p:spPr bwMode="auto">
           <a:xfrm>
+            <a:off x="4455365" y="1076667"/>
+            <a:ext cx="2343911" cy="415498"/>
+          </a:xfrm>
+          <a:prstGeom prst="rect">
+            <a:avLst/>
+          </a:prstGeom>
+          <a:noFill/>
+        </p:spPr>
+        <p:txBody>
+          <a:bodyPr wrap="none" lIns="91440" tIns="18288" rIns="91440" bIns="27432" rtlCol="0" anchor="ctr" anchorCtr="0">
+            <a:spAutoFit/>
+          </a:bodyPr>
+          <a:lstStyle/>
+          <a:p>
+            <a:pPr>
+              <a:defRPr/>
+            </a:pPr>
+            <a:r>
+              <a:rPr lang="en-US" sz="2400" b="1" dirty="0">
+                <a:solidFill>
+                  <a:schemeClr val="bg1"/>
+                </a:solidFill>
+                <a:latin typeface="Segoe UI"/>
+                <a:ea typeface="Segoe UI"/>
+              </a:rPr>
+              <a:t>Film </a:t>
+            </a:r>
+            <a:r>
+              <a:rPr lang="en-US" sz="2400" b="1" dirty="0" err="1">
+                <a:solidFill>
+                  <a:schemeClr val="bg1"/>
+                </a:solidFill>
+                <a:latin typeface="Segoe UI"/>
+                <a:ea typeface="Segoe UI"/>
+              </a:rPr>
+              <a:t>Bewerten</a:t>
+            </a:r>
+            <a:r>
+              <a:rPr lang="en-US" sz="2400" b="1" dirty="0">
+                <a:solidFill>
+                  <a:schemeClr val="bg1"/>
+                </a:solidFill>
+                <a:latin typeface="Segoe UI"/>
+                <a:ea typeface="Segoe UI"/>
+              </a:rPr>
+              <a:t> </a:t>
+            </a:r>
+          </a:p>
+        </p:txBody>
+      </p:sp>
+      <p:sp>
+        <p:nvSpPr>
+          <p:cNvPr id="9" name="Content">
+            <a:extLst>
+              <a:ext uri="{FF2B5EF4-FFF2-40B4-BE49-F238E27FC236}">
+                <a16:creationId xmlns:a16="http://schemas.microsoft.com/office/drawing/2014/main" id="{5C2BB149-4843-40C6-9F18-05DD88084F9B}"/>
+              </a:ext>
+            </a:extLst>
+          </p:cNvPr>
+          <p:cNvSpPr/>
+          <p:nvPr/>
+        </p:nvSpPr>
+        <p:spPr bwMode="auto">
+          <a:xfrm>
+            <a:off x="4727848" y="4947277"/>
+            <a:ext cx="1537563" cy="569955"/>
+          </a:xfrm>
+          <a:prstGeom prst="roundRect">
+            <a:avLst>
+              <a:gd name="adj" fmla="val 16667"/>
+            </a:avLst>
+          </a:prstGeom>
+          <a:solidFill>
+            <a:srgbClr val="FFFFFF">
+              <a:lumMod val="95000"/>
+            </a:srgbClr>
+          </a:solidFill>
+          <a:ln w="3175">
+            <a:solidFill>
+              <a:srgbClr val="000000">
+                <a:lumMod val="50000"/>
+                <a:lumOff val="50000"/>
+              </a:srgbClr>
+            </a:solidFill>
+          </a:ln>
+        </p:spPr>
+        <p:style>
+          <a:lnRef idx="2">
+            <a:srgbClr val="4F81BD">
+              <a:shade val="50000"/>
+            </a:srgbClr>
+          </a:lnRef>
+          <a:fillRef idx="1">
+            <a:srgbClr val="4F81BD"/>
+          </a:fillRef>
+          <a:effectRef idx="0">
+            <a:srgbClr val="4F81BD"/>
+          </a:effectRef>
+          <a:fontRef idx="minor">
+            <a:srgbClr val="000000"/>
+          </a:fontRef>
+        </p:style>
+        <p:txBody>
+          <a:bodyPr wrap="square" lIns="91440" tIns="0" rIns="91440" bIns="9144" rtlCol="0" anchor="ctr">
+            <a:noAutofit/>
+          </a:bodyPr>
+          <a:lstStyle/>
+          <a:p>
+            <a:pPr algn="ctr">
+              <a:defRPr/>
+            </a:pPr>
+            <a:r>
+              <a:rPr lang="en-US" sz="1200" dirty="0" err="1">
+                <a:solidFill>
+                  <a:srgbClr val="000000"/>
+                </a:solidFill>
+                <a:latin typeface="Segoe UI"/>
+              </a:rPr>
+              <a:t>Bewertung</a:t>
+            </a:r>
+            <a:r>
+              <a:rPr lang="en-US" sz="1200" dirty="0">
+                <a:solidFill>
+                  <a:srgbClr val="000000"/>
+                </a:solidFill>
+                <a:latin typeface="Segoe UI"/>
+              </a:rPr>
+              <a:t> </a:t>
+            </a:r>
+            <a:r>
+              <a:rPr lang="en-US" sz="1200" dirty="0" err="1">
+                <a:solidFill>
+                  <a:srgbClr val="000000"/>
+                </a:solidFill>
+                <a:latin typeface="Segoe UI"/>
+              </a:rPr>
+              <a:t>abgeben</a:t>
+            </a:r>
+            <a:endParaRPr lang="en-US" sz="1200" dirty="0">
+              <a:solidFill>
+                <a:srgbClr val="000000"/>
+              </a:solidFill>
+              <a:latin typeface="Segoe UI"/>
+            </a:endParaRPr>
+          </a:p>
+        </p:txBody>
+      </p:sp>
+      <p:sp>
+        <p:nvSpPr>
+          <p:cNvPr id="66" name="Content">
+            <a:extLst>
+              <a:ext uri="{FF2B5EF4-FFF2-40B4-BE49-F238E27FC236}">
+                <a16:creationId xmlns:a16="http://schemas.microsoft.com/office/drawing/2014/main" id="{672A452B-59F2-42E6-8467-AEBB6D598EA7}"/>
+              </a:ext>
+            </a:extLst>
+          </p:cNvPr>
+          <p:cNvSpPr>
+            <a:spLocks/>
+          </p:cNvSpPr>
+          <p:nvPr/>
+        </p:nvSpPr>
+        <p:spPr bwMode="auto">
+          <a:xfrm>
+            <a:off x="2927648" y="1943254"/>
+            <a:ext cx="2467342" cy="261610"/>
+          </a:xfrm>
+          <a:prstGeom prst="rect">
+            <a:avLst/>
+          </a:prstGeom>
+          <a:noFill/>
+        </p:spPr>
+        <p:txBody>
+          <a:bodyPr wrap="none" lIns="91440" tIns="18288" rIns="91440" bIns="27432" rtlCol="0" anchor="ctr" anchorCtr="0">
+            <a:spAutoFit/>
+          </a:bodyPr>
+          <a:lstStyle/>
+          <a:p>
+            <a:pPr>
+              <a:defRPr/>
+            </a:pPr>
+            <a:r>
+              <a:rPr lang="en-US" sz="1400" b="1" i="1" dirty="0" err="1">
+                <a:solidFill>
+                  <a:schemeClr val="bg1"/>
+                </a:solidFill>
+                <a:latin typeface="Segoe UI"/>
+                <a:ea typeface="Segoe UI"/>
+              </a:rPr>
+              <a:t>Bisherige</a:t>
+            </a:r>
+            <a:r>
+              <a:rPr lang="en-US" sz="1400" b="1" i="1" dirty="0">
+                <a:solidFill>
+                  <a:schemeClr val="bg1"/>
+                </a:solidFill>
+                <a:latin typeface="Segoe UI"/>
+                <a:ea typeface="Segoe UI"/>
+              </a:rPr>
+              <a:t> </a:t>
+            </a:r>
+            <a:r>
+              <a:rPr lang="en-US" sz="1400" b="1" i="1" dirty="0" err="1">
+                <a:solidFill>
+                  <a:schemeClr val="bg1"/>
+                </a:solidFill>
+                <a:latin typeface="Segoe UI"/>
+                <a:ea typeface="Segoe UI"/>
+              </a:rPr>
+              <a:t>Bewertungen</a:t>
+            </a:r>
+            <a:r>
+              <a:rPr lang="en-US" sz="1400" b="1" i="1" dirty="0">
+                <a:solidFill>
+                  <a:schemeClr val="bg1"/>
+                </a:solidFill>
+                <a:latin typeface="Segoe UI"/>
+                <a:ea typeface="Segoe UI"/>
+              </a:rPr>
+              <a:t> </a:t>
+            </a:r>
+            <a:r>
+              <a:rPr lang="en-US" sz="1400" b="1" i="1" dirty="0" err="1">
+                <a:solidFill>
+                  <a:schemeClr val="bg1"/>
+                </a:solidFill>
+                <a:latin typeface="Segoe UI"/>
+                <a:ea typeface="Segoe UI"/>
+              </a:rPr>
+              <a:t>für</a:t>
+            </a:r>
+            <a:r>
+              <a:rPr lang="en-US" sz="1400" b="1" i="1" dirty="0">
+                <a:solidFill>
+                  <a:schemeClr val="bg1"/>
+                </a:solidFill>
+                <a:latin typeface="Segoe UI"/>
+                <a:ea typeface="Segoe UI"/>
+              </a:rPr>
+              <a:t>:</a:t>
+            </a:r>
+            <a:endParaRPr lang="en-US" sz="1200" dirty="0">
+              <a:solidFill>
+                <a:schemeClr val="bg1"/>
+              </a:solidFill>
+              <a:latin typeface="Segoe UI"/>
+              <a:ea typeface="Segoe UI"/>
+            </a:endParaRPr>
+          </a:p>
+        </p:txBody>
+      </p:sp>
+      <p:sp>
+        <p:nvSpPr>
+          <p:cNvPr id="16" name="Content">
+            <a:extLst>
+              <a:ext uri="{FF2B5EF4-FFF2-40B4-BE49-F238E27FC236}">
+                <a16:creationId xmlns:a16="http://schemas.microsoft.com/office/drawing/2014/main" id="{9D1D970A-0485-4400-9073-CC3FF2EECB05}"/>
+              </a:ext>
+            </a:extLst>
+          </p:cNvPr>
+          <p:cNvSpPr>
+            <a:spLocks/>
+          </p:cNvSpPr>
+          <p:nvPr/>
+        </p:nvSpPr>
+        <p:spPr bwMode="auto">
+          <a:xfrm>
+            <a:off x="4856812" y="2276872"/>
+            <a:ext cx="1152880" cy="261610"/>
+          </a:xfrm>
+          <a:prstGeom prst="rect">
+            <a:avLst/>
+          </a:prstGeom>
+          <a:noFill/>
+        </p:spPr>
+        <p:txBody>
+          <a:bodyPr wrap="none" lIns="91440" tIns="18288" rIns="91440" bIns="27432" rtlCol="0" anchor="ctr" anchorCtr="0">
+            <a:spAutoFit/>
+          </a:bodyPr>
+          <a:lstStyle/>
+          <a:p>
+            <a:pPr>
+              <a:defRPr/>
+            </a:pPr>
+            <a:r>
+              <a:rPr lang="en-US" sz="1400" b="1" i="1" dirty="0">
+                <a:solidFill>
+                  <a:schemeClr val="bg1"/>
+                </a:solidFill>
+                <a:latin typeface="Segoe UI"/>
+                <a:ea typeface="Segoe UI"/>
+              </a:rPr>
+              <a:t>&lt;</a:t>
+            </a:r>
+            <a:r>
+              <a:rPr lang="en-US" sz="1400" b="1" i="1" dirty="0" err="1">
+                <a:solidFill>
+                  <a:schemeClr val="bg1"/>
+                </a:solidFill>
+                <a:latin typeface="Segoe UI"/>
+                <a:ea typeface="Segoe UI"/>
+              </a:rPr>
+              <a:t>Filmtitel</a:t>
+            </a:r>
+            <a:r>
+              <a:rPr lang="en-US" sz="1400" b="1" i="1" dirty="0">
+                <a:solidFill>
+                  <a:schemeClr val="bg1"/>
+                </a:solidFill>
+                <a:latin typeface="Segoe UI"/>
+                <a:ea typeface="Segoe UI"/>
+              </a:rPr>
+              <a:t>&gt;</a:t>
+            </a:r>
+            <a:endParaRPr lang="en-US" sz="1200" dirty="0">
+              <a:solidFill>
+                <a:schemeClr val="bg1"/>
+              </a:solidFill>
+              <a:latin typeface="Segoe UI"/>
+              <a:ea typeface="Segoe UI"/>
+            </a:endParaRPr>
+          </a:p>
+        </p:txBody>
+      </p:sp>
+      <p:sp>
+        <p:nvSpPr>
+          <p:cNvPr id="17" name="Content">
+            <a:extLst>
+              <a:ext uri="{FF2B5EF4-FFF2-40B4-BE49-F238E27FC236}">
+                <a16:creationId xmlns:a16="http://schemas.microsoft.com/office/drawing/2014/main" id="{982C012F-818A-48F7-86B2-5A9A58F69FF4}"/>
+              </a:ext>
+            </a:extLst>
+          </p:cNvPr>
+          <p:cNvSpPr>
+            <a:spLocks/>
+          </p:cNvSpPr>
+          <p:nvPr/>
+        </p:nvSpPr>
+        <p:spPr bwMode="auto">
+          <a:xfrm>
+            <a:off x="4683306" y="2879358"/>
+            <a:ext cx="1484702" cy="261610"/>
+          </a:xfrm>
+          <a:prstGeom prst="rect">
+            <a:avLst/>
+          </a:prstGeom>
+          <a:noFill/>
+        </p:spPr>
+        <p:txBody>
+          <a:bodyPr wrap="none" lIns="91440" tIns="18288" rIns="91440" bIns="27432" rtlCol="0" anchor="ctr" anchorCtr="0">
+            <a:spAutoFit/>
+          </a:bodyPr>
+          <a:lstStyle/>
+          <a:p>
+            <a:pPr>
+              <a:defRPr/>
+            </a:pPr>
+            <a:r>
+              <a:rPr lang="en-US" sz="1400" b="1" i="1" dirty="0">
+                <a:solidFill>
+                  <a:srgbClr val="FFFF00"/>
+                </a:solidFill>
+                <a:latin typeface="Segoe UI"/>
+                <a:ea typeface="Segoe UI"/>
+              </a:rPr>
+              <a:t>3 von 5 </a:t>
+            </a:r>
+            <a:r>
+              <a:rPr lang="en-US" sz="1400" b="1" i="1" dirty="0" err="1">
+                <a:solidFill>
+                  <a:srgbClr val="FFFF00"/>
+                </a:solidFill>
+                <a:latin typeface="Segoe UI"/>
+                <a:ea typeface="Segoe UI"/>
+              </a:rPr>
+              <a:t>Sternen</a:t>
+            </a:r>
+            <a:endParaRPr lang="en-US" sz="1200" dirty="0">
+              <a:solidFill>
+                <a:srgbClr val="FFFF00"/>
+              </a:solidFill>
+              <a:latin typeface="Segoe UI"/>
+              <a:ea typeface="Segoe UI"/>
+            </a:endParaRPr>
+          </a:p>
+        </p:txBody>
+      </p:sp>
+      <p:sp>
+        <p:nvSpPr>
+          <p:cNvPr id="18" name="Content">
+            <a:extLst>
+              <a:ext uri="{FF2B5EF4-FFF2-40B4-BE49-F238E27FC236}">
+                <a16:creationId xmlns:a16="http://schemas.microsoft.com/office/drawing/2014/main" id="{68FF3A08-0656-47D9-B551-DF113321845F}"/>
+              </a:ext>
+            </a:extLst>
+          </p:cNvPr>
+          <p:cNvSpPr>
+            <a:spLocks/>
+          </p:cNvSpPr>
+          <p:nvPr/>
+        </p:nvSpPr>
+        <p:spPr bwMode="auto">
+          <a:xfrm>
+            <a:off x="4956325" y="3311986"/>
+            <a:ext cx="923651" cy="477054"/>
+          </a:xfrm>
+          <a:prstGeom prst="rect">
+            <a:avLst/>
+          </a:prstGeom>
+          <a:noFill/>
+          <a:ln>
+            <a:solidFill>
+              <a:schemeClr val="bg1">
+                <a:lumMod val="95000"/>
+              </a:schemeClr>
+            </a:solidFill>
+          </a:ln>
+        </p:spPr>
+        <p:txBody>
+          <a:bodyPr wrap="none" lIns="91440" tIns="18288" rIns="91440" bIns="27432" rtlCol="0" anchor="ctr" anchorCtr="0">
+            <a:spAutoFit/>
+          </a:bodyPr>
+          <a:lstStyle/>
+          <a:p>
+            <a:pPr>
+              <a:defRPr/>
+            </a:pPr>
+            <a:r>
+              <a:rPr lang="en-US" sz="1400" b="1" i="1" dirty="0">
+                <a:solidFill>
+                  <a:srgbClr val="FFFF00"/>
+                </a:solidFill>
+                <a:latin typeface="Segoe UI"/>
+                <a:ea typeface="Segoe UI"/>
+              </a:rPr>
+              <a:t> </a:t>
+            </a:r>
+            <a:r>
+              <a:rPr lang="en-US" sz="2800" b="1" i="1" dirty="0">
+                <a:solidFill>
+                  <a:srgbClr val="FFFF00"/>
+                </a:solidFill>
+                <a:latin typeface="Segoe UI"/>
+                <a:ea typeface="Segoe UI"/>
+              </a:rPr>
+              <a:t>* * *</a:t>
+            </a:r>
+            <a:endParaRPr lang="en-US" sz="1200" dirty="0">
+              <a:solidFill>
+                <a:srgbClr val="FFFF00"/>
+              </a:solidFill>
+              <a:latin typeface="Segoe UI"/>
+              <a:ea typeface="Segoe UI"/>
+            </a:endParaRPr>
+          </a:p>
+        </p:txBody>
+      </p:sp>
+      <p:grpSp>
+        <p:nvGrpSpPr>
+          <p:cNvPr id="19" name="CheckBoxChecked">
+            <a:extLst>
+              <a:ext uri="{FF2B5EF4-FFF2-40B4-BE49-F238E27FC236}">
+                <a16:creationId xmlns:a16="http://schemas.microsoft.com/office/drawing/2014/main" id="{483DA0D8-9F23-453D-895E-EE1C263440B7}"/>
+              </a:ext>
+            </a:extLst>
+          </p:cNvPr>
+          <p:cNvGrpSpPr/>
+          <p:nvPr/>
+        </p:nvGrpSpPr>
+        <p:grpSpPr bwMode="auto">
+          <a:xfrm>
+            <a:off x="4083385" y="4422304"/>
+            <a:ext cx="480585" cy="230832"/>
+            <a:chOff x="4317072" y="3312427"/>
+            <a:chExt cx="480585" cy="230832"/>
+          </a:xfrm>
+        </p:grpSpPr>
+        <p:grpSp>
+          <p:nvGrpSpPr>
+            <p:cNvPr id="29" name="Group 2">
+              <a:extLst>
+                <a:ext uri="{FF2B5EF4-FFF2-40B4-BE49-F238E27FC236}">
+                  <a16:creationId xmlns:a16="http://schemas.microsoft.com/office/drawing/2014/main" id="{CEE4AFB9-FDF2-4593-A450-6BD17648F9C2}"/>
+                </a:ext>
+              </a:extLst>
+            </p:cNvPr>
+            <p:cNvGrpSpPr/>
+            <p:nvPr/>
+          </p:nvGrpSpPr>
+          <p:grpSpPr bwMode="auto">
+            <a:xfrm>
+              <a:off x="4354459" y="3312427"/>
+              <a:ext cx="443198" cy="230832"/>
+              <a:chOff x="5179844" y="2087451"/>
+              <a:chExt cx="415365" cy="216403"/>
+            </a:xfrm>
+          </p:grpSpPr>
+          <p:sp>
+            <p:nvSpPr>
+              <p:cNvPr id="31" name="Content">
+                <a:extLst>
+                  <a:ext uri="{FF2B5EF4-FFF2-40B4-BE49-F238E27FC236}">
+                    <a16:creationId xmlns:a16="http://schemas.microsoft.com/office/drawing/2014/main" id="{0593246B-B7C5-4F1A-BEF3-D0A19840D957}"/>
+                  </a:ext>
+                </a:extLst>
+              </p:cNvPr>
+              <p:cNvSpPr>
+                <a:spLocks/>
+              </p:cNvSpPr>
+              <p:nvPr/>
+            </p:nvSpPr>
+            <p:spPr bwMode="auto">
+              <a:xfrm>
+                <a:off x="5179844" y="2087451"/>
+                <a:ext cx="415365" cy="216403"/>
+              </a:xfrm>
+              <a:prstGeom prst="rect">
+                <a:avLst/>
+              </a:prstGeom>
+              <a:noFill/>
+            </p:spPr>
+            <p:txBody>
+              <a:bodyPr wrap="none" lIns="164592" tIns="18288" rIns="45720" bIns="27432" rtlCol="0" anchor="ctr" anchorCtr="0">
+                <a:spAutoFit/>
+              </a:bodyPr>
+              <a:lstStyle/>
+              <a:p>
+                <a:pPr>
+                  <a:defRPr/>
+                </a:pPr>
+                <a:r>
+                  <a:rPr lang="en-US" sz="1200" dirty="0">
+                    <a:solidFill>
+                      <a:schemeClr val="bg1"/>
+                    </a:solidFill>
+                    <a:latin typeface="Segoe UI"/>
+                    <a:ea typeface="Segoe UI"/>
+                  </a:rPr>
+                  <a:t> 1 *</a:t>
+                </a:r>
+              </a:p>
+            </p:txBody>
+          </p:sp>
+          <p:sp>
+            <p:nvSpPr>
+              <p:cNvPr id="32" name="CheckBox">
+                <a:extLst>
+                  <a:ext uri="{FF2B5EF4-FFF2-40B4-BE49-F238E27FC236}">
+                    <a16:creationId xmlns:a16="http://schemas.microsoft.com/office/drawing/2014/main" id="{45AD0FF7-8677-4BBF-BBDB-0D3290B4217A}"/>
+                  </a:ext>
+                </a:extLst>
+              </p:cNvPr>
+              <p:cNvSpPr/>
+              <p:nvPr/>
+            </p:nvSpPr>
+            <p:spPr bwMode="auto">
+              <a:xfrm>
+                <a:off x="5179844" y="2146837"/>
+                <a:ext cx="100012" cy="97631"/>
+              </a:xfrm>
+              <a:prstGeom prst="rect">
+                <a:avLst/>
+              </a:prstGeom>
+              <a:solidFill>
+                <a:srgbClr val="FFFFFF"/>
+              </a:solidFill>
+              <a:ln w="3175">
+                <a:solidFill>
+                  <a:srgbClr val="FFFFFF">
+                    <a:lumMod val="65000"/>
+                  </a:srgbClr>
+                </a:solidFill>
+              </a:ln>
+            </p:spPr>
+            <p:style>
+              <a:lnRef idx="2">
+                <a:srgbClr val="4F81BD">
+                  <a:shade val="50000"/>
+                </a:srgbClr>
+              </a:lnRef>
+              <a:fillRef idx="1">
+                <a:srgbClr val="4F81BD"/>
+              </a:fillRef>
+              <a:effectRef idx="0">
+                <a:srgbClr val="4F81BD"/>
+              </a:effectRef>
+              <a:fontRef idx="minor">
+                <a:srgbClr val="000000"/>
+              </a:fontRef>
+            </p:style>
+            <p:txBody>
+              <a:bodyPr rtlCol="0" anchor="ctr"/>
+              <a:lstStyle/>
+              <a:p>
+                <a:pPr algn="ctr">
+                  <a:defRPr/>
+                </a:pPr>
+                <a:endParaRPr lang="en-US"/>
+              </a:p>
+            </p:txBody>
+          </p:sp>
+        </p:grpSp>
+        <p:pic>
+          <p:nvPicPr>
+            <p:cNvPr id="30" name="Check" descr="C:\Users\t-dantay\Documents\WPIcons\appbar.check.rest.png">
+              <a:extLst>
+                <a:ext uri="{FF2B5EF4-FFF2-40B4-BE49-F238E27FC236}">
+                  <a16:creationId xmlns:a16="http://schemas.microsoft.com/office/drawing/2014/main" id="{0F1A693C-9518-4E8D-ABAE-CA827923AEFD}"/>
+                </a:ext>
+              </a:extLst>
+            </p:cNvPr>
+            <p:cNvPicPr>
+              <a:picLocks noChangeAspect="1" noChangeArrowheads="1"/>
+            </p:cNvPicPr>
+            <p:nvPr/>
+          </p:nvPicPr>
+          <p:blipFill>
+            <a:blip r:embed="rId3"/>
+            <a:stretch/>
+          </p:blipFill>
+          <p:spPr bwMode="auto">
+            <a:xfrm>
+              <a:off x="4317072" y="3336403"/>
+              <a:ext cx="182880" cy="182880"/>
+            </a:xfrm>
+            <a:prstGeom prst="rect">
+              <a:avLst/>
+            </a:prstGeom>
+            <a:noFill/>
+          </p:spPr>
+        </p:pic>
+      </p:grpSp>
+      <p:grpSp>
+        <p:nvGrpSpPr>
+          <p:cNvPr id="33" name="CheckBoxUnchecked">
+            <a:extLst>
+              <a:ext uri="{FF2B5EF4-FFF2-40B4-BE49-F238E27FC236}">
+                <a16:creationId xmlns:a16="http://schemas.microsoft.com/office/drawing/2014/main" id="{3D841779-463A-4016-A725-5D08ED846721}"/>
+              </a:ext>
+            </a:extLst>
+          </p:cNvPr>
+          <p:cNvGrpSpPr/>
+          <p:nvPr/>
+        </p:nvGrpSpPr>
+        <p:grpSpPr bwMode="auto">
+          <a:xfrm>
+            <a:off x="4716692" y="4422304"/>
+            <a:ext cx="443204" cy="230832"/>
+            <a:chOff x="5179843" y="2087449"/>
+            <a:chExt cx="415372" cy="216403"/>
+          </a:xfrm>
+        </p:grpSpPr>
+        <p:sp>
+          <p:nvSpPr>
+            <p:cNvPr id="34" name="Content">
+              <a:extLst>
+                <a:ext uri="{FF2B5EF4-FFF2-40B4-BE49-F238E27FC236}">
+                  <a16:creationId xmlns:a16="http://schemas.microsoft.com/office/drawing/2014/main" id="{0A326726-9565-4EB9-8250-4044CD076E96}"/>
+                </a:ext>
+              </a:extLst>
+            </p:cNvPr>
+            <p:cNvSpPr>
+              <a:spLocks/>
+            </p:cNvSpPr>
+            <p:nvPr/>
+          </p:nvSpPr>
+          <p:spPr bwMode="auto">
+            <a:xfrm>
+              <a:off x="5179848" y="2087449"/>
+              <a:ext cx="415367" cy="216403"/>
+            </a:xfrm>
+            <a:prstGeom prst="rect">
+              <a:avLst/>
+            </a:prstGeom>
+            <a:noFill/>
+          </p:spPr>
+          <p:txBody>
+            <a:bodyPr wrap="none" lIns="164592" tIns="18288" rIns="45720" bIns="27432" rtlCol="0" anchor="ctr" anchorCtr="0">
+              <a:spAutoFit/>
+            </a:bodyPr>
+            <a:lstStyle/>
+            <a:p>
+              <a:pPr>
+                <a:defRPr/>
+              </a:pPr>
+              <a:r>
+                <a:rPr lang="en-US" sz="1200" dirty="0">
+                  <a:solidFill>
+                    <a:schemeClr val="bg1"/>
+                  </a:solidFill>
+                  <a:latin typeface="Segoe UI"/>
+                  <a:ea typeface="Segoe UI"/>
+                </a:rPr>
+                <a:t>2 *</a:t>
+              </a:r>
+              <a:r>
+                <a:rPr lang="en-US" sz="1200" dirty="0">
+                  <a:latin typeface="Segoe UI"/>
+                  <a:ea typeface="Segoe UI"/>
+                </a:rPr>
+                <a:t> </a:t>
+              </a:r>
+              <a:endParaRPr lang="en-US" sz="1200" dirty="0">
+                <a:solidFill>
+                  <a:schemeClr val="bg1"/>
+                </a:solidFill>
+                <a:latin typeface="Segoe UI"/>
+                <a:ea typeface="Segoe UI"/>
+              </a:endParaRPr>
+            </a:p>
+          </p:txBody>
+        </p:sp>
+        <p:sp>
+          <p:nvSpPr>
+            <p:cNvPr id="35" name="CheckBox">
+              <a:extLst>
+                <a:ext uri="{FF2B5EF4-FFF2-40B4-BE49-F238E27FC236}">
+                  <a16:creationId xmlns:a16="http://schemas.microsoft.com/office/drawing/2014/main" id="{7FD9B80D-0C05-44C1-B6BD-3A0311C12D25}"/>
+                </a:ext>
+              </a:extLst>
+            </p:cNvPr>
+            <p:cNvSpPr/>
+            <p:nvPr/>
+          </p:nvSpPr>
+          <p:spPr bwMode="auto">
+            <a:xfrm>
+              <a:off x="5179843" y="2146835"/>
+              <a:ext cx="100012" cy="97631"/>
+            </a:xfrm>
+            <a:prstGeom prst="rect">
+              <a:avLst/>
+            </a:prstGeom>
+            <a:solidFill>
+              <a:srgbClr val="FFFFFF"/>
+            </a:solidFill>
+            <a:ln w="3175">
+              <a:solidFill>
+                <a:srgbClr val="FFFFFF">
+                  <a:lumMod val="65000"/>
+                </a:srgbClr>
+              </a:solidFill>
+            </a:ln>
+          </p:spPr>
+          <p:style>
+            <a:lnRef idx="2">
+              <a:srgbClr val="4F81BD">
+                <a:shade val="50000"/>
+              </a:srgbClr>
+            </a:lnRef>
+            <a:fillRef idx="1">
+              <a:srgbClr val="4F81BD"/>
+            </a:fillRef>
+            <a:effectRef idx="0">
+              <a:srgbClr val="4F81BD"/>
+            </a:effectRef>
+            <a:fontRef idx="minor">
+              <a:srgbClr val="000000"/>
+            </a:fontRef>
+          </p:style>
+          <p:txBody>
+            <a:bodyPr rtlCol="0" anchor="ctr"/>
+            <a:lstStyle/>
+            <a:p>
+              <a:pPr algn="ctr">
+                <a:defRPr/>
+              </a:pPr>
+              <a:endParaRPr lang="en-US"/>
+            </a:p>
+          </p:txBody>
+        </p:sp>
+      </p:grpSp>
+      <p:grpSp>
+        <p:nvGrpSpPr>
+          <p:cNvPr id="36" name="CheckBoxUnchecked">
+            <a:extLst>
+              <a:ext uri="{FF2B5EF4-FFF2-40B4-BE49-F238E27FC236}">
+                <a16:creationId xmlns:a16="http://schemas.microsoft.com/office/drawing/2014/main" id="{F06A0FD0-E8AB-4D8E-958C-F9B4D7BD50EA}"/>
+              </a:ext>
+            </a:extLst>
+          </p:cNvPr>
+          <p:cNvGrpSpPr/>
+          <p:nvPr/>
+        </p:nvGrpSpPr>
+        <p:grpSpPr bwMode="auto">
+          <a:xfrm>
+            <a:off x="5292743" y="4422304"/>
+            <a:ext cx="443203" cy="230832"/>
+            <a:chOff x="5179843" y="2087449"/>
+            <a:chExt cx="415372" cy="216403"/>
+          </a:xfrm>
+        </p:grpSpPr>
+        <p:sp>
+          <p:nvSpPr>
+            <p:cNvPr id="37" name="Content">
+              <a:extLst>
+                <a:ext uri="{FF2B5EF4-FFF2-40B4-BE49-F238E27FC236}">
+                  <a16:creationId xmlns:a16="http://schemas.microsoft.com/office/drawing/2014/main" id="{6C5743CA-8C76-4764-B712-DF202C9B999B}"/>
+                </a:ext>
+              </a:extLst>
+            </p:cNvPr>
+            <p:cNvSpPr>
+              <a:spLocks/>
+            </p:cNvSpPr>
+            <p:nvPr/>
+          </p:nvSpPr>
+          <p:spPr bwMode="auto">
+            <a:xfrm>
+              <a:off x="5179848" y="2087449"/>
+              <a:ext cx="415367" cy="216403"/>
+            </a:xfrm>
+            <a:prstGeom prst="rect">
+              <a:avLst/>
+            </a:prstGeom>
+            <a:noFill/>
+          </p:spPr>
+          <p:txBody>
+            <a:bodyPr wrap="none" lIns="164592" tIns="18288" rIns="45720" bIns="27432" rtlCol="0" anchor="ctr" anchorCtr="0">
+              <a:spAutoFit/>
+            </a:bodyPr>
+            <a:lstStyle/>
+            <a:p>
+              <a:pPr>
+                <a:defRPr/>
+              </a:pPr>
+              <a:r>
+                <a:rPr lang="en-US" sz="1200" dirty="0">
+                  <a:solidFill>
+                    <a:schemeClr val="bg1"/>
+                  </a:solidFill>
+                  <a:latin typeface="Segoe UI"/>
+                  <a:ea typeface="Segoe UI"/>
+                </a:rPr>
+                <a:t>3 *</a:t>
+              </a:r>
+              <a:r>
+                <a:rPr lang="en-US" sz="1200" dirty="0">
+                  <a:latin typeface="Segoe UI"/>
+                  <a:ea typeface="Segoe UI"/>
+                </a:rPr>
+                <a:t> </a:t>
+              </a:r>
+              <a:endParaRPr lang="en-US" sz="1200" dirty="0">
+                <a:solidFill>
+                  <a:schemeClr val="bg1"/>
+                </a:solidFill>
+                <a:latin typeface="Segoe UI"/>
+                <a:ea typeface="Segoe UI"/>
+              </a:endParaRPr>
+            </a:p>
+          </p:txBody>
+        </p:sp>
+        <p:sp>
+          <p:nvSpPr>
+            <p:cNvPr id="38" name="CheckBox">
+              <a:extLst>
+                <a:ext uri="{FF2B5EF4-FFF2-40B4-BE49-F238E27FC236}">
+                  <a16:creationId xmlns:a16="http://schemas.microsoft.com/office/drawing/2014/main" id="{D60A6349-990E-4282-87F4-62D342F9E30E}"/>
+                </a:ext>
+              </a:extLst>
+            </p:cNvPr>
+            <p:cNvSpPr/>
+            <p:nvPr/>
+          </p:nvSpPr>
+          <p:spPr bwMode="auto">
+            <a:xfrm>
+              <a:off x="5179843" y="2146835"/>
+              <a:ext cx="100012" cy="97631"/>
+            </a:xfrm>
+            <a:prstGeom prst="rect">
+              <a:avLst/>
+            </a:prstGeom>
+            <a:solidFill>
+              <a:srgbClr val="FFFFFF"/>
+            </a:solidFill>
+            <a:ln w="3175">
+              <a:solidFill>
+                <a:srgbClr val="FFFFFF">
+                  <a:lumMod val="65000"/>
+                </a:srgbClr>
+              </a:solidFill>
+            </a:ln>
+          </p:spPr>
+          <p:style>
+            <a:lnRef idx="2">
+              <a:srgbClr val="4F81BD">
+                <a:shade val="50000"/>
+              </a:srgbClr>
+            </a:lnRef>
+            <a:fillRef idx="1">
+              <a:srgbClr val="4F81BD"/>
+            </a:fillRef>
+            <a:effectRef idx="0">
+              <a:srgbClr val="4F81BD"/>
+            </a:effectRef>
+            <a:fontRef idx="minor">
+              <a:srgbClr val="000000"/>
+            </a:fontRef>
+          </p:style>
+          <p:txBody>
+            <a:bodyPr rtlCol="0" anchor="ctr"/>
+            <a:lstStyle/>
+            <a:p>
+              <a:pPr algn="ctr">
+                <a:defRPr/>
+              </a:pPr>
+              <a:endParaRPr lang="en-US"/>
+            </a:p>
+          </p:txBody>
+        </p:sp>
+      </p:grpSp>
+      <p:grpSp>
+        <p:nvGrpSpPr>
+          <p:cNvPr id="39" name="CheckBoxUnchecked">
+            <a:extLst>
+              <a:ext uri="{FF2B5EF4-FFF2-40B4-BE49-F238E27FC236}">
+                <a16:creationId xmlns:a16="http://schemas.microsoft.com/office/drawing/2014/main" id="{CD55220B-F858-462A-91B0-F15F6564E6B8}"/>
+              </a:ext>
+            </a:extLst>
+          </p:cNvPr>
+          <p:cNvGrpSpPr/>
+          <p:nvPr/>
+        </p:nvGrpSpPr>
+        <p:grpSpPr bwMode="auto">
+          <a:xfrm>
+            <a:off x="5807968" y="4422304"/>
+            <a:ext cx="443204" cy="230832"/>
+            <a:chOff x="5179843" y="2087449"/>
+            <a:chExt cx="415372" cy="216403"/>
+          </a:xfrm>
+        </p:grpSpPr>
+        <p:sp>
+          <p:nvSpPr>
+            <p:cNvPr id="40" name="Content">
+              <a:extLst>
+                <a:ext uri="{FF2B5EF4-FFF2-40B4-BE49-F238E27FC236}">
+                  <a16:creationId xmlns:a16="http://schemas.microsoft.com/office/drawing/2014/main" id="{74D1FAD4-E9B6-4508-9857-9AF6CE0BF1FD}"/>
+                </a:ext>
+              </a:extLst>
+            </p:cNvPr>
+            <p:cNvSpPr>
+              <a:spLocks/>
+            </p:cNvSpPr>
+            <p:nvPr/>
+          </p:nvSpPr>
+          <p:spPr bwMode="auto">
+            <a:xfrm>
+              <a:off x="5179848" y="2087449"/>
+              <a:ext cx="415367" cy="216403"/>
+            </a:xfrm>
+            <a:prstGeom prst="rect">
+              <a:avLst/>
+            </a:prstGeom>
+            <a:noFill/>
+          </p:spPr>
+          <p:txBody>
+            <a:bodyPr wrap="none" lIns="164592" tIns="18288" rIns="45720" bIns="27432" rtlCol="0" anchor="ctr" anchorCtr="0">
+              <a:spAutoFit/>
+            </a:bodyPr>
+            <a:lstStyle/>
+            <a:p>
+              <a:pPr>
+                <a:defRPr/>
+              </a:pPr>
+              <a:r>
+                <a:rPr lang="en-US" sz="1200" dirty="0">
+                  <a:solidFill>
+                    <a:schemeClr val="bg1"/>
+                  </a:solidFill>
+                  <a:latin typeface="Segoe UI"/>
+                  <a:ea typeface="Segoe UI"/>
+                </a:rPr>
+                <a:t>4 *</a:t>
+              </a:r>
+              <a:r>
+                <a:rPr lang="en-US" sz="1200" dirty="0">
+                  <a:latin typeface="Segoe UI"/>
+                  <a:ea typeface="Segoe UI"/>
+                </a:rPr>
+                <a:t> </a:t>
+              </a:r>
+              <a:endParaRPr lang="en-US" sz="1200" dirty="0">
+                <a:solidFill>
+                  <a:schemeClr val="bg1"/>
+                </a:solidFill>
+                <a:latin typeface="Segoe UI"/>
+                <a:ea typeface="Segoe UI"/>
+              </a:endParaRPr>
+            </a:p>
+          </p:txBody>
+        </p:sp>
+        <p:sp>
+          <p:nvSpPr>
+            <p:cNvPr id="41" name="CheckBox">
+              <a:extLst>
+                <a:ext uri="{FF2B5EF4-FFF2-40B4-BE49-F238E27FC236}">
+                  <a16:creationId xmlns:a16="http://schemas.microsoft.com/office/drawing/2014/main" id="{BB4803A7-9F3C-4506-8E7F-1373FCC52864}"/>
+                </a:ext>
+              </a:extLst>
+            </p:cNvPr>
+            <p:cNvSpPr/>
+            <p:nvPr/>
+          </p:nvSpPr>
+          <p:spPr bwMode="auto">
+            <a:xfrm>
+              <a:off x="5179843" y="2146835"/>
+              <a:ext cx="100012" cy="97631"/>
+            </a:xfrm>
+            <a:prstGeom prst="rect">
+              <a:avLst/>
+            </a:prstGeom>
+            <a:solidFill>
+              <a:srgbClr val="FFFFFF"/>
+            </a:solidFill>
+            <a:ln w="3175">
+              <a:solidFill>
+                <a:srgbClr val="FFFFFF">
+                  <a:lumMod val="65000"/>
+                </a:srgbClr>
+              </a:solidFill>
+            </a:ln>
+          </p:spPr>
+          <p:style>
+            <a:lnRef idx="2">
+              <a:srgbClr val="4F81BD">
+                <a:shade val="50000"/>
+              </a:srgbClr>
+            </a:lnRef>
+            <a:fillRef idx="1">
+              <a:srgbClr val="4F81BD"/>
+            </a:fillRef>
+            <a:effectRef idx="0">
+              <a:srgbClr val="4F81BD"/>
+            </a:effectRef>
+            <a:fontRef idx="minor">
+              <a:srgbClr val="000000"/>
+            </a:fontRef>
+          </p:style>
+          <p:txBody>
+            <a:bodyPr rtlCol="0" anchor="ctr"/>
+            <a:lstStyle/>
+            <a:p>
+              <a:pPr algn="ctr">
+                <a:defRPr/>
+              </a:pPr>
+              <a:endParaRPr lang="en-US"/>
+            </a:p>
+          </p:txBody>
+        </p:sp>
+      </p:grpSp>
+      <p:grpSp>
+        <p:nvGrpSpPr>
+          <p:cNvPr id="42" name="CheckBoxUnchecked">
+            <a:extLst>
+              <a:ext uri="{FF2B5EF4-FFF2-40B4-BE49-F238E27FC236}">
+                <a16:creationId xmlns:a16="http://schemas.microsoft.com/office/drawing/2014/main" id="{E3256539-5680-48F6-861C-6B61BFFE4961}"/>
+              </a:ext>
+            </a:extLst>
+          </p:cNvPr>
+          <p:cNvGrpSpPr/>
+          <p:nvPr/>
+        </p:nvGrpSpPr>
+        <p:grpSpPr bwMode="auto">
+          <a:xfrm>
+            <a:off x="6372877" y="4422304"/>
+            <a:ext cx="443203" cy="230832"/>
+            <a:chOff x="5179843" y="2087449"/>
+            <a:chExt cx="415372" cy="216403"/>
+          </a:xfrm>
+        </p:grpSpPr>
+        <p:sp>
+          <p:nvSpPr>
+            <p:cNvPr id="43" name="Content">
+              <a:extLst>
+                <a:ext uri="{FF2B5EF4-FFF2-40B4-BE49-F238E27FC236}">
+                  <a16:creationId xmlns:a16="http://schemas.microsoft.com/office/drawing/2014/main" id="{4D360C9B-4F2F-4E43-8FAC-0698E6C4785D}"/>
+                </a:ext>
+              </a:extLst>
+            </p:cNvPr>
+            <p:cNvSpPr>
+              <a:spLocks/>
+            </p:cNvSpPr>
+            <p:nvPr/>
+          </p:nvSpPr>
+          <p:spPr bwMode="auto">
+            <a:xfrm>
+              <a:off x="5179848" y="2087449"/>
+              <a:ext cx="415367" cy="216403"/>
+            </a:xfrm>
+            <a:prstGeom prst="rect">
+              <a:avLst/>
+            </a:prstGeom>
+            <a:noFill/>
+          </p:spPr>
+          <p:txBody>
+            <a:bodyPr wrap="none" lIns="164592" tIns="18288" rIns="45720" bIns="27432" rtlCol="0" anchor="ctr" anchorCtr="0">
+              <a:spAutoFit/>
+            </a:bodyPr>
+            <a:lstStyle/>
+            <a:p>
+              <a:pPr>
+                <a:defRPr/>
+              </a:pPr>
+              <a:r>
+                <a:rPr lang="en-US" sz="1200" dirty="0">
+                  <a:solidFill>
+                    <a:schemeClr val="bg1"/>
+                  </a:solidFill>
+                  <a:latin typeface="Segoe UI"/>
+                  <a:ea typeface="Segoe UI"/>
+                </a:rPr>
+                <a:t>5 *</a:t>
+              </a:r>
+              <a:r>
+                <a:rPr lang="en-US" sz="1200" dirty="0">
+                  <a:latin typeface="Segoe UI"/>
+                  <a:ea typeface="Segoe UI"/>
+                </a:rPr>
+                <a:t> </a:t>
+              </a:r>
+              <a:endParaRPr lang="en-US" sz="1200" dirty="0">
+                <a:solidFill>
+                  <a:schemeClr val="bg1"/>
+                </a:solidFill>
+                <a:latin typeface="Segoe UI"/>
+                <a:ea typeface="Segoe UI"/>
+              </a:endParaRPr>
+            </a:p>
+          </p:txBody>
+        </p:sp>
+        <p:sp>
+          <p:nvSpPr>
+            <p:cNvPr id="44" name="CheckBox">
+              <a:extLst>
+                <a:ext uri="{FF2B5EF4-FFF2-40B4-BE49-F238E27FC236}">
+                  <a16:creationId xmlns:a16="http://schemas.microsoft.com/office/drawing/2014/main" id="{1F7B6D43-0BC6-4D84-86D8-64050FEED99F}"/>
+                </a:ext>
+              </a:extLst>
+            </p:cNvPr>
+            <p:cNvSpPr/>
+            <p:nvPr/>
+          </p:nvSpPr>
+          <p:spPr bwMode="auto">
+            <a:xfrm>
+              <a:off x="5179843" y="2146835"/>
+              <a:ext cx="100012" cy="97631"/>
+            </a:xfrm>
+            <a:prstGeom prst="rect">
+              <a:avLst/>
+            </a:prstGeom>
+            <a:solidFill>
+              <a:srgbClr val="FFFFFF"/>
+            </a:solidFill>
+            <a:ln w="3175">
+              <a:solidFill>
+                <a:srgbClr val="FFFFFF">
+                  <a:lumMod val="65000"/>
+                </a:srgbClr>
+              </a:solidFill>
+            </a:ln>
+          </p:spPr>
+          <p:style>
+            <a:lnRef idx="2">
+              <a:srgbClr val="4F81BD">
+                <a:shade val="50000"/>
+              </a:srgbClr>
+            </a:lnRef>
+            <a:fillRef idx="1">
+              <a:srgbClr val="4F81BD"/>
+            </a:fillRef>
+            <a:effectRef idx="0">
+              <a:srgbClr val="4F81BD"/>
+            </a:effectRef>
+            <a:fontRef idx="minor">
+              <a:srgbClr val="000000"/>
+            </a:fontRef>
+          </p:style>
+          <p:txBody>
+            <a:bodyPr rtlCol="0" anchor="ctr"/>
+            <a:lstStyle/>
+            <a:p>
+              <a:pPr algn="ctr">
+                <a:defRPr/>
+              </a:pPr>
+              <a:endParaRPr lang="en-US" dirty="0"/>
+            </a:p>
+          </p:txBody>
+        </p:sp>
+      </p:grpSp>
+      <p:pic>
+        <p:nvPicPr>
+          <p:cNvPr id="3" name="Grafik 2" descr="Pfeil: 180-Grad">
+            <a:extLst>
+              <a:ext uri="{FF2B5EF4-FFF2-40B4-BE49-F238E27FC236}">
+                <a16:creationId xmlns:a16="http://schemas.microsoft.com/office/drawing/2014/main" id="{00B79F13-89B9-45AC-B393-28E7826245A9}"/>
+              </a:ext>
+            </a:extLst>
+          </p:cNvPr>
+          <p:cNvPicPr>
+            <a:picLocks noChangeAspect="1"/>
+          </p:cNvPicPr>
+          <p:nvPr/>
+        </p:nvPicPr>
+        <p:blipFill>
+          <a:blip r:embed="rId4">
+            <a:extLst>
+              <a:ext uri="{28A0092B-C50C-407E-A947-70E740481C1C}">
+                <a14:useLocalDpi xmlns:a14="http://schemas.microsoft.com/office/drawing/2010/main" val="0"/>
+              </a:ext>
+              <a:ext uri="{96DAC541-7B7A-43D3-8B79-37D633B846F1}">
+                <asvg:svgBlip xmlns:asvg="http://schemas.microsoft.com/office/drawing/2016/SVG/main" r:embed="rId5"/>
+              </a:ext>
+            </a:extLst>
+          </a:blip>
+          <a:stretch>
+            <a:fillRect/>
+          </a:stretch>
+        </p:blipFill>
+        <p:spPr>
+          <a:xfrm>
+            <a:off x="7968208" y="526441"/>
+            <a:ext cx="454288" cy="454288"/>
+          </a:xfrm>
+          <a:prstGeom prst="rect">
+            <a:avLst/>
+          </a:prstGeom>
+        </p:spPr>
+      </p:pic>
+      <p:pic>
+        <p:nvPicPr>
+          <p:cNvPr id="5" name="Grafik 4" descr="Heim">
+            <a:extLst>
+              <a:ext uri="{FF2B5EF4-FFF2-40B4-BE49-F238E27FC236}">
+                <a16:creationId xmlns:a16="http://schemas.microsoft.com/office/drawing/2014/main" id="{C30BBE14-8AE2-4084-B460-AF1616EAB79C}"/>
+              </a:ext>
+            </a:extLst>
+          </p:cNvPr>
+          <p:cNvPicPr>
+            <a:picLocks noChangeAspect="1"/>
+          </p:cNvPicPr>
+          <p:nvPr/>
+        </p:nvPicPr>
+        <p:blipFill>
+          <a:blip r:embed="rId6">
+            <a:extLst>
+              <a:ext uri="{28A0092B-C50C-407E-A947-70E740481C1C}">
+                <a14:useLocalDpi xmlns:a14="http://schemas.microsoft.com/office/drawing/2010/main" val="0"/>
+              </a:ext>
+              <a:ext uri="{96DAC541-7B7A-43D3-8B79-37D633B846F1}">
+                <asvg:svgBlip xmlns:asvg="http://schemas.microsoft.com/office/drawing/2016/SVG/main" r:embed="rId7"/>
+              </a:ext>
+            </a:extLst>
+          </a:blip>
+          <a:stretch>
+            <a:fillRect/>
+          </a:stretch>
+        </p:blipFill>
+        <p:spPr>
+          <a:xfrm>
+            <a:off x="8594039" y="508940"/>
+            <a:ext cx="454289" cy="454289"/>
+          </a:xfrm>
+          <a:prstGeom prst="rect">
+            <a:avLst/>
+          </a:prstGeom>
+        </p:spPr>
+      </p:pic>
+    </p:spTree>
+    <p:extLst>
+      <p:ext uri="{BB962C8B-B14F-4D97-AF65-F5344CB8AC3E}">
+        <p14:creationId xmlns:p14="http://schemas.microsoft.com/office/powerpoint/2010/main" val="3465998000"/>
+      </p:ext>
+    </p:extLst>
+  </p:cSld>
+  <p:clrMapOvr>
+    <a:masterClrMapping/>
+  </p:clrMapOvr>
+</p:sld>
+</file>
+
+<file path=ppt/slides/slide11.xml><?xml version="1.0" encoding="utf-8"?>
+<p:sld xmlns:a="http://schemas.openxmlformats.org/drawingml/2006/main" xmlns:r="http://schemas.openxmlformats.org/officeDocument/2006/relationships" xmlns:p="http://schemas.openxmlformats.org/presentationml/2006/main">
+  <p:cSld>
+    <p:spTree>
+      <p:nvGrpSpPr>
+        <p:cNvPr id="1" name=""/>
+        <p:cNvGrpSpPr/>
+        <p:nvPr/>
+      </p:nvGrpSpPr>
+      <p:grpSpPr>
+        <a:xfrm>
+          <a:off x="0" y="0"/>
+          <a:ext cx="0" cy="0"/>
+          <a:chOff x="0" y="0"/>
+          <a:chExt cx="0" cy="0"/>
+        </a:xfrm>
+      </p:grpSpPr>
+      <p:pic>
+        <p:nvPicPr>
+          <p:cNvPr id="7" name="Grafik 6">
+            <a:extLst>
+              <a:ext uri="{FF2B5EF4-FFF2-40B4-BE49-F238E27FC236}">
+                <a16:creationId xmlns:a16="http://schemas.microsoft.com/office/drawing/2014/main" id="{89730167-1AB8-4780-AA26-37E1709F25C1}"/>
+              </a:ext>
+            </a:extLst>
+          </p:cNvPr>
+          <p:cNvPicPr>
+            <a:picLocks noChangeAspect="1"/>
+          </p:cNvPicPr>
+          <p:nvPr/>
+        </p:nvPicPr>
+        <p:blipFill>
+          <a:blip r:embed="rId2">
+            <a:extLst>
+              <a:ext uri="{28A0092B-C50C-407E-A947-70E740481C1C}">
+                <a14:useLocalDpi xmlns:a14="http://schemas.microsoft.com/office/drawing/2010/main" val="0"/>
+              </a:ext>
+            </a:extLst>
+          </a:blip>
+          <a:stretch>
+            <a:fillRect/>
+          </a:stretch>
+        </p:blipFill>
+        <p:spPr bwMode="auto">
+          <a:xfrm>
+            <a:off x="1517496" y="486245"/>
+            <a:ext cx="7674848" cy="5651481"/>
+          </a:xfrm>
+          <a:prstGeom prst="rect">
+            <a:avLst/>
+          </a:prstGeom>
+        </p:spPr>
+      </p:pic>
+      <p:sp>
+        <p:nvSpPr>
+          <p:cNvPr id="8" name="Content">
+            <a:extLst>
+              <a:ext uri="{FF2B5EF4-FFF2-40B4-BE49-F238E27FC236}">
+                <a16:creationId xmlns:a16="http://schemas.microsoft.com/office/drawing/2014/main" id="{914115D2-3B49-4966-9402-93F86E07F7F3}"/>
+              </a:ext>
+            </a:extLst>
+          </p:cNvPr>
+          <p:cNvSpPr>
+            <a:spLocks/>
+          </p:cNvSpPr>
+          <p:nvPr/>
+        </p:nvSpPr>
+        <p:spPr bwMode="auto">
+          <a:xfrm>
             <a:off x="4223792" y="1076667"/>
             <a:ext cx="2343911" cy="415498"/>
           </a:xfrm>
@@ -4413,7 +5761,7 @@
 </p:sld>
 </file>
 
-<file path=ppt/slides/slide11.xml><?xml version="1.0" encoding="utf-8"?>
+<file path=ppt/slides/slide12.xml><?xml version="1.0" encoding="utf-8"?>
 <p:sld xmlns:a="http://schemas.openxmlformats.org/drawingml/2006/main" xmlns:r="http://schemas.openxmlformats.org/officeDocument/2006/relationships" xmlns:p="http://schemas.openxmlformats.org/presentationml/2006/main">
   <p:cSld>
     <p:spTree>
@@ -4500,24 +5848,14 @@
               <a:defRPr/>
             </a:pPr>
             <a:r>
-              <a:rPr lang="en-US" sz="2400" b="1" dirty="0" err="1">
+              <a:rPr lang="en-US" sz="2400" b="1" dirty="0">
                 <a:solidFill>
                   <a:schemeClr val="bg1"/>
                 </a:solidFill>
                 <a:latin typeface="Segoe UI"/>
                 <a:ea typeface="Segoe UI"/>
               </a:rPr>
-              <a:t>Filme</a:t>
-            </a:r>
-            <a:r>
-              <a:rPr lang="en-US" sz="2400" b="1" dirty="0">
-                <a:solidFill>
-                  <a:schemeClr val="bg1"/>
-                </a:solidFill>
-                <a:latin typeface="Segoe UI"/>
-                <a:ea typeface="Segoe UI"/>
-              </a:rPr>
-              <a:t> </a:t>
+              <a:t>Filme </a:t>
             </a:r>
             <a:r>
               <a:rPr lang="en-US" sz="2400" b="1" dirty="0" err="1">
@@ -8708,7 +10046,7 @@
 </p:sld>
 </file>
 
-<file path=ppt/slides/slide12.xml><?xml version="1.0" encoding="utf-8"?>
+<file path=ppt/slides/slide13.xml><?xml version="1.0" encoding="utf-8"?>
 <p:sld xmlns:a="http://schemas.openxmlformats.org/drawingml/2006/main" xmlns:r="http://schemas.openxmlformats.org/officeDocument/2006/relationships" xmlns:p="http://schemas.openxmlformats.org/presentationml/2006/main">
   <p:cSld>
     <p:spTree>
@@ -8795,7 +10133,7 @@
               <a:defRPr/>
             </a:pPr>
             <a:r>
-              <a:rPr lang="en-US" sz="2400" b="1" dirty="0" err="1">
+              <a:rPr lang="en-US" sz="2400" b="1" dirty="0">
                 <a:solidFill>
                   <a:schemeClr val="bg1"/>
                 </a:solidFill>
@@ -8804,13 +10142,6 @@
               </a:rPr>
               <a:t>Suchergebnis</a:t>
             </a:r>
-            <a:endParaRPr lang="en-US" sz="2400" b="1" dirty="0">
-              <a:solidFill>
-                <a:schemeClr val="bg1"/>
-              </a:solidFill>
-              <a:latin typeface="Segoe UI"/>
-              <a:ea typeface="Segoe UI"/>
-            </a:endParaRPr>
           </a:p>
         </p:txBody>
       </p:sp>
@@ -8926,24 +10257,14 @@
               <a:defRPr/>
             </a:pPr>
             <a:r>
-              <a:rPr lang="en-US" sz="1400" b="1" i="1" dirty="0" err="1">
+              <a:rPr lang="en-US" sz="1400" b="1" i="1" dirty="0">
                 <a:solidFill>
                   <a:schemeClr val="bg1"/>
                 </a:solidFill>
                 <a:latin typeface="Segoe UI"/>
                 <a:ea typeface="Segoe UI"/>
               </a:rPr>
-              <a:t>Filterkriterium</a:t>
-            </a:r>
-            <a:r>
-              <a:rPr lang="en-US" sz="1400" b="1" i="1" dirty="0">
-                <a:solidFill>
-                  <a:schemeClr val="bg1"/>
-                </a:solidFill>
-                <a:latin typeface="Segoe UI"/>
-                <a:ea typeface="Segoe UI"/>
-              </a:rPr>
-              <a:t>:</a:t>
+              <a:t>Filterkriterium:</a:t>
             </a:r>
             <a:endParaRPr lang="en-US" sz="1200" dirty="0">
               <a:solidFill>
@@ -8996,27 +10317,7 @@
                 <a:latin typeface="Segoe UI"/>
                 <a:ea typeface="Segoe UI"/>
               </a:rPr>
-              <a:t>&lt;</a:t>
-            </a:r>
-            <a:r>
-              <a:rPr lang="en-US" sz="1400" b="1" i="1" dirty="0" err="1">
-                <a:solidFill>
-                  <a:schemeClr val="bg1"/>
-                </a:solidFill>
-                <a:latin typeface="Segoe UI"/>
-                <a:ea typeface="Segoe UI"/>
-              </a:rPr>
-              <a:t>Kriterium</a:t>
-            </a:r>
-            <a:r>
-              <a:rPr lang="en-US" sz="1400" b="1" i="1" dirty="0">
-                <a:solidFill>
-                  <a:schemeClr val="bg1"/>
-                </a:solidFill>
-                <a:latin typeface="Segoe UI"/>
-                <a:ea typeface="Segoe UI"/>
-              </a:rPr>
-              <a:t>&gt;</a:t>
+              <a:t>&lt;Kriterium&gt;</a:t>
             </a:r>
             <a:endParaRPr lang="en-US" sz="1200" dirty="0">
               <a:solidFill>
@@ -9062,44 +10363,14 @@
               <a:defRPr/>
             </a:pPr>
             <a:r>
-              <a:rPr lang="en-US" sz="1400" b="1" i="1" dirty="0" err="1">
+              <a:rPr lang="en-US" sz="1400" b="1" i="1" dirty="0">
                 <a:solidFill>
                   <a:schemeClr val="bg1"/>
                 </a:solidFill>
                 <a:latin typeface="Segoe UI"/>
                 <a:ea typeface="Segoe UI"/>
               </a:rPr>
-              <a:t>Passende</a:t>
-            </a:r>
-            <a:r>
-              <a:rPr lang="en-US" sz="1400" b="1" i="1" dirty="0">
-                <a:solidFill>
-                  <a:schemeClr val="bg1"/>
-                </a:solidFill>
-                <a:latin typeface="Segoe UI"/>
-                <a:ea typeface="Segoe UI"/>
-              </a:rPr>
-              <a:t> </a:t>
-            </a:r>
-            <a:r>
-              <a:rPr lang="en-US" sz="1400" b="1" i="1" dirty="0" err="1">
-                <a:solidFill>
-                  <a:schemeClr val="bg1"/>
-                </a:solidFill>
-                <a:latin typeface="Segoe UI"/>
-                <a:ea typeface="Segoe UI"/>
-              </a:rPr>
-              <a:t>Filme</a:t>
-            </a:r>
-            <a:r>
-              <a:rPr lang="en-US" sz="1400" b="1" i="1" dirty="0">
-                <a:solidFill>
-                  <a:schemeClr val="bg1"/>
-                </a:solidFill>
-                <a:latin typeface="Segoe UI"/>
-                <a:ea typeface="Segoe UI"/>
-              </a:rPr>
-              <a:t>:</a:t>
+              <a:t>Passende Filme:</a:t>
             </a:r>
             <a:endParaRPr lang="en-US" sz="1200" dirty="0">
               <a:solidFill>
@@ -9208,7 +10479,7 @@
                   <a:buNone/>
                   <a:defRPr/>
                 </a:pPr>
-                <a:endParaRPr lang="en-US" sz="1050" b="0" i="0" u="none" strike="noStrike" cap="none" spc="0">
+                <a:endParaRPr lang="en-US" sz="1050" b="0" i="0" u="none" strike="noStrike" cap="none" spc="0" dirty="0">
                   <a:ln>
                     <a:noFill/>
                   </a:ln>
@@ -9281,23 +10552,8 @@
                     </a:solidFill>
                     <a:latin typeface="Segoe UI"/>
                   </a:rPr>
-                  <a:t>König der </a:t>
+                  <a:t>König der Löwen</a:t>
                 </a:r>
-                <a:r>
-                  <a:rPr lang="en-US" sz="1200" dirty="0" err="1">
-                    <a:solidFill>
-                      <a:sysClr val="windowText" lastClr="000000"/>
-                    </a:solidFill>
-                    <a:latin typeface="Segoe UI"/>
-                  </a:rPr>
-                  <a:t>Löwen</a:t>
-                </a:r>
-                <a:endParaRPr lang="en-US" sz="1200" dirty="0">
-                  <a:solidFill>
-                    <a:sysClr val="windowText" lastClr="000000"/>
-                  </a:solidFill>
-                  <a:latin typeface="Segoe UI"/>
-                </a:endParaRPr>
               </a:p>
               <a:p>
                 <a:pPr>
@@ -9325,23 +10581,8 @@
                     </a:solidFill>
                     <a:latin typeface="Segoe UI"/>
                   </a:rPr>
-                  <a:t>Herr der </a:t>
+                  <a:t>Herr der Ringe</a:t>
                 </a:r>
-                <a:r>
-                  <a:rPr lang="en-US" sz="1200" dirty="0" err="1">
-                    <a:solidFill>
-                      <a:sysClr val="windowText" lastClr="000000"/>
-                    </a:solidFill>
-                    <a:latin typeface="Segoe UI"/>
-                  </a:rPr>
-                  <a:t>Ringe</a:t>
-                </a:r>
-                <a:endParaRPr lang="en-US" sz="1200" dirty="0">
-                  <a:solidFill>
-                    <a:sysClr val="windowText" lastClr="000000"/>
-                  </a:solidFill>
-                  <a:latin typeface="Segoe UI"/>
-                </a:endParaRPr>
               </a:p>
               <a:p>
                 <a:pPr>
@@ -9384,23 +10625,8 @@
                     </a:solidFill>
                     <a:latin typeface="Segoe UI"/>
                   </a:rPr>
-                  <a:t>Die </a:t>
+                  <a:t>Die Unfassbaren</a:t>
                 </a:r>
-                <a:r>
-                  <a:rPr lang="en-US" sz="1200" dirty="0" err="1">
-                    <a:solidFill>
-                      <a:sysClr val="windowText" lastClr="000000"/>
-                    </a:solidFill>
-                    <a:latin typeface="Segoe UI"/>
-                  </a:rPr>
-                  <a:t>Unfassbaren</a:t>
-                </a:r>
-                <a:endParaRPr lang="en-US" sz="1200" dirty="0">
-                  <a:solidFill>
-                    <a:sysClr val="windowText" lastClr="000000"/>
-                  </a:solidFill>
-                  <a:latin typeface="Segoe UI"/>
-                </a:endParaRPr>
               </a:p>
             </p:txBody>
           </p:sp>
@@ -9481,7 +10707,7 @@
                 <a:pPr algn="ctr" defTabSz="913915">
                   <a:defRPr/>
                 </a:pPr>
-                <a:endParaRPr lang="en-US"/>
+                <a:endParaRPr lang="en-US" dirty="0"/>
               </a:p>
             </p:txBody>
           </p:sp>
@@ -9541,7 +10767,7 @@
                 <a:pPr algn="ctr">
                   <a:defRPr/>
                 </a:pPr>
-                <a:endParaRPr lang="en-US"/>
+                <a:endParaRPr lang="en-US" dirty="0"/>
               </a:p>
             </p:txBody>
           </p:sp>
@@ -9600,7 +10826,7 @@
                 <a:pPr algn="ctr">
                   <a:defRPr/>
                 </a:pPr>
-                <a:endParaRPr lang="en-US"/>
+                <a:endParaRPr lang="en-US" dirty="0"/>
               </a:p>
             </p:txBody>
           </p:sp>
@@ -9659,7 +10885,7 @@
                 <a:pPr algn="ctr">
                   <a:defRPr/>
                 </a:pPr>
-                <a:endParaRPr lang="en-US"/>
+                <a:endParaRPr lang="en-US" dirty="0"/>
               </a:p>
             </p:txBody>
           </p:sp>
@@ -9678,7 +10904,7 @@
 </p:sld>
 </file>
 
-<file path=ppt/slides/slide13.xml><?xml version="1.0" encoding="utf-8"?>
+<file path=ppt/slides/slide14.xml><?xml version="1.0" encoding="utf-8"?>
 <p:sld xmlns:a="http://schemas.openxmlformats.org/drawingml/2006/main" xmlns:r="http://schemas.openxmlformats.org/officeDocument/2006/relationships" xmlns:p="http://schemas.openxmlformats.org/presentationml/2006/main">
   <p:cSld>
     <p:spTree>
@@ -9767,25 +10993,8 @@
                 <a:latin typeface="Segoe UI"/>
                 <a:ea typeface="Segoe UI"/>
               </a:rPr>
-              <a:t>Administrator </a:t>
-            </a:r>
-            <a:r>
-              <a:rPr lang="en-US" sz="2400" b="1" dirty="0" err="1">
-                <a:solidFill>
-                  <a:srgbClr val="000000"/>
-                </a:solidFill>
-                <a:latin typeface="Segoe UI"/>
-                <a:ea typeface="Segoe UI"/>
-              </a:rPr>
-              <a:t>Bereich</a:t>
-            </a:r>
-            <a:endParaRPr lang="en-US" sz="2400" b="1" dirty="0">
-              <a:solidFill>
-                <a:srgbClr val="000000"/>
-              </a:solidFill>
-              <a:latin typeface="Segoe UI"/>
-              <a:ea typeface="Segoe UI"/>
-            </a:endParaRPr>
+              <a:t>Administrator Bereich</a:t>
+            </a:r>
           </a:p>
         </p:txBody>
       </p:sp>
@@ -10102,7 +11311,7 @@
                 <a:pPr algn="ctr" defTabSz="913915">
                   <a:defRPr/>
                 </a:pPr>
-                <a:endParaRPr lang="en-US"/>
+                <a:endParaRPr lang="en-US" dirty="0"/>
               </a:p>
             </p:txBody>
           </p:sp>
@@ -10162,7 +11371,7 @@
                 <a:pPr algn="ctr">
                   <a:defRPr/>
                 </a:pPr>
-                <a:endParaRPr lang="en-US"/>
+                <a:endParaRPr lang="en-US" dirty="0"/>
               </a:p>
             </p:txBody>
           </p:sp>
@@ -10221,7 +11430,7 @@
                 <a:pPr algn="ctr">
                   <a:defRPr/>
                 </a:pPr>
-                <a:endParaRPr lang="en-US"/>
+                <a:endParaRPr lang="en-US" dirty="0"/>
               </a:p>
             </p:txBody>
           </p:sp>
@@ -10280,7 +11489,7 @@
                 <a:pPr algn="ctr">
                   <a:defRPr/>
                 </a:pPr>
-                <a:endParaRPr lang="en-US"/>
+                <a:endParaRPr lang="en-US" dirty="0"/>
               </a:p>
             </p:txBody>
           </p:sp>
@@ -10344,22 +11553,13 @@
               <a:defRPr/>
             </a:pPr>
             <a:r>
-              <a:rPr lang="en-US" sz="1200" b="1" dirty="0" err="1">
+              <a:rPr lang="en-US" sz="1200" b="1" dirty="0">
                 <a:solidFill>
                   <a:srgbClr val="000000"/>
                 </a:solidFill>
                 <a:latin typeface="Segoe UI"/>
               </a:rPr>
-              <a:t>Filme</a:t>
-            </a:r>
-            <a:r>
-              <a:rPr lang="en-US" sz="1200" b="1" dirty="0">
-                <a:solidFill>
-                  <a:srgbClr val="000000"/>
-                </a:solidFill>
-                <a:latin typeface="Segoe UI"/>
-              </a:rPr>
-              <a:t> </a:t>
+              <a:t>Filme </a:t>
             </a:r>
             <a:r>
               <a:rPr lang="en-US" sz="1200" b="1" dirty="0" err="1">
@@ -10973,7 +12173,7 @@
 </p:sld>
 </file>
 
-<file path=ppt/slides/slide14.xml><?xml version="1.0" encoding="utf-8"?>
+<file path=ppt/slides/slide15.xml><?xml version="1.0" encoding="utf-8"?>
 <p:sld xmlns:a="http://schemas.openxmlformats.org/drawingml/2006/main" xmlns:r="http://schemas.openxmlformats.org/officeDocument/2006/relationships" xmlns:p="http://schemas.openxmlformats.org/presentationml/2006/main" showMasterPhAnim="0">
   <p:cSld>
     <p:spTree>
@@ -11040,24 +12240,14 @@
               <a:defRPr/>
             </a:pPr>
             <a:r>
-              <a:rPr lang="en-US" sz="2400" b="1" dirty="0" err="1">
+              <a:rPr lang="en-US" sz="2400" b="1" dirty="0">
                 <a:solidFill>
                   <a:srgbClr val="000000"/>
                 </a:solidFill>
                 <a:latin typeface="Segoe UI"/>
                 <a:ea typeface="Segoe UI"/>
               </a:rPr>
-              <a:t>Filme</a:t>
-            </a:r>
-            <a:r>
-              <a:rPr lang="en-US" sz="2400" b="1" dirty="0">
-                <a:solidFill>
-                  <a:srgbClr val="000000"/>
-                </a:solidFill>
-                <a:latin typeface="Segoe UI"/>
-                <a:ea typeface="Segoe UI"/>
-              </a:rPr>
-              <a:t> </a:t>
+              <a:t>Filme </a:t>
             </a:r>
             <a:r>
               <a:rPr lang="en-US" sz="2400" b="1" dirty="0" err="1">
@@ -11948,7 +13138,7 @@
 </p:sld>
 </file>
 
-<file path=ppt/slides/slide15.xml><?xml version="1.0" encoding="utf-8"?>
+<file path=ppt/slides/slide16.xml><?xml version="1.0" encoding="utf-8"?>
 <p:sld xmlns:a="http://schemas.openxmlformats.org/drawingml/2006/main" xmlns:r="http://schemas.openxmlformats.org/officeDocument/2006/relationships" xmlns:p="http://schemas.openxmlformats.org/presentationml/2006/main" showMasterPhAnim="0">
   <p:cSld>
     <p:spTree>
@@ -12015,24 +13205,14 @@
               <a:defRPr/>
             </a:pPr>
             <a:r>
-              <a:rPr lang="en-US" sz="2400" b="1" dirty="0" err="1">
+              <a:rPr lang="en-US" sz="2400" b="1" dirty="0">
                 <a:solidFill>
                   <a:srgbClr val="000000"/>
                 </a:solidFill>
                 <a:latin typeface="Segoe UI"/>
                 <a:ea typeface="Segoe UI"/>
               </a:rPr>
-              <a:t>Filme</a:t>
-            </a:r>
-            <a:r>
-              <a:rPr lang="en-US" sz="2400" b="1" dirty="0">
-                <a:solidFill>
-                  <a:srgbClr val="000000"/>
-                </a:solidFill>
-                <a:latin typeface="Segoe UI"/>
-                <a:ea typeface="Segoe UI"/>
-              </a:rPr>
-              <a:t> </a:t>
+              <a:t>Filme </a:t>
             </a:r>
             <a:r>
               <a:rPr lang="en-US" sz="2400" b="1" dirty="0" err="1">
@@ -12307,23 +13487,8 @@
                     </a:solidFill>
                     <a:latin typeface="Segoe UI"/>
                   </a:rPr>
-                  <a:t>König der </a:t>
+                  <a:t>König der Löwen</a:t>
                 </a:r>
-                <a:r>
-                  <a:rPr lang="en-US" sz="1200" dirty="0" err="1">
-                    <a:solidFill>
-                      <a:sysClr val="windowText" lastClr="000000"/>
-                    </a:solidFill>
-                    <a:latin typeface="Segoe UI"/>
-                  </a:rPr>
-                  <a:t>Löwen</a:t>
-                </a:r>
-                <a:endParaRPr lang="en-US" sz="1200" dirty="0">
-                  <a:solidFill>
-                    <a:sysClr val="windowText" lastClr="000000"/>
-                  </a:solidFill>
-                  <a:latin typeface="Segoe UI"/>
-                </a:endParaRPr>
               </a:p>
               <a:p>
                 <a:pPr>
@@ -12350,23 +13515,8 @@
                     </a:solidFill>
                     <a:latin typeface="Segoe UI"/>
                   </a:rPr>
-                  <a:t>Herr der </a:t>
+                  <a:t>Herr der Ringe</a:t>
                 </a:r>
-                <a:r>
-                  <a:rPr lang="en-US" sz="1200" dirty="0" err="1">
-                    <a:solidFill>
-                      <a:sysClr val="windowText" lastClr="000000"/>
-                    </a:solidFill>
-                    <a:latin typeface="Segoe UI"/>
-                  </a:rPr>
-                  <a:t>Ringe</a:t>
-                </a:r>
-                <a:endParaRPr lang="en-US" sz="1200" dirty="0">
-                  <a:solidFill>
-                    <a:sysClr val="windowText" lastClr="000000"/>
-                  </a:solidFill>
-                  <a:latin typeface="Segoe UI"/>
-                </a:endParaRPr>
               </a:p>
               <a:p>
                 <a:pPr>
@@ -12409,23 +13559,8 @@
                     </a:solidFill>
                     <a:latin typeface="Segoe UI"/>
                   </a:rPr>
-                  <a:t>Die </a:t>
+                  <a:t>Die Unfassbaren</a:t>
                 </a:r>
-                <a:r>
-                  <a:rPr lang="en-US" sz="1200" dirty="0" err="1">
-                    <a:solidFill>
-                      <a:sysClr val="windowText" lastClr="000000"/>
-                    </a:solidFill>
-                    <a:latin typeface="Segoe UI"/>
-                  </a:rPr>
-                  <a:t>Unfassbaren</a:t>
-                </a:r>
-                <a:endParaRPr lang="en-US" sz="1200" dirty="0">
-                  <a:solidFill>
-                    <a:sysClr val="windowText" lastClr="000000"/>
-                  </a:solidFill>
-                  <a:latin typeface="Segoe UI"/>
-                </a:endParaRPr>
               </a:p>
               <a:p>
                 <a:pPr>
@@ -12734,7 +13869,7 @@
               <a:defRPr/>
             </a:pPr>
             <a:r>
-              <a:rPr lang="en-US" sz="1200" b="1">
+              <a:rPr lang="en-US" sz="1200" b="1" dirty="0">
                 <a:solidFill>
                   <a:srgbClr val="000000"/>
                 </a:solidFill>
@@ -12743,7 +13878,7 @@
               <a:t>Filme</a:t>
             </a:r>
             <a:r>
-              <a:rPr lang="en-US" sz="1200">
+              <a:rPr lang="en-US" sz="1200" dirty="0">
                 <a:solidFill>
                   <a:srgbClr val="000000"/>
                 </a:solidFill>
@@ -12762,7 +13897,7 @@
 </p:sld>
 </file>
 
-<file path=ppt/slides/slide16.xml><?xml version="1.0" encoding="utf-8"?>
+<file path=ppt/slides/slide17.xml><?xml version="1.0" encoding="utf-8"?>
 <p:sld xmlns:a="http://schemas.openxmlformats.org/drawingml/2006/main" xmlns:r="http://schemas.openxmlformats.org/officeDocument/2006/relationships" xmlns:p="http://schemas.openxmlformats.org/presentationml/2006/main" showMasterPhAnim="0">
   <p:cSld>
     <p:spTree>
@@ -12829,24 +13964,14 @@
               <a:defRPr/>
             </a:pPr>
             <a:r>
-              <a:rPr lang="en-US" sz="2400" b="1" dirty="0" err="1">
+              <a:rPr lang="en-US" sz="2400" b="1" dirty="0">
                 <a:solidFill>
                   <a:srgbClr val="000000"/>
                 </a:solidFill>
                 <a:latin typeface="Segoe UI"/>
                 <a:ea typeface="Segoe UI"/>
               </a:rPr>
-              <a:t>Filme</a:t>
-            </a:r>
-            <a:r>
-              <a:rPr lang="en-US" sz="2400" b="1" dirty="0">
-                <a:solidFill>
-                  <a:srgbClr val="000000"/>
-                </a:solidFill>
-                <a:latin typeface="Segoe UI"/>
-                <a:ea typeface="Segoe UI"/>
-              </a:rPr>
-              <a:t> </a:t>
+              <a:t>Filme </a:t>
             </a:r>
             <a:r>
               <a:rPr lang="en-US" sz="2400" b="1" dirty="0" err="1">
@@ -13115,7 +14240,7 @@
                   <a:defRPr/>
                 </a:pPr>
                 <a:r>
-                  <a:rPr lang="en-US" sz="1200">
+                  <a:rPr lang="en-US" sz="1200" dirty="0">
                     <a:solidFill>
                       <a:sysClr val="windowText" lastClr="000000"/>
                     </a:solidFill>
@@ -13129,7 +14254,7 @@
                   <a:defRPr/>
                 </a:pPr>
                 <a:r>
-                  <a:rPr lang="en-US" sz="1200">
+                  <a:rPr lang="en-US" sz="1200" dirty="0">
                     <a:solidFill>
                       <a:sysClr val="windowText" lastClr="000000"/>
                     </a:solidFill>
@@ -13143,7 +14268,7 @@
                   <a:defRPr/>
                 </a:pPr>
                 <a:r>
-                  <a:rPr lang="en-US" sz="1200">
+                  <a:rPr lang="en-US" sz="1200" dirty="0">
                     <a:solidFill>
                       <a:sysClr val="windowText" lastClr="000000"/>
                     </a:solidFill>
@@ -13157,7 +14282,7 @@
                   <a:defRPr/>
                 </a:pPr>
                 <a:r>
-                  <a:rPr lang="en-US" sz="1200">
+                  <a:rPr lang="en-US" sz="1200" dirty="0">
                     <a:solidFill>
                       <a:sysClr val="windowText" lastClr="000000"/>
                     </a:solidFill>
@@ -13165,14 +14290,14 @@
                   </a:rPr>
                   <a:t>Harry Potter</a:t>
                 </a:r>
-                <a:endParaRPr/>
+                <a:endParaRPr dirty="0"/>
               </a:p>
               <a:p>
                 <a:pPr>
                   <a:defRPr/>
                 </a:pPr>
                 <a:r>
-                  <a:rPr lang="en-US" sz="1200">
+                  <a:rPr lang="en-US" sz="1200" dirty="0">
                     <a:solidFill>
                       <a:sysClr val="windowText" lastClr="000000"/>
                     </a:solidFill>
@@ -13180,14 +14305,14 @@
                   </a:rPr>
                   <a:t>Saw</a:t>
                 </a:r>
-                <a:endParaRPr/>
+                <a:endParaRPr dirty="0"/>
               </a:p>
               <a:p>
                 <a:pPr>
                   <a:defRPr/>
                 </a:pPr>
                 <a:r>
-                  <a:rPr lang="en-US" sz="1200">
+                  <a:rPr lang="en-US" sz="1200" dirty="0">
                     <a:solidFill>
                       <a:sysClr val="windowText" lastClr="000000"/>
                     </a:solidFill>
@@ -13200,7 +14325,7 @@
                 <a:pPr>
                   <a:defRPr/>
                 </a:pPr>
-                <a:endParaRPr lang="en-US" sz="1200">
+                <a:endParaRPr lang="en-US" sz="1200" dirty="0">
                   <a:solidFill>
                     <a:sysClr val="windowText" lastClr="000000"/>
                   </a:solidFill>
@@ -13211,7 +14336,7 @@
                 <a:pPr>
                   <a:defRPr/>
                 </a:pPr>
-                <a:endParaRPr lang="en-US" sz="1200">
+                <a:endParaRPr lang="en-US" sz="1200" dirty="0">
                   <a:solidFill>
                     <a:sysClr val="windowText" lastClr="000000"/>
                   </a:solidFill>
@@ -13503,7 +14628,7 @@
               <a:defRPr/>
             </a:pPr>
             <a:r>
-              <a:rPr lang="en-US" sz="1200" b="1">
+              <a:rPr lang="en-US" sz="1200" b="1" dirty="0">
                 <a:solidFill>
                   <a:srgbClr val="000000"/>
                 </a:solidFill>
@@ -13512,7 +14637,7 @@
               <a:t>Filme</a:t>
             </a:r>
             <a:r>
-              <a:rPr lang="en-US" sz="1200">
+              <a:rPr lang="en-US" sz="1200" dirty="0">
                 <a:solidFill>
                   <a:srgbClr val="000000"/>
                 </a:solidFill>
@@ -15184,7 +16309,7 @@
 </p:sld>
 </file>
 
-<file path=ppt/slides/slide17.xml><?xml version="1.0" encoding="utf-8"?>
+<file path=ppt/slides/slide18.xml><?xml version="1.0" encoding="utf-8"?>
 <p:sld xmlns:a="http://schemas.openxmlformats.org/drawingml/2006/main" xmlns:r="http://schemas.openxmlformats.org/officeDocument/2006/relationships" xmlns:p="http://schemas.openxmlformats.org/presentationml/2006/main">
   <p:cSld>
     <p:spTree>
@@ -15594,23 +16719,8 @@
                     </a:solidFill>
                     <a:latin typeface="Segoe UI"/>
                   </a:rPr>
-                  <a:t>König der </a:t>
+                  <a:t>König der Löwen</a:t>
                 </a:r>
-                <a:r>
-                  <a:rPr lang="en-US" sz="1200" dirty="0" err="1">
-                    <a:solidFill>
-                      <a:sysClr val="windowText" lastClr="000000"/>
-                    </a:solidFill>
-                    <a:latin typeface="Segoe UI"/>
-                  </a:rPr>
-                  <a:t>Löwen</a:t>
-                </a:r>
-                <a:endParaRPr lang="en-US" sz="1200" dirty="0">
-                  <a:solidFill>
-                    <a:sysClr val="windowText" lastClr="000000"/>
-                  </a:solidFill>
-                  <a:latin typeface="Segoe UI"/>
-                </a:endParaRPr>
               </a:p>
               <a:p>
                 <a:pPr>
@@ -15638,23 +16748,8 @@
                     </a:solidFill>
                     <a:latin typeface="Segoe UI"/>
                   </a:rPr>
-                  <a:t>Herr der </a:t>
+                  <a:t>Herr der Ringe</a:t>
                 </a:r>
-                <a:r>
-                  <a:rPr lang="en-US" sz="1200" dirty="0" err="1">
-                    <a:solidFill>
-                      <a:sysClr val="windowText" lastClr="000000"/>
-                    </a:solidFill>
-                    <a:latin typeface="Segoe UI"/>
-                  </a:rPr>
-                  <a:t>Ringe</a:t>
-                </a:r>
-                <a:endParaRPr lang="en-US" sz="1200" dirty="0">
-                  <a:solidFill>
-                    <a:sysClr val="windowText" lastClr="000000"/>
-                  </a:solidFill>
-                  <a:latin typeface="Segoe UI"/>
-                </a:endParaRPr>
               </a:p>
               <a:p>
                 <a:pPr>
@@ -15697,23 +16792,8 @@
                     </a:solidFill>
                     <a:latin typeface="Segoe UI"/>
                   </a:rPr>
-                  <a:t>Die </a:t>
+                  <a:t>Die Unfassbaren</a:t>
                 </a:r>
-                <a:r>
-                  <a:rPr lang="en-US" sz="1200" dirty="0" err="1">
-                    <a:solidFill>
-                      <a:sysClr val="windowText" lastClr="000000"/>
-                    </a:solidFill>
-                    <a:latin typeface="Segoe UI"/>
-                  </a:rPr>
-                  <a:t>Unfassbaren</a:t>
-                </a:r>
-                <a:endParaRPr lang="en-US" sz="1200" dirty="0">
-                  <a:solidFill>
-                    <a:sysClr val="windowText" lastClr="000000"/>
-                  </a:solidFill>
-                  <a:latin typeface="Segoe UI"/>
-                </a:endParaRPr>
               </a:p>
             </p:txBody>
           </p:sp>
@@ -17719,7 +18799,7 @@
 </p:sld>
 </file>
 
-<file path=ppt/slides/slide18.xml><?xml version="1.0" encoding="utf-8"?>
+<file path=ppt/slides/slide19.xml><?xml version="1.0" encoding="utf-8"?>
 <p:sld xmlns:a="http://schemas.openxmlformats.org/drawingml/2006/main" xmlns:r="http://schemas.openxmlformats.org/officeDocument/2006/relationships" xmlns:p="http://schemas.openxmlformats.org/presentationml/2006/main" showMasterPhAnim="0">
   <p:cSld>
     <p:spTree>
@@ -18129,23 +19209,8 @@
                     </a:solidFill>
                     <a:latin typeface="Segoe UI"/>
                   </a:rPr>
-                  <a:t>König der </a:t>
+                  <a:t>König der Löwen</a:t>
                 </a:r>
-                <a:r>
-                  <a:rPr lang="en-US" sz="1200" dirty="0" err="1">
-                    <a:solidFill>
-                      <a:sysClr val="windowText" lastClr="000000"/>
-                    </a:solidFill>
-                    <a:latin typeface="Segoe UI"/>
-                  </a:rPr>
-                  <a:t>Löwen</a:t>
-                </a:r>
-                <a:endParaRPr lang="en-US" sz="1200" dirty="0">
-                  <a:solidFill>
-                    <a:sysClr val="windowText" lastClr="000000"/>
-                  </a:solidFill>
-                  <a:latin typeface="Segoe UI"/>
-                </a:endParaRPr>
               </a:p>
               <a:p>
                 <a:pPr>
@@ -18173,23 +19238,8 @@
                     </a:solidFill>
                     <a:latin typeface="Segoe UI"/>
                   </a:rPr>
-                  <a:t>Herr der </a:t>
+                  <a:t>Herr der Ringe</a:t>
                 </a:r>
-                <a:r>
-                  <a:rPr lang="en-US" sz="1200" dirty="0" err="1">
-                    <a:solidFill>
-                      <a:sysClr val="windowText" lastClr="000000"/>
-                    </a:solidFill>
-                    <a:latin typeface="Segoe UI"/>
-                  </a:rPr>
-                  <a:t>Ringe</a:t>
-                </a:r>
-                <a:endParaRPr lang="en-US" sz="1200" dirty="0">
-                  <a:solidFill>
-                    <a:sysClr val="windowText" lastClr="000000"/>
-                  </a:solidFill>
-                  <a:latin typeface="Segoe UI"/>
-                </a:endParaRPr>
               </a:p>
               <a:p>
                 <a:pPr>
@@ -18232,23 +19282,8 @@
                     </a:solidFill>
                     <a:latin typeface="Segoe UI"/>
                   </a:rPr>
-                  <a:t>Die </a:t>
+                  <a:t>Die Unfassbaren</a:t>
                 </a:r>
-                <a:r>
-                  <a:rPr lang="en-US" sz="1200" dirty="0" err="1">
-                    <a:solidFill>
-                      <a:sysClr val="windowText" lastClr="000000"/>
-                    </a:solidFill>
-                    <a:latin typeface="Segoe UI"/>
-                  </a:rPr>
-                  <a:t>Unfassbaren</a:t>
-                </a:r>
-                <a:endParaRPr lang="en-US" sz="1200" dirty="0">
-                  <a:solidFill>
-                    <a:sysClr val="windowText" lastClr="000000"/>
-                  </a:solidFill>
-                  <a:latin typeface="Segoe UI"/>
-                </a:endParaRPr>
               </a:p>
             </p:txBody>
           </p:sp>
@@ -20249,7 +21284,936 @@
 </p:sld>
 </file>
 
-<file path=ppt/slides/slide19.xml><?xml version="1.0" encoding="utf-8"?>
+<file path=ppt/slides/slide2.xml><?xml version="1.0" encoding="utf-8"?>
+<p:sld xmlns:a="http://schemas.openxmlformats.org/drawingml/2006/main" xmlns:r="http://schemas.openxmlformats.org/officeDocument/2006/relationships" xmlns:p="http://schemas.openxmlformats.org/presentationml/2006/main">
+  <p:cSld>
+    <p:spTree>
+      <p:nvGrpSpPr>
+        <p:cNvPr id="1" name=""/>
+        <p:cNvGrpSpPr/>
+        <p:nvPr/>
+      </p:nvGrpSpPr>
+      <p:grpSpPr>
+        <a:xfrm>
+          <a:off x="0" y="0"/>
+          <a:ext cx="0" cy="0"/>
+          <a:chOff x="0" y="0"/>
+          <a:chExt cx="0" cy="0"/>
+        </a:xfrm>
+      </p:grpSpPr>
+      <p:grpSp>
+        <p:nvGrpSpPr>
+          <p:cNvPr id="7" name="Group 2">
+            <a:extLst>
+              <a:ext uri="{FF2B5EF4-FFF2-40B4-BE49-F238E27FC236}">
+                <a16:creationId xmlns:a16="http://schemas.microsoft.com/office/drawing/2014/main" id="{F69FD902-FC5C-45FA-BC44-342665C31A7A}"/>
+              </a:ext>
+            </a:extLst>
+          </p:cNvPr>
+          <p:cNvGrpSpPr/>
+          <p:nvPr/>
+        </p:nvGrpSpPr>
+        <p:grpSpPr bwMode="auto">
+          <a:xfrm>
+            <a:off x="839416" y="367797"/>
+            <a:ext cx="9300541" cy="5640606"/>
+            <a:chOff x="76200" y="-155065"/>
+            <a:chExt cx="9067800" cy="7013066"/>
+          </a:xfrm>
+          <a:solidFill>
+            <a:schemeClr val="accent1">
+              <a:lumMod val="60000"/>
+              <a:lumOff val="40000"/>
+            </a:schemeClr>
+          </a:solidFill>
+        </p:grpSpPr>
+        <p:sp>
+          <p:nvSpPr>
+            <p:cNvPr id="8" name="Rectangle 10">
+              <a:extLst>
+                <a:ext uri="{FF2B5EF4-FFF2-40B4-BE49-F238E27FC236}">
+                  <a16:creationId xmlns:a16="http://schemas.microsoft.com/office/drawing/2014/main" id="{8A74A3F1-61AA-487E-AAED-B9D2A2EC9EE8}"/>
+                </a:ext>
+              </a:extLst>
+            </p:cNvPr>
+            <p:cNvSpPr/>
+            <p:nvPr/>
+          </p:nvSpPr>
+          <p:spPr bwMode="auto">
+            <a:xfrm>
+              <a:off x="76200" y="-155065"/>
+              <a:ext cx="9067800" cy="7013066"/>
+            </a:xfrm>
+            <a:prstGeom prst="rect">
+              <a:avLst/>
+            </a:prstGeom>
+            <a:grpFill/>
+            <a:ln w="3175" cap="flat" cmpd="sng" algn="ctr">
+              <a:solidFill>
+                <a:srgbClr val="000000">
+                  <a:lumMod val="50000"/>
+                  <a:lumOff val="50000"/>
+                </a:srgbClr>
+              </a:solidFill>
+              <a:prstDash val="solid"/>
+            </a:ln>
+          </p:spPr>
+          <p:txBody>
+            <a:bodyPr rtlCol="0" anchor="ctr"/>
+            <a:lstStyle/>
+            <a:p>
+              <a:pPr algn="ctr">
+                <a:defRPr/>
+              </a:pPr>
+              <a:endParaRPr lang="en-US" sz="800">
+                <a:solidFill>
+                  <a:prstClr val="white"/>
+                </a:solidFill>
+                <a:latin typeface="Segoe UI"/>
+              </a:endParaRPr>
+            </a:p>
+          </p:txBody>
+        </p:sp>
+        <p:sp>
+          <p:nvSpPr>
+            <p:cNvPr id="9" name="Rectangle 11">
+              <a:extLst>
+                <a:ext uri="{FF2B5EF4-FFF2-40B4-BE49-F238E27FC236}">
+                  <a16:creationId xmlns:a16="http://schemas.microsoft.com/office/drawing/2014/main" id="{52E6E095-5577-4932-9DF9-A033390019B9}"/>
+                </a:ext>
+              </a:extLst>
+            </p:cNvPr>
+            <p:cNvSpPr/>
+            <p:nvPr/>
+          </p:nvSpPr>
+          <p:spPr bwMode="auto">
+            <a:xfrm>
+              <a:off x="83477" y="-155065"/>
+              <a:ext cx="9060523" cy="7013066"/>
+            </a:xfrm>
+            <a:prstGeom prst="rect">
+              <a:avLst/>
+            </a:prstGeom>
+            <a:blipFill dpi="0" rotWithShape="1">
+              <a:blip r:embed="rId2">
+                <a:extLst>
+                  <a:ext uri="{28A0092B-C50C-407E-A947-70E740481C1C}">
+                    <a14:useLocalDpi xmlns:a14="http://schemas.microsoft.com/office/drawing/2010/main" val="0"/>
+                  </a:ext>
+                </a:extLst>
+              </a:blip>
+              <a:srcRect/>
+              <a:stretch>
+                <a:fillRect/>
+              </a:stretch>
+            </a:blipFill>
+            <a:ln w="3175" cap="flat" cmpd="sng" algn="ctr">
+              <a:solidFill>
+                <a:srgbClr val="000000">
+                  <a:lumMod val="50000"/>
+                  <a:lumOff val="50000"/>
+                </a:srgbClr>
+              </a:solidFill>
+              <a:prstDash val="solid"/>
+            </a:ln>
+          </p:spPr>
+          <p:txBody>
+            <a:bodyPr rtlCol="0" anchor="ctr"/>
+            <a:lstStyle/>
+            <a:p>
+              <a:pPr algn="ctr">
+                <a:defRPr/>
+              </a:pPr>
+              <a:endParaRPr lang="en-US" sz="800" dirty="0">
+                <a:solidFill>
+                  <a:prstClr val="white"/>
+                </a:solidFill>
+                <a:latin typeface="Segoe UI"/>
+              </a:endParaRPr>
+            </a:p>
+          </p:txBody>
+        </p:sp>
+      </p:grpSp>
+      <p:sp>
+        <p:nvSpPr>
+          <p:cNvPr id="10" name="Content">
+            <a:extLst>
+              <a:ext uri="{FF2B5EF4-FFF2-40B4-BE49-F238E27FC236}">
+                <a16:creationId xmlns:a16="http://schemas.microsoft.com/office/drawing/2014/main" id="{316D048A-06CE-49B5-9718-B81F0928B3A7}"/>
+              </a:ext>
+            </a:extLst>
+          </p:cNvPr>
+          <p:cNvSpPr>
+            <a:spLocks/>
+          </p:cNvSpPr>
+          <p:nvPr/>
+        </p:nvSpPr>
+        <p:spPr bwMode="auto">
+          <a:xfrm>
+            <a:off x="3823188" y="849597"/>
+            <a:ext cx="3496948" cy="638436"/>
+          </a:xfrm>
+          <a:prstGeom prst="rect">
+            <a:avLst/>
+          </a:prstGeom>
+          <a:noFill/>
+        </p:spPr>
+        <p:txBody>
+          <a:bodyPr wrap="square" lIns="91440" tIns="18288" rIns="91440" bIns="27432" rtlCol="0" anchor="ctr" anchorCtr="0">
+            <a:noAutofit/>
+          </a:bodyPr>
+          <a:lstStyle/>
+          <a:p>
+            <a:pPr>
+              <a:defRPr/>
+            </a:pPr>
+            <a:r>
+              <a:rPr lang="en-US" sz="2400" b="1" dirty="0" err="1">
+                <a:solidFill>
+                  <a:schemeClr val="bg1"/>
+                </a:solidFill>
+                <a:latin typeface="Segoe UI"/>
+                <a:ea typeface="Segoe UI"/>
+              </a:rPr>
+              <a:t>Kunden</a:t>
+            </a:r>
+            <a:r>
+              <a:rPr lang="en-US" sz="2400" b="1" dirty="0">
+                <a:solidFill>
+                  <a:schemeClr val="bg1"/>
+                </a:solidFill>
+                <a:latin typeface="Segoe UI"/>
+                <a:ea typeface="Segoe UI"/>
+              </a:rPr>
+              <a:t> </a:t>
+            </a:r>
+            <a:r>
+              <a:rPr lang="en-US" sz="2400" b="1" dirty="0" err="1">
+                <a:solidFill>
+                  <a:schemeClr val="bg1"/>
+                </a:solidFill>
+                <a:latin typeface="Segoe UI"/>
+                <a:ea typeface="Segoe UI"/>
+              </a:rPr>
+              <a:t>Registrierung</a:t>
+            </a:r>
+            <a:endParaRPr lang="en-US" sz="2400" b="1" dirty="0">
+              <a:solidFill>
+                <a:schemeClr val="bg1"/>
+              </a:solidFill>
+              <a:latin typeface="Segoe UI"/>
+              <a:ea typeface="Segoe UI"/>
+            </a:endParaRPr>
+          </a:p>
+        </p:txBody>
+      </p:sp>
+      <p:sp>
+        <p:nvSpPr>
+          <p:cNvPr id="20" name="Content">
+            <a:extLst>
+              <a:ext uri="{FF2B5EF4-FFF2-40B4-BE49-F238E27FC236}">
+                <a16:creationId xmlns:a16="http://schemas.microsoft.com/office/drawing/2014/main" id="{04424FEA-58FD-4BCA-9DAF-84A96E9087BD}"/>
+              </a:ext>
+            </a:extLst>
+          </p:cNvPr>
+          <p:cNvSpPr/>
+          <p:nvPr/>
+        </p:nvSpPr>
+        <p:spPr bwMode="auto">
+          <a:xfrm>
+            <a:off x="4862024" y="4108039"/>
+            <a:ext cx="1220102" cy="360040"/>
+          </a:xfrm>
+          <a:prstGeom prst="roundRect">
+            <a:avLst>
+              <a:gd name="adj" fmla="val 16667"/>
+            </a:avLst>
+          </a:prstGeom>
+          <a:solidFill>
+            <a:srgbClr val="FFFFFF">
+              <a:lumMod val="95000"/>
+            </a:srgbClr>
+          </a:solidFill>
+          <a:ln w="3175">
+            <a:solidFill>
+              <a:srgbClr val="000000">
+                <a:lumMod val="50000"/>
+                <a:lumOff val="50000"/>
+              </a:srgbClr>
+            </a:solidFill>
+          </a:ln>
+        </p:spPr>
+        <p:style>
+          <a:lnRef idx="2">
+            <a:srgbClr val="4F81BD">
+              <a:shade val="50000"/>
+            </a:srgbClr>
+          </a:lnRef>
+          <a:fillRef idx="1">
+            <a:srgbClr val="4F81BD"/>
+          </a:fillRef>
+          <a:effectRef idx="0">
+            <a:srgbClr val="4F81BD"/>
+          </a:effectRef>
+          <a:fontRef idx="minor">
+            <a:srgbClr val="000000"/>
+          </a:fontRef>
+        </p:style>
+        <p:txBody>
+          <a:bodyPr wrap="square" lIns="91440" tIns="0" rIns="91440" bIns="9144" rtlCol="0" anchor="ctr">
+            <a:noAutofit/>
+          </a:bodyPr>
+          <a:lstStyle/>
+          <a:p>
+            <a:pPr algn="ctr">
+              <a:defRPr/>
+            </a:pPr>
+            <a:r>
+              <a:rPr lang="en-US" sz="1200" dirty="0" err="1">
+                <a:solidFill>
+                  <a:srgbClr val="000000"/>
+                </a:solidFill>
+                <a:latin typeface="Segoe UI"/>
+              </a:rPr>
+              <a:t>Registrieren</a:t>
+            </a:r>
+            <a:endParaRPr lang="en-US" sz="1200" dirty="0">
+              <a:solidFill>
+                <a:srgbClr val="000000"/>
+              </a:solidFill>
+              <a:latin typeface="Segoe UI"/>
+            </a:endParaRPr>
+          </a:p>
+        </p:txBody>
+      </p:sp>
+      <p:sp>
+        <p:nvSpPr>
+          <p:cNvPr id="21" name="Content">
+            <a:extLst>
+              <a:ext uri="{FF2B5EF4-FFF2-40B4-BE49-F238E27FC236}">
+                <a16:creationId xmlns:a16="http://schemas.microsoft.com/office/drawing/2014/main" id="{B849E7E3-A234-428D-AD09-3B8A38A8A72B}"/>
+              </a:ext>
+            </a:extLst>
+          </p:cNvPr>
+          <p:cNvSpPr>
+            <a:spLocks/>
+          </p:cNvSpPr>
+          <p:nvPr/>
+        </p:nvSpPr>
+        <p:spPr bwMode="auto">
+          <a:xfrm>
+            <a:off x="4148368" y="1862875"/>
+            <a:ext cx="591829" cy="230832"/>
+          </a:xfrm>
+          <a:prstGeom prst="rect">
+            <a:avLst/>
+          </a:prstGeom>
+          <a:noFill/>
+        </p:spPr>
+        <p:txBody>
+          <a:bodyPr wrap="none" lIns="91440" tIns="18288" rIns="91440" bIns="27432" rtlCol="0" anchor="ctr" anchorCtr="0">
+            <a:spAutoFit/>
+          </a:bodyPr>
+          <a:lstStyle/>
+          <a:p>
+            <a:pPr>
+              <a:defRPr/>
+            </a:pPr>
+            <a:r>
+              <a:rPr lang="en-US" sz="1200" dirty="0">
+                <a:solidFill>
+                  <a:schemeClr val="bg1"/>
+                </a:solidFill>
+                <a:latin typeface="Segoe UI"/>
+                <a:ea typeface="Segoe UI"/>
+              </a:rPr>
+              <a:t>Name</a:t>
+            </a:r>
+            <a:endParaRPr lang="en-US" sz="1200" dirty="0">
+              <a:solidFill>
+                <a:srgbClr val="000000"/>
+              </a:solidFill>
+              <a:latin typeface="Segoe UI"/>
+              <a:ea typeface="Segoe UI"/>
+            </a:endParaRPr>
+          </a:p>
+        </p:txBody>
+      </p:sp>
+      <p:sp>
+        <p:nvSpPr>
+          <p:cNvPr id="22" name="Content">
+            <a:extLst>
+              <a:ext uri="{FF2B5EF4-FFF2-40B4-BE49-F238E27FC236}">
+                <a16:creationId xmlns:a16="http://schemas.microsoft.com/office/drawing/2014/main" id="{9675F5AF-CF6E-45B4-BD81-EEF2BA25C721}"/>
+              </a:ext>
+            </a:extLst>
+          </p:cNvPr>
+          <p:cNvSpPr>
+            <a:spLocks/>
+          </p:cNvSpPr>
+          <p:nvPr/>
+        </p:nvSpPr>
+        <p:spPr bwMode="auto">
+          <a:xfrm>
+            <a:off x="3572889" y="3190044"/>
+            <a:ext cx="1364476" cy="230832"/>
+          </a:xfrm>
+          <a:prstGeom prst="rect">
+            <a:avLst/>
+          </a:prstGeom>
+          <a:noFill/>
+        </p:spPr>
+        <p:txBody>
+          <a:bodyPr wrap="none" lIns="91440" tIns="18288" rIns="91440" bIns="27432" rtlCol="0" anchor="ctr" anchorCtr="0">
+            <a:spAutoFit/>
+          </a:bodyPr>
+          <a:lstStyle/>
+          <a:p>
+            <a:pPr>
+              <a:defRPr/>
+            </a:pPr>
+            <a:r>
+              <a:rPr lang="en-US" sz="1200" dirty="0" err="1">
+                <a:solidFill>
+                  <a:schemeClr val="bg1"/>
+                </a:solidFill>
+                <a:latin typeface="Segoe UI"/>
+                <a:ea typeface="Segoe UI"/>
+              </a:rPr>
+              <a:t>Wähle</a:t>
+            </a:r>
+            <a:r>
+              <a:rPr lang="en-US" sz="1200" dirty="0">
+                <a:solidFill>
+                  <a:schemeClr val="bg1"/>
+                </a:solidFill>
+                <a:latin typeface="Segoe UI"/>
+                <a:ea typeface="Segoe UI"/>
+              </a:rPr>
+              <a:t> </a:t>
+            </a:r>
+            <a:r>
+              <a:rPr lang="en-US" sz="1200" dirty="0" err="1">
+                <a:solidFill>
+                  <a:schemeClr val="bg1"/>
+                </a:solidFill>
+                <a:latin typeface="Segoe UI"/>
+                <a:ea typeface="Segoe UI"/>
+              </a:rPr>
+              <a:t>Passwort</a:t>
+            </a:r>
+            <a:r>
+              <a:rPr lang="en-US" sz="1200" dirty="0">
+                <a:solidFill>
+                  <a:schemeClr val="bg1"/>
+                </a:solidFill>
+                <a:latin typeface="Segoe UI"/>
+                <a:ea typeface="Segoe UI"/>
+              </a:rPr>
+              <a:t> </a:t>
+            </a:r>
+            <a:r>
+              <a:rPr lang="en-US" sz="1200" dirty="0">
+                <a:solidFill>
+                  <a:srgbClr val="000000"/>
+                </a:solidFill>
+                <a:latin typeface="Segoe UI"/>
+                <a:ea typeface="Segoe UI"/>
+              </a:rPr>
+              <a:t>:</a:t>
+            </a:r>
+          </a:p>
+        </p:txBody>
+      </p:sp>
+      <p:sp>
+        <p:nvSpPr>
+          <p:cNvPr id="24" name="Content">
+            <a:extLst>
+              <a:ext uri="{FF2B5EF4-FFF2-40B4-BE49-F238E27FC236}">
+                <a16:creationId xmlns:a16="http://schemas.microsoft.com/office/drawing/2014/main" id="{6C2C1D71-3CAE-4A48-93FD-A9057B091E0D}"/>
+              </a:ext>
+            </a:extLst>
+          </p:cNvPr>
+          <p:cNvSpPr>
+            <a:spLocks/>
+          </p:cNvSpPr>
+          <p:nvPr/>
+        </p:nvSpPr>
+        <p:spPr bwMode="auto">
+          <a:xfrm>
+            <a:off x="4026539" y="2239635"/>
+            <a:ext cx="835485" cy="230832"/>
+          </a:xfrm>
+          <a:prstGeom prst="rect">
+            <a:avLst/>
+          </a:prstGeom>
+          <a:noFill/>
+        </p:spPr>
+        <p:txBody>
+          <a:bodyPr wrap="none" lIns="91440" tIns="18288" rIns="91440" bIns="27432" rtlCol="0" anchor="ctr" anchorCtr="0">
+            <a:spAutoFit/>
+          </a:bodyPr>
+          <a:lstStyle/>
+          <a:p>
+            <a:pPr>
+              <a:defRPr/>
+            </a:pPr>
+            <a:r>
+              <a:rPr lang="en-US" sz="1200" dirty="0" err="1">
+                <a:solidFill>
+                  <a:schemeClr val="bg1"/>
+                </a:solidFill>
+                <a:latin typeface="Segoe UI"/>
+                <a:ea typeface="Segoe UI"/>
+              </a:rPr>
+              <a:t>Vorname</a:t>
+            </a:r>
+            <a:r>
+              <a:rPr lang="en-US" sz="1200" dirty="0">
+                <a:solidFill>
+                  <a:srgbClr val="000000"/>
+                </a:solidFill>
+                <a:latin typeface="Segoe UI"/>
+                <a:ea typeface="Segoe UI"/>
+              </a:rPr>
+              <a:t>:</a:t>
+            </a:r>
+          </a:p>
+        </p:txBody>
+      </p:sp>
+      <p:sp>
+        <p:nvSpPr>
+          <p:cNvPr id="25" name="Content">
+            <a:extLst>
+              <a:ext uri="{FF2B5EF4-FFF2-40B4-BE49-F238E27FC236}">
+                <a16:creationId xmlns:a16="http://schemas.microsoft.com/office/drawing/2014/main" id="{2538C496-6574-446C-8087-E4AC88CEC3A3}"/>
+              </a:ext>
+            </a:extLst>
+          </p:cNvPr>
+          <p:cNvSpPr>
+            <a:spLocks/>
+          </p:cNvSpPr>
+          <p:nvPr/>
+        </p:nvSpPr>
+        <p:spPr bwMode="auto">
+          <a:xfrm>
+            <a:off x="3717137" y="2667880"/>
+            <a:ext cx="1228221" cy="230832"/>
+          </a:xfrm>
+          <a:prstGeom prst="rect">
+            <a:avLst/>
+          </a:prstGeom>
+          <a:noFill/>
+        </p:spPr>
+        <p:txBody>
+          <a:bodyPr wrap="none" lIns="91440" tIns="18288" rIns="91440" bIns="27432" rtlCol="0" anchor="ctr" anchorCtr="0">
+            <a:spAutoFit/>
+          </a:bodyPr>
+          <a:lstStyle/>
+          <a:p>
+            <a:pPr>
+              <a:defRPr/>
+            </a:pPr>
+            <a:r>
+              <a:rPr lang="en-US" sz="1200" dirty="0" err="1">
+                <a:solidFill>
+                  <a:schemeClr val="bg1"/>
+                </a:solidFill>
+                <a:latin typeface="Segoe UI"/>
+                <a:ea typeface="Segoe UI"/>
+              </a:rPr>
+              <a:t>Geburtsdatum</a:t>
+            </a:r>
+            <a:r>
+              <a:rPr lang="en-US" sz="1200" dirty="0">
+                <a:solidFill>
+                  <a:srgbClr val="000000"/>
+                </a:solidFill>
+                <a:latin typeface="Segoe UI"/>
+                <a:ea typeface="Segoe UI"/>
+              </a:rPr>
+              <a:t>:</a:t>
+            </a:r>
+          </a:p>
+        </p:txBody>
+      </p:sp>
+      <p:grpSp>
+        <p:nvGrpSpPr>
+          <p:cNvPr id="32" name="Gruppieren 55">
+            <a:extLst>
+              <a:ext uri="{FF2B5EF4-FFF2-40B4-BE49-F238E27FC236}">
+                <a16:creationId xmlns:a16="http://schemas.microsoft.com/office/drawing/2014/main" id="{DB5D14F1-FC37-4C81-AE0C-BC757E35F9C0}"/>
+              </a:ext>
+            </a:extLst>
+          </p:cNvPr>
+          <p:cNvGrpSpPr/>
+          <p:nvPr/>
+        </p:nvGrpSpPr>
+        <p:grpSpPr bwMode="auto">
+          <a:xfrm>
+            <a:off x="4889745" y="1880949"/>
+            <a:ext cx="1220102" cy="1537695"/>
+            <a:chOff x="2498736" y="2026413"/>
+            <a:chExt cx="1220102" cy="1537695"/>
+          </a:xfrm>
+        </p:grpSpPr>
+        <p:sp>
+          <p:nvSpPr>
+            <p:cNvPr id="33" name="Content">
+              <a:extLst>
+                <a:ext uri="{FF2B5EF4-FFF2-40B4-BE49-F238E27FC236}">
+                  <a16:creationId xmlns:a16="http://schemas.microsoft.com/office/drawing/2014/main" id="{F6359E15-A214-4A5C-A4C4-F1668E4A1B1F}"/>
+                </a:ext>
+              </a:extLst>
+            </p:cNvPr>
+            <p:cNvSpPr/>
+            <p:nvPr/>
+          </p:nvSpPr>
+          <p:spPr bwMode="auto">
+            <a:xfrm>
+              <a:off x="2498736" y="2026413"/>
+              <a:ext cx="1220102" cy="219652"/>
+            </a:xfrm>
+            <a:prstGeom prst="rect">
+              <a:avLst/>
+            </a:prstGeom>
+            <a:solidFill>
+              <a:sysClr val="window" lastClr="FFFFFF"/>
+            </a:solidFill>
+            <a:ln w="3175">
+              <a:solidFill>
+                <a:srgbClr val="000000">
+                  <a:lumMod val="50000"/>
+                  <a:lumOff val="50000"/>
+                </a:srgbClr>
+              </a:solidFill>
+            </a:ln>
+          </p:spPr>
+          <p:style>
+            <a:lnRef idx="2">
+              <a:srgbClr val="4F81BD">
+                <a:shade val="50000"/>
+              </a:srgbClr>
+            </a:lnRef>
+            <a:fillRef idx="1">
+              <a:srgbClr val="4F81BD"/>
+            </a:fillRef>
+            <a:effectRef idx="0">
+              <a:srgbClr val="4F81BD"/>
+            </a:effectRef>
+            <a:fontRef idx="minor">
+              <a:srgbClr val="000000"/>
+            </a:fontRef>
+          </p:style>
+          <p:txBody>
+            <a:bodyPr wrap="none" lIns="45720" tIns="18288" rIns="45720" bIns="18288" rtlCol="0" anchor="ctr">
+              <a:noAutofit/>
+            </a:bodyPr>
+            <a:lstStyle/>
+            <a:p>
+              <a:pPr>
+                <a:defRPr/>
+              </a:pPr>
+              <a:endParaRPr lang="en-US" sz="1200">
+                <a:solidFill>
+                  <a:srgbClr val="000000"/>
+                </a:solidFill>
+                <a:latin typeface="Segoe UI"/>
+              </a:endParaRPr>
+            </a:p>
+          </p:txBody>
+        </p:sp>
+        <p:sp>
+          <p:nvSpPr>
+            <p:cNvPr id="34" name="Content">
+              <a:extLst>
+                <a:ext uri="{FF2B5EF4-FFF2-40B4-BE49-F238E27FC236}">
+                  <a16:creationId xmlns:a16="http://schemas.microsoft.com/office/drawing/2014/main" id="{419BCA15-F4B4-4E98-BFFC-C5D061F9874C}"/>
+                </a:ext>
+              </a:extLst>
+            </p:cNvPr>
+            <p:cNvSpPr/>
+            <p:nvPr/>
+          </p:nvSpPr>
+          <p:spPr bwMode="auto">
+            <a:xfrm>
+              <a:off x="2498736" y="2385379"/>
+              <a:ext cx="1220102" cy="228600"/>
+            </a:xfrm>
+            <a:prstGeom prst="rect">
+              <a:avLst/>
+            </a:prstGeom>
+            <a:solidFill>
+              <a:sysClr val="window" lastClr="FFFFFF"/>
+            </a:solidFill>
+            <a:ln w="3175">
+              <a:solidFill>
+                <a:srgbClr val="000000">
+                  <a:lumMod val="50000"/>
+                  <a:lumOff val="50000"/>
+                </a:srgbClr>
+              </a:solidFill>
+            </a:ln>
+          </p:spPr>
+          <p:style>
+            <a:lnRef idx="2">
+              <a:srgbClr val="4F81BD">
+                <a:shade val="50000"/>
+              </a:srgbClr>
+            </a:lnRef>
+            <a:fillRef idx="1">
+              <a:srgbClr val="4F81BD"/>
+            </a:fillRef>
+            <a:effectRef idx="0">
+              <a:srgbClr val="4F81BD"/>
+            </a:effectRef>
+            <a:fontRef idx="minor">
+              <a:srgbClr val="000000"/>
+            </a:fontRef>
+          </p:style>
+          <p:txBody>
+            <a:bodyPr wrap="none" lIns="45720" tIns="18288" rIns="45720" bIns="18288" rtlCol="0" anchor="ctr">
+              <a:noAutofit/>
+            </a:bodyPr>
+            <a:lstStyle/>
+            <a:p>
+              <a:pPr>
+                <a:defRPr/>
+              </a:pPr>
+              <a:endParaRPr lang="en-US" sz="1200">
+                <a:solidFill>
+                  <a:srgbClr val="000000"/>
+                </a:solidFill>
+                <a:latin typeface="Segoe UI"/>
+              </a:endParaRPr>
+            </a:p>
+          </p:txBody>
+        </p:sp>
+        <p:sp>
+          <p:nvSpPr>
+            <p:cNvPr id="35" name="Content">
+              <a:extLst>
+                <a:ext uri="{FF2B5EF4-FFF2-40B4-BE49-F238E27FC236}">
+                  <a16:creationId xmlns:a16="http://schemas.microsoft.com/office/drawing/2014/main" id="{A45EB1E4-4D53-44F8-8A14-A1A3031B9874}"/>
+                </a:ext>
+              </a:extLst>
+            </p:cNvPr>
+            <p:cNvSpPr/>
+            <p:nvPr/>
+          </p:nvSpPr>
+          <p:spPr bwMode="auto">
+            <a:xfrm>
+              <a:off x="2498736" y="2819565"/>
+              <a:ext cx="1220102" cy="228600"/>
+            </a:xfrm>
+            <a:prstGeom prst="rect">
+              <a:avLst/>
+            </a:prstGeom>
+            <a:solidFill>
+              <a:sysClr val="window" lastClr="FFFFFF"/>
+            </a:solidFill>
+            <a:ln w="3175">
+              <a:solidFill>
+                <a:srgbClr val="000000">
+                  <a:lumMod val="50000"/>
+                  <a:lumOff val="50000"/>
+                </a:srgbClr>
+              </a:solidFill>
+            </a:ln>
+          </p:spPr>
+          <p:style>
+            <a:lnRef idx="2">
+              <a:srgbClr val="4F81BD">
+                <a:shade val="50000"/>
+              </a:srgbClr>
+            </a:lnRef>
+            <a:fillRef idx="1">
+              <a:srgbClr val="4F81BD"/>
+            </a:fillRef>
+            <a:effectRef idx="0">
+              <a:srgbClr val="4F81BD"/>
+            </a:effectRef>
+            <a:fontRef idx="minor">
+              <a:srgbClr val="000000"/>
+            </a:fontRef>
+          </p:style>
+          <p:txBody>
+            <a:bodyPr wrap="none" lIns="45720" tIns="18288" rIns="45720" bIns="18288" rtlCol="0" anchor="ctr">
+              <a:noAutofit/>
+            </a:bodyPr>
+            <a:lstStyle/>
+            <a:p>
+              <a:pPr>
+                <a:defRPr/>
+              </a:pPr>
+              <a:endParaRPr lang="en-US" sz="1200">
+                <a:solidFill>
+                  <a:srgbClr val="000000"/>
+                </a:solidFill>
+                <a:latin typeface="Segoe UI"/>
+              </a:endParaRPr>
+            </a:p>
+          </p:txBody>
+        </p:sp>
+        <p:sp>
+          <p:nvSpPr>
+            <p:cNvPr id="36" name="Content">
+              <a:extLst>
+                <a:ext uri="{FF2B5EF4-FFF2-40B4-BE49-F238E27FC236}">
+                  <a16:creationId xmlns:a16="http://schemas.microsoft.com/office/drawing/2014/main" id="{E0F9A35F-5A1F-428C-96F9-F00ED4AA1BB4}"/>
+                </a:ext>
+              </a:extLst>
+            </p:cNvPr>
+            <p:cNvSpPr/>
+            <p:nvPr/>
+          </p:nvSpPr>
+          <p:spPr bwMode="auto">
+            <a:xfrm>
+              <a:off x="2498736" y="3335508"/>
+              <a:ext cx="1220102" cy="228600"/>
+            </a:xfrm>
+            <a:prstGeom prst="rect">
+              <a:avLst/>
+            </a:prstGeom>
+            <a:solidFill>
+              <a:sysClr val="window" lastClr="FFFFFF"/>
+            </a:solidFill>
+            <a:ln w="3175">
+              <a:solidFill>
+                <a:srgbClr val="000000">
+                  <a:lumMod val="50000"/>
+                  <a:lumOff val="50000"/>
+                </a:srgbClr>
+              </a:solidFill>
+            </a:ln>
+          </p:spPr>
+          <p:style>
+            <a:lnRef idx="2">
+              <a:srgbClr val="4F81BD">
+                <a:shade val="50000"/>
+              </a:srgbClr>
+            </a:lnRef>
+            <a:fillRef idx="1">
+              <a:srgbClr val="4F81BD"/>
+            </a:fillRef>
+            <a:effectRef idx="0">
+              <a:srgbClr val="4F81BD"/>
+            </a:effectRef>
+            <a:fontRef idx="minor">
+              <a:srgbClr val="000000"/>
+            </a:fontRef>
+          </p:style>
+          <p:txBody>
+            <a:bodyPr wrap="none" lIns="45720" tIns="18288" rIns="45720" bIns="18288" rtlCol="0" anchor="ctr">
+              <a:noAutofit/>
+            </a:bodyPr>
+            <a:lstStyle/>
+            <a:p>
+              <a:pPr>
+                <a:defRPr/>
+              </a:pPr>
+              <a:endParaRPr lang="en-US" sz="1200">
+                <a:solidFill>
+                  <a:srgbClr val="000000"/>
+                </a:solidFill>
+                <a:latin typeface="Segoe UI"/>
+              </a:endParaRPr>
+            </a:p>
+          </p:txBody>
+        </p:sp>
+      </p:grpSp>
+      <p:pic>
+        <p:nvPicPr>
+          <p:cNvPr id="16" name="Grafik 15" descr="Pfeil: 180-Grad">
+            <a:extLst>
+              <a:ext uri="{FF2B5EF4-FFF2-40B4-BE49-F238E27FC236}">
+                <a16:creationId xmlns:a16="http://schemas.microsoft.com/office/drawing/2014/main" id="{507C093E-8950-416D-99FA-7D54714386F5}"/>
+              </a:ext>
+            </a:extLst>
+          </p:cNvPr>
+          <p:cNvPicPr>
+            <a:picLocks noChangeAspect="1"/>
+          </p:cNvPicPr>
+          <p:nvPr/>
+        </p:nvPicPr>
+        <p:blipFill>
+          <a:blip r:embed="rId3">
+            <a:extLst>
+              <a:ext uri="{28A0092B-C50C-407E-A947-70E740481C1C}">
+                <a14:useLocalDpi xmlns:a14="http://schemas.microsoft.com/office/drawing/2010/main" val="0"/>
+              </a:ext>
+              <a:ext uri="{96DAC541-7B7A-43D3-8B79-37D633B846F1}">
+                <asvg:svgBlip xmlns:asvg="http://schemas.microsoft.com/office/drawing/2016/SVG/main" r:embed="rId4"/>
+              </a:ext>
+            </a:extLst>
+          </a:blip>
+          <a:stretch>
+            <a:fillRect/>
+          </a:stretch>
+        </p:blipFill>
+        <p:spPr>
+          <a:xfrm>
+            <a:off x="8832304" y="422165"/>
+            <a:ext cx="454288" cy="454288"/>
+          </a:xfrm>
+          <a:prstGeom prst="rect">
+            <a:avLst/>
+          </a:prstGeom>
+        </p:spPr>
+      </p:pic>
+      <p:pic>
+        <p:nvPicPr>
+          <p:cNvPr id="17" name="Grafik 16" descr="Heim">
+            <a:extLst>
+              <a:ext uri="{FF2B5EF4-FFF2-40B4-BE49-F238E27FC236}">
+                <a16:creationId xmlns:a16="http://schemas.microsoft.com/office/drawing/2014/main" id="{0E50BB4A-F067-4417-BDF9-B4798DD41A1F}"/>
+              </a:ext>
+            </a:extLst>
+          </p:cNvPr>
+          <p:cNvPicPr>
+            <a:picLocks noChangeAspect="1"/>
+          </p:cNvPicPr>
+          <p:nvPr/>
+        </p:nvPicPr>
+        <p:blipFill>
+          <a:blip r:embed="rId5">
+            <a:extLst>
+              <a:ext uri="{28A0092B-C50C-407E-A947-70E740481C1C}">
+                <a14:useLocalDpi xmlns:a14="http://schemas.microsoft.com/office/drawing/2010/main" val="0"/>
+              </a:ext>
+              <a:ext uri="{96DAC541-7B7A-43D3-8B79-37D633B846F1}">
+                <asvg:svgBlip xmlns:asvg="http://schemas.microsoft.com/office/drawing/2016/SVG/main" r:embed="rId6"/>
+              </a:ext>
+            </a:extLst>
+          </a:blip>
+          <a:stretch>
+            <a:fillRect/>
+          </a:stretch>
+        </p:blipFill>
+        <p:spPr>
+          <a:xfrm>
+            <a:off x="9458135" y="404664"/>
+            <a:ext cx="454289" cy="454289"/>
+          </a:xfrm>
+          <a:prstGeom prst="rect">
+            <a:avLst/>
+          </a:prstGeom>
+        </p:spPr>
+      </p:pic>
+    </p:spTree>
+    <p:extLst>
+      <p:ext uri="{BB962C8B-B14F-4D97-AF65-F5344CB8AC3E}">
+        <p14:creationId xmlns:p14="http://schemas.microsoft.com/office/powerpoint/2010/main" val="1703187243"/>
+      </p:ext>
+    </p:extLst>
+  </p:cSld>
+  <p:clrMapOvr>
+    <a:masterClrMapping/>
+  </p:clrMapOvr>
+</p:sld>
+</file>
+
+<file path=ppt/slides/slide20.xml><?xml version="1.0" encoding="utf-8"?>
 <p:sld xmlns:a="http://schemas.openxmlformats.org/drawingml/2006/main" xmlns:r="http://schemas.openxmlformats.org/officeDocument/2006/relationships" xmlns:p="http://schemas.openxmlformats.org/presentationml/2006/main">
   <p:cSld>
     <p:spTree>
@@ -20659,23 +22623,8 @@
                     </a:solidFill>
                     <a:latin typeface="Segoe UI"/>
                   </a:rPr>
-                  <a:t>König der </a:t>
+                  <a:t>König der Löwen</a:t>
                 </a:r>
-                <a:r>
-                  <a:rPr lang="en-US" sz="1200" dirty="0" err="1">
-                    <a:solidFill>
-                      <a:sysClr val="windowText" lastClr="000000"/>
-                    </a:solidFill>
-                    <a:latin typeface="Segoe UI"/>
-                  </a:rPr>
-                  <a:t>Löwen</a:t>
-                </a:r>
-                <a:endParaRPr lang="en-US" sz="1200" dirty="0">
-                  <a:solidFill>
-                    <a:sysClr val="windowText" lastClr="000000"/>
-                  </a:solidFill>
-                  <a:latin typeface="Segoe UI"/>
-                </a:endParaRPr>
               </a:p>
               <a:p>
                 <a:pPr>
@@ -20703,23 +22652,8 @@
                     </a:solidFill>
                     <a:latin typeface="Segoe UI"/>
                   </a:rPr>
-                  <a:t>Herr der </a:t>
+                  <a:t>Herr der Ringe</a:t>
                 </a:r>
-                <a:r>
-                  <a:rPr lang="en-US" sz="1200" dirty="0" err="1">
-                    <a:solidFill>
-                      <a:sysClr val="windowText" lastClr="000000"/>
-                    </a:solidFill>
-                    <a:latin typeface="Segoe UI"/>
-                  </a:rPr>
-                  <a:t>Ringe</a:t>
-                </a:r>
-                <a:endParaRPr lang="en-US" sz="1200" dirty="0">
-                  <a:solidFill>
-                    <a:sysClr val="windowText" lastClr="000000"/>
-                  </a:solidFill>
-                  <a:latin typeface="Segoe UI"/>
-                </a:endParaRPr>
               </a:p>
               <a:p>
                 <a:pPr>
@@ -20762,23 +22696,8 @@
                     </a:solidFill>
                     <a:latin typeface="Segoe UI"/>
                   </a:rPr>
-                  <a:t>Die </a:t>
+                  <a:t>Die Unfassbaren</a:t>
                 </a:r>
-                <a:r>
-                  <a:rPr lang="en-US" sz="1200" dirty="0" err="1">
-                    <a:solidFill>
-                      <a:sysClr val="windowText" lastClr="000000"/>
-                    </a:solidFill>
-                    <a:latin typeface="Segoe UI"/>
-                  </a:rPr>
-                  <a:t>Unfassbaren</a:t>
-                </a:r>
-                <a:endParaRPr lang="en-US" sz="1200" dirty="0">
-                  <a:solidFill>
-                    <a:sysClr val="windowText" lastClr="000000"/>
-                  </a:solidFill>
-                  <a:latin typeface="Segoe UI"/>
-                </a:endParaRPr>
               </a:p>
             </p:txBody>
           </p:sp>
@@ -22784,936 +24703,7 @@
 </p:sld>
 </file>
 
-<file path=ppt/slides/slide2.xml><?xml version="1.0" encoding="utf-8"?>
-<p:sld xmlns:a="http://schemas.openxmlformats.org/drawingml/2006/main" xmlns:r="http://schemas.openxmlformats.org/officeDocument/2006/relationships" xmlns:p="http://schemas.openxmlformats.org/presentationml/2006/main">
-  <p:cSld>
-    <p:spTree>
-      <p:nvGrpSpPr>
-        <p:cNvPr id="1" name=""/>
-        <p:cNvGrpSpPr/>
-        <p:nvPr/>
-      </p:nvGrpSpPr>
-      <p:grpSpPr>
-        <a:xfrm>
-          <a:off x="0" y="0"/>
-          <a:ext cx="0" cy="0"/>
-          <a:chOff x="0" y="0"/>
-          <a:chExt cx="0" cy="0"/>
-        </a:xfrm>
-      </p:grpSpPr>
-      <p:grpSp>
-        <p:nvGrpSpPr>
-          <p:cNvPr id="7" name="Group 2">
-            <a:extLst>
-              <a:ext uri="{FF2B5EF4-FFF2-40B4-BE49-F238E27FC236}">
-                <a16:creationId xmlns:a16="http://schemas.microsoft.com/office/drawing/2014/main" id="{F69FD902-FC5C-45FA-BC44-342665C31A7A}"/>
-              </a:ext>
-            </a:extLst>
-          </p:cNvPr>
-          <p:cNvGrpSpPr/>
-          <p:nvPr/>
-        </p:nvGrpSpPr>
-        <p:grpSpPr bwMode="auto">
-          <a:xfrm>
-            <a:off x="839416" y="367797"/>
-            <a:ext cx="9300541" cy="5640606"/>
-            <a:chOff x="76200" y="-155065"/>
-            <a:chExt cx="9067800" cy="7013066"/>
-          </a:xfrm>
-          <a:solidFill>
-            <a:schemeClr val="accent1">
-              <a:lumMod val="60000"/>
-              <a:lumOff val="40000"/>
-            </a:schemeClr>
-          </a:solidFill>
-        </p:grpSpPr>
-        <p:sp>
-          <p:nvSpPr>
-            <p:cNvPr id="8" name="Rectangle 10">
-              <a:extLst>
-                <a:ext uri="{FF2B5EF4-FFF2-40B4-BE49-F238E27FC236}">
-                  <a16:creationId xmlns:a16="http://schemas.microsoft.com/office/drawing/2014/main" id="{8A74A3F1-61AA-487E-AAED-B9D2A2EC9EE8}"/>
-                </a:ext>
-              </a:extLst>
-            </p:cNvPr>
-            <p:cNvSpPr/>
-            <p:nvPr/>
-          </p:nvSpPr>
-          <p:spPr bwMode="auto">
-            <a:xfrm>
-              <a:off x="76200" y="-155065"/>
-              <a:ext cx="9067800" cy="7013066"/>
-            </a:xfrm>
-            <a:prstGeom prst="rect">
-              <a:avLst/>
-            </a:prstGeom>
-            <a:grpFill/>
-            <a:ln w="3175" cap="flat" cmpd="sng" algn="ctr">
-              <a:solidFill>
-                <a:srgbClr val="000000">
-                  <a:lumMod val="50000"/>
-                  <a:lumOff val="50000"/>
-                </a:srgbClr>
-              </a:solidFill>
-              <a:prstDash val="solid"/>
-            </a:ln>
-          </p:spPr>
-          <p:txBody>
-            <a:bodyPr rtlCol="0" anchor="ctr"/>
-            <a:lstStyle/>
-            <a:p>
-              <a:pPr algn="ctr">
-                <a:defRPr/>
-              </a:pPr>
-              <a:endParaRPr lang="en-US" sz="800">
-                <a:solidFill>
-                  <a:prstClr val="white"/>
-                </a:solidFill>
-                <a:latin typeface="Segoe UI"/>
-              </a:endParaRPr>
-            </a:p>
-          </p:txBody>
-        </p:sp>
-        <p:sp>
-          <p:nvSpPr>
-            <p:cNvPr id="9" name="Rectangle 11">
-              <a:extLst>
-                <a:ext uri="{FF2B5EF4-FFF2-40B4-BE49-F238E27FC236}">
-                  <a16:creationId xmlns:a16="http://schemas.microsoft.com/office/drawing/2014/main" id="{52E6E095-5577-4932-9DF9-A033390019B9}"/>
-                </a:ext>
-              </a:extLst>
-            </p:cNvPr>
-            <p:cNvSpPr/>
-            <p:nvPr/>
-          </p:nvSpPr>
-          <p:spPr bwMode="auto">
-            <a:xfrm>
-              <a:off x="83477" y="-155065"/>
-              <a:ext cx="9060523" cy="7013066"/>
-            </a:xfrm>
-            <a:prstGeom prst="rect">
-              <a:avLst/>
-            </a:prstGeom>
-            <a:blipFill dpi="0" rotWithShape="1">
-              <a:blip r:embed="rId2">
-                <a:extLst>
-                  <a:ext uri="{28A0092B-C50C-407E-A947-70E740481C1C}">
-                    <a14:useLocalDpi xmlns:a14="http://schemas.microsoft.com/office/drawing/2010/main" val="0"/>
-                  </a:ext>
-                </a:extLst>
-              </a:blip>
-              <a:srcRect/>
-              <a:stretch>
-                <a:fillRect/>
-              </a:stretch>
-            </a:blipFill>
-            <a:ln w="3175" cap="flat" cmpd="sng" algn="ctr">
-              <a:solidFill>
-                <a:srgbClr val="000000">
-                  <a:lumMod val="50000"/>
-                  <a:lumOff val="50000"/>
-                </a:srgbClr>
-              </a:solidFill>
-              <a:prstDash val="solid"/>
-            </a:ln>
-          </p:spPr>
-          <p:txBody>
-            <a:bodyPr rtlCol="0" anchor="ctr"/>
-            <a:lstStyle/>
-            <a:p>
-              <a:pPr algn="ctr">
-                <a:defRPr/>
-              </a:pPr>
-              <a:endParaRPr lang="en-US" sz="800" dirty="0">
-                <a:solidFill>
-                  <a:prstClr val="white"/>
-                </a:solidFill>
-                <a:latin typeface="Segoe UI"/>
-              </a:endParaRPr>
-            </a:p>
-          </p:txBody>
-        </p:sp>
-      </p:grpSp>
-      <p:sp>
-        <p:nvSpPr>
-          <p:cNvPr id="10" name="Content">
-            <a:extLst>
-              <a:ext uri="{FF2B5EF4-FFF2-40B4-BE49-F238E27FC236}">
-                <a16:creationId xmlns:a16="http://schemas.microsoft.com/office/drawing/2014/main" id="{316D048A-06CE-49B5-9718-B81F0928B3A7}"/>
-              </a:ext>
-            </a:extLst>
-          </p:cNvPr>
-          <p:cNvSpPr>
-            <a:spLocks/>
-          </p:cNvSpPr>
-          <p:nvPr/>
-        </p:nvSpPr>
-        <p:spPr bwMode="auto">
-          <a:xfrm>
-            <a:off x="3823188" y="849597"/>
-            <a:ext cx="3496948" cy="638436"/>
-          </a:xfrm>
-          <a:prstGeom prst="rect">
-            <a:avLst/>
-          </a:prstGeom>
-          <a:noFill/>
-        </p:spPr>
-        <p:txBody>
-          <a:bodyPr wrap="square" lIns="91440" tIns="18288" rIns="91440" bIns="27432" rtlCol="0" anchor="ctr" anchorCtr="0">
-            <a:noAutofit/>
-          </a:bodyPr>
-          <a:lstStyle/>
-          <a:p>
-            <a:pPr>
-              <a:defRPr/>
-            </a:pPr>
-            <a:r>
-              <a:rPr lang="en-US" sz="2400" b="1" dirty="0" err="1">
-                <a:solidFill>
-                  <a:schemeClr val="bg1"/>
-                </a:solidFill>
-                <a:latin typeface="Segoe UI"/>
-                <a:ea typeface="Segoe UI"/>
-              </a:rPr>
-              <a:t>Kunden</a:t>
-            </a:r>
-            <a:r>
-              <a:rPr lang="en-US" sz="2400" b="1" dirty="0">
-                <a:solidFill>
-                  <a:schemeClr val="bg1"/>
-                </a:solidFill>
-                <a:latin typeface="Segoe UI"/>
-                <a:ea typeface="Segoe UI"/>
-              </a:rPr>
-              <a:t> </a:t>
-            </a:r>
-            <a:r>
-              <a:rPr lang="en-US" sz="2400" b="1" dirty="0" err="1">
-                <a:solidFill>
-                  <a:schemeClr val="bg1"/>
-                </a:solidFill>
-                <a:latin typeface="Segoe UI"/>
-                <a:ea typeface="Segoe UI"/>
-              </a:rPr>
-              <a:t>Registrierung</a:t>
-            </a:r>
-            <a:endParaRPr lang="en-US" sz="2400" b="1" dirty="0">
-              <a:solidFill>
-                <a:schemeClr val="bg1"/>
-              </a:solidFill>
-              <a:latin typeface="Segoe UI"/>
-              <a:ea typeface="Segoe UI"/>
-            </a:endParaRPr>
-          </a:p>
-        </p:txBody>
-      </p:sp>
-      <p:sp>
-        <p:nvSpPr>
-          <p:cNvPr id="20" name="Content">
-            <a:extLst>
-              <a:ext uri="{FF2B5EF4-FFF2-40B4-BE49-F238E27FC236}">
-                <a16:creationId xmlns:a16="http://schemas.microsoft.com/office/drawing/2014/main" id="{04424FEA-58FD-4BCA-9DAF-84A96E9087BD}"/>
-              </a:ext>
-            </a:extLst>
-          </p:cNvPr>
-          <p:cNvSpPr/>
-          <p:nvPr/>
-        </p:nvSpPr>
-        <p:spPr bwMode="auto">
-          <a:xfrm>
-            <a:off x="4862024" y="4108039"/>
-            <a:ext cx="1220102" cy="360040"/>
-          </a:xfrm>
-          <a:prstGeom prst="roundRect">
-            <a:avLst>
-              <a:gd name="adj" fmla="val 16667"/>
-            </a:avLst>
-          </a:prstGeom>
-          <a:solidFill>
-            <a:srgbClr val="FFFFFF">
-              <a:lumMod val="95000"/>
-            </a:srgbClr>
-          </a:solidFill>
-          <a:ln w="3175">
-            <a:solidFill>
-              <a:srgbClr val="000000">
-                <a:lumMod val="50000"/>
-                <a:lumOff val="50000"/>
-              </a:srgbClr>
-            </a:solidFill>
-          </a:ln>
-        </p:spPr>
-        <p:style>
-          <a:lnRef idx="2">
-            <a:srgbClr val="4F81BD">
-              <a:shade val="50000"/>
-            </a:srgbClr>
-          </a:lnRef>
-          <a:fillRef idx="1">
-            <a:srgbClr val="4F81BD"/>
-          </a:fillRef>
-          <a:effectRef idx="0">
-            <a:srgbClr val="4F81BD"/>
-          </a:effectRef>
-          <a:fontRef idx="minor">
-            <a:srgbClr val="000000"/>
-          </a:fontRef>
-        </p:style>
-        <p:txBody>
-          <a:bodyPr wrap="square" lIns="91440" tIns="0" rIns="91440" bIns="9144" rtlCol="0" anchor="ctr">
-            <a:noAutofit/>
-          </a:bodyPr>
-          <a:lstStyle/>
-          <a:p>
-            <a:pPr algn="ctr">
-              <a:defRPr/>
-            </a:pPr>
-            <a:r>
-              <a:rPr lang="en-US" sz="1200" dirty="0" err="1">
-                <a:solidFill>
-                  <a:srgbClr val="000000"/>
-                </a:solidFill>
-                <a:latin typeface="Segoe UI"/>
-              </a:rPr>
-              <a:t>Registrieren</a:t>
-            </a:r>
-            <a:endParaRPr lang="en-US" sz="1200" dirty="0">
-              <a:solidFill>
-                <a:srgbClr val="000000"/>
-              </a:solidFill>
-              <a:latin typeface="Segoe UI"/>
-            </a:endParaRPr>
-          </a:p>
-        </p:txBody>
-      </p:sp>
-      <p:sp>
-        <p:nvSpPr>
-          <p:cNvPr id="21" name="Content">
-            <a:extLst>
-              <a:ext uri="{FF2B5EF4-FFF2-40B4-BE49-F238E27FC236}">
-                <a16:creationId xmlns:a16="http://schemas.microsoft.com/office/drawing/2014/main" id="{B849E7E3-A234-428D-AD09-3B8A38A8A72B}"/>
-              </a:ext>
-            </a:extLst>
-          </p:cNvPr>
-          <p:cNvSpPr>
-            <a:spLocks/>
-          </p:cNvSpPr>
-          <p:nvPr/>
-        </p:nvSpPr>
-        <p:spPr bwMode="auto">
-          <a:xfrm>
-            <a:off x="4148368" y="1862875"/>
-            <a:ext cx="591829" cy="230832"/>
-          </a:xfrm>
-          <a:prstGeom prst="rect">
-            <a:avLst/>
-          </a:prstGeom>
-          <a:noFill/>
-        </p:spPr>
-        <p:txBody>
-          <a:bodyPr wrap="none" lIns="91440" tIns="18288" rIns="91440" bIns="27432" rtlCol="0" anchor="ctr" anchorCtr="0">
-            <a:spAutoFit/>
-          </a:bodyPr>
-          <a:lstStyle/>
-          <a:p>
-            <a:pPr>
-              <a:defRPr/>
-            </a:pPr>
-            <a:r>
-              <a:rPr lang="en-US" sz="1200" dirty="0">
-                <a:solidFill>
-                  <a:schemeClr val="bg1"/>
-                </a:solidFill>
-                <a:latin typeface="Segoe UI"/>
-                <a:ea typeface="Segoe UI"/>
-              </a:rPr>
-              <a:t>Name</a:t>
-            </a:r>
-            <a:endParaRPr lang="en-US" sz="1200" dirty="0">
-              <a:solidFill>
-                <a:srgbClr val="000000"/>
-              </a:solidFill>
-              <a:latin typeface="Segoe UI"/>
-              <a:ea typeface="Segoe UI"/>
-            </a:endParaRPr>
-          </a:p>
-        </p:txBody>
-      </p:sp>
-      <p:sp>
-        <p:nvSpPr>
-          <p:cNvPr id="22" name="Content">
-            <a:extLst>
-              <a:ext uri="{FF2B5EF4-FFF2-40B4-BE49-F238E27FC236}">
-                <a16:creationId xmlns:a16="http://schemas.microsoft.com/office/drawing/2014/main" id="{9675F5AF-CF6E-45B4-BD81-EEF2BA25C721}"/>
-              </a:ext>
-            </a:extLst>
-          </p:cNvPr>
-          <p:cNvSpPr>
-            <a:spLocks/>
-          </p:cNvSpPr>
-          <p:nvPr/>
-        </p:nvSpPr>
-        <p:spPr bwMode="auto">
-          <a:xfrm>
-            <a:off x="3572889" y="3190044"/>
-            <a:ext cx="1364476" cy="230832"/>
-          </a:xfrm>
-          <a:prstGeom prst="rect">
-            <a:avLst/>
-          </a:prstGeom>
-          <a:noFill/>
-        </p:spPr>
-        <p:txBody>
-          <a:bodyPr wrap="none" lIns="91440" tIns="18288" rIns="91440" bIns="27432" rtlCol="0" anchor="ctr" anchorCtr="0">
-            <a:spAutoFit/>
-          </a:bodyPr>
-          <a:lstStyle/>
-          <a:p>
-            <a:pPr>
-              <a:defRPr/>
-            </a:pPr>
-            <a:r>
-              <a:rPr lang="en-US" sz="1200" dirty="0" err="1">
-                <a:solidFill>
-                  <a:schemeClr val="bg1"/>
-                </a:solidFill>
-                <a:latin typeface="Segoe UI"/>
-                <a:ea typeface="Segoe UI"/>
-              </a:rPr>
-              <a:t>Wähle</a:t>
-            </a:r>
-            <a:r>
-              <a:rPr lang="en-US" sz="1200" dirty="0">
-                <a:solidFill>
-                  <a:schemeClr val="bg1"/>
-                </a:solidFill>
-                <a:latin typeface="Segoe UI"/>
-                <a:ea typeface="Segoe UI"/>
-              </a:rPr>
-              <a:t> </a:t>
-            </a:r>
-            <a:r>
-              <a:rPr lang="en-US" sz="1200" dirty="0" err="1">
-                <a:solidFill>
-                  <a:schemeClr val="bg1"/>
-                </a:solidFill>
-                <a:latin typeface="Segoe UI"/>
-                <a:ea typeface="Segoe UI"/>
-              </a:rPr>
-              <a:t>Passwort</a:t>
-            </a:r>
-            <a:r>
-              <a:rPr lang="en-US" sz="1200" dirty="0">
-                <a:solidFill>
-                  <a:schemeClr val="bg1"/>
-                </a:solidFill>
-                <a:latin typeface="Segoe UI"/>
-                <a:ea typeface="Segoe UI"/>
-              </a:rPr>
-              <a:t> </a:t>
-            </a:r>
-            <a:r>
-              <a:rPr lang="en-US" sz="1200" dirty="0">
-                <a:solidFill>
-                  <a:srgbClr val="000000"/>
-                </a:solidFill>
-                <a:latin typeface="Segoe UI"/>
-                <a:ea typeface="Segoe UI"/>
-              </a:rPr>
-              <a:t>:</a:t>
-            </a:r>
-          </a:p>
-        </p:txBody>
-      </p:sp>
-      <p:sp>
-        <p:nvSpPr>
-          <p:cNvPr id="24" name="Content">
-            <a:extLst>
-              <a:ext uri="{FF2B5EF4-FFF2-40B4-BE49-F238E27FC236}">
-                <a16:creationId xmlns:a16="http://schemas.microsoft.com/office/drawing/2014/main" id="{6C2C1D71-3CAE-4A48-93FD-A9057B091E0D}"/>
-              </a:ext>
-            </a:extLst>
-          </p:cNvPr>
-          <p:cNvSpPr>
-            <a:spLocks/>
-          </p:cNvSpPr>
-          <p:nvPr/>
-        </p:nvSpPr>
-        <p:spPr bwMode="auto">
-          <a:xfrm>
-            <a:off x="4026539" y="2239635"/>
-            <a:ext cx="835485" cy="230832"/>
-          </a:xfrm>
-          <a:prstGeom prst="rect">
-            <a:avLst/>
-          </a:prstGeom>
-          <a:noFill/>
-        </p:spPr>
-        <p:txBody>
-          <a:bodyPr wrap="none" lIns="91440" tIns="18288" rIns="91440" bIns="27432" rtlCol="0" anchor="ctr" anchorCtr="0">
-            <a:spAutoFit/>
-          </a:bodyPr>
-          <a:lstStyle/>
-          <a:p>
-            <a:pPr>
-              <a:defRPr/>
-            </a:pPr>
-            <a:r>
-              <a:rPr lang="en-US" sz="1200" dirty="0" err="1">
-                <a:solidFill>
-                  <a:schemeClr val="bg1"/>
-                </a:solidFill>
-                <a:latin typeface="Segoe UI"/>
-                <a:ea typeface="Segoe UI"/>
-              </a:rPr>
-              <a:t>Vorname</a:t>
-            </a:r>
-            <a:r>
-              <a:rPr lang="en-US" sz="1200" dirty="0">
-                <a:solidFill>
-                  <a:srgbClr val="000000"/>
-                </a:solidFill>
-                <a:latin typeface="Segoe UI"/>
-                <a:ea typeface="Segoe UI"/>
-              </a:rPr>
-              <a:t>:</a:t>
-            </a:r>
-          </a:p>
-        </p:txBody>
-      </p:sp>
-      <p:sp>
-        <p:nvSpPr>
-          <p:cNvPr id="25" name="Content">
-            <a:extLst>
-              <a:ext uri="{FF2B5EF4-FFF2-40B4-BE49-F238E27FC236}">
-                <a16:creationId xmlns:a16="http://schemas.microsoft.com/office/drawing/2014/main" id="{2538C496-6574-446C-8087-E4AC88CEC3A3}"/>
-              </a:ext>
-            </a:extLst>
-          </p:cNvPr>
-          <p:cNvSpPr>
-            <a:spLocks/>
-          </p:cNvSpPr>
-          <p:nvPr/>
-        </p:nvSpPr>
-        <p:spPr bwMode="auto">
-          <a:xfrm>
-            <a:off x="3717137" y="2667880"/>
-            <a:ext cx="1228221" cy="230832"/>
-          </a:xfrm>
-          <a:prstGeom prst="rect">
-            <a:avLst/>
-          </a:prstGeom>
-          <a:noFill/>
-        </p:spPr>
-        <p:txBody>
-          <a:bodyPr wrap="none" lIns="91440" tIns="18288" rIns="91440" bIns="27432" rtlCol="0" anchor="ctr" anchorCtr="0">
-            <a:spAutoFit/>
-          </a:bodyPr>
-          <a:lstStyle/>
-          <a:p>
-            <a:pPr>
-              <a:defRPr/>
-            </a:pPr>
-            <a:r>
-              <a:rPr lang="en-US" sz="1200" dirty="0" err="1">
-                <a:solidFill>
-                  <a:schemeClr val="bg1"/>
-                </a:solidFill>
-                <a:latin typeface="Segoe UI"/>
-                <a:ea typeface="Segoe UI"/>
-              </a:rPr>
-              <a:t>Geburtsdatum</a:t>
-            </a:r>
-            <a:r>
-              <a:rPr lang="en-US" sz="1200" dirty="0">
-                <a:solidFill>
-                  <a:srgbClr val="000000"/>
-                </a:solidFill>
-                <a:latin typeface="Segoe UI"/>
-                <a:ea typeface="Segoe UI"/>
-              </a:rPr>
-              <a:t>:</a:t>
-            </a:r>
-          </a:p>
-        </p:txBody>
-      </p:sp>
-      <p:grpSp>
-        <p:nvGrpSpPr>
-          <p:cNvPr id="32" name="Gruppieren 55">
-            <a:extLst>
-              <a:ext uri="{FF2B5EF4-FFF2-40B4-BE49-F238E27FC236}">
-                <a16:creationId xmlns:a16="http://schemas.microsoft.com/office/drawing/2014/main" id="{DB5D14F1-FC37-4C81-AE0C-BC757E35F9C0}"/>
-              </a:ext>
-            </a:extLst>
-          </p:cNvPr>
-          <p:cNvGrpSpPr/>
-          <p:nvPr/>
-        </p:nvGrpSpPr>
-        <p:grpSpPr bwMode="auto">
-          <a:xfrm>
-            <a:off x="4889745" y="1880949"/>
-            <a:ext cx="1220102" cy="1537695"/>
-            <a:chOff x="2498736" y="2026413"/>
-            <a:chExt cx="1220102" cy="1537695"/>
-          </a:xfrm>
-        </p:grpSpPr>
-        <p:sp>
-          <p:nvSpPr>
-            <p:cNvPr id="33" name="Content">
-              <a:extLst>
-                <a:ext uri="{FF2B5EF4-FFF2-40B4-BE49-F238E27FC236}">
-                  <a16:creationId xmlns:a16="http://schemas.microsoft.com/office/drawing/2014/main" id="{F6359E15-A214-4A5C-A4C4-F1668E4A1B1F}"/>
-                </a:ext>
-              </a:extLst>
-            </p:cNvPr>
-            <p:cNvSpPr/>
-            <p:nvPr/>
-          </p:nvSpPr>
-          <p:spPr bwMode="auto">
-            <a:xfrm>
-              <a:off x="2498736" y="2026413"/>
-              <a:ext cx="1220102" cy="219652"/>
-            </a:xfrm>
-            <a:prstGeom prst="rect">
-              <a:avLst/>
-            </a:prstGeom>
-            <a:solidFill>
-              <a:sysClr val="window" lastClr="FFFFFF"/>
-            </a:solidFill>
-            <a:ln w="3175">
-              <a:solidFill>
-                <a:srgbClr val="000000">
-                  <a:lumMod val="50000"/>
-                  <a:lumOff val="50000"/>
-                </a:srgbClr>
-              </a:solidFill>
-            </a:ln>
-          </p:spPr>
-          <p:style>
-            <a:lnRef idx="2">
-              <a:srgbClr val="4F81BD">
-                <a:shade val="50000"/>
-              </a:srgbClr>
-            </a:lnRef>
-            <a:fillRef idx="1">
-              <a:srgbClr val="4F81BD"/>
-            </a:fillRef>
-            <a:effectRef idx="0">
-              <a:srgbClr val="4F81BD"/>
-            </a:effectRef>
-            <a:fontRef idx="minor">
-              <a:srgbClr val="000000"/>
-            </a:fontRef>
-          </p:style>
-          <p:txBody>
-            <a:bodyPr wrap="none" lIns="45720" tIns="18288" rIns="45720" bIns="18288" rtlCol="0" anchor="ctr">
-              <a:noAutofit/>
-            </a:bodyPr>
-            <a:lstStyle/>
-            <a:p>
-              <a:pPr>
-                <a:defRPr/>
-              </a:pPr>
-              <a:endParaRPr lang="en-US" sz="1200">
-                <a:solidFill>
-                  <a:srgbClr val="000000"/>
-                </a:solidFill>
-                <a:latin typeface="Segoe UI"/>
-              </a:endParaRPr>
-            </a:p>
-          </p:txBody>
-        </p:sp>
-        <p:sp>
-          <p:nvSpPr>
-            <p:cNvPr id="34" name="Content">
-              <a:extLst>
-                <a:ext uri="{FF2B5EF4-FFF2-40B4-BE49-F238E27FC236}">
-                  <a16:creationId xmlns:a16="http://schemas.microsoft.com/office/drawing/2014/main" id="{419BCA15-F4B4-4E98-BFFC-C5D061F9874C}"/>
-                </a:ext>
-              </a:extLst>
-            </p:cNvPr>
-            <p:cNvSpPr/>
-            <p:nvPr/>
-          </p:nvSpPr>
-          <p:spPr bwMode="auto">
-            <a:xfrm>
-              <a:off x="2498736" y="2385379"/>
-              <a:ext cx="1220102" cy="228600"/>
-            </a:xfrm>
-            <a:prstGeom prst="rect">
-              <a:avLst/>
-            </a:prstGeom>
-            <a:solidFill>
-              <a:sysClr val="window" lastClr="FFFFFF"/>
-            </a:solidFill>
-            <a:ln w="3175">
-              <a:solidFill>
-                <a:srgbClr val="000000">
-                  <a:lumMod val="50000"/>
-                  <a:lumOff val="50000"/>
-                </a:srgbClr>
-              </a:solidFill>
-            </a:ln>
-          </p:spPr>
-          <p:style>
-            <a:lnRef idx="2">
-              <a:srgbClr val="4F81BD">
-                <a:shade val="50000"/>
-              </a:srgbClr>
-            </a:lnRef>
-            <a:fillRef idx="1">
-              <a:srgbClr val="4F81BD"/>
-            </a:fillRef>
-            <a:effectRef idx="0">
-              <a:srgbClr val="4F81BD"/>
-            </a:effectRef>
-            <a:fontRef idx="minor">
-              <a:srgbClr val="000000"/>
-            </a:fontRef>
-          </p:style>
-          <p:txBody>
-            <a:bodyPr wrap="none" lIns="45720" tIns="18288" rIns="45720" bIns="18288" rtlCol="0" anchor="ctr">
-              <a:noAutofit/>
-            </a:bodyPr>
-            <a:lstStyle/>
-            <a:p>
-              <a:pPr>
-                <a:defRPr/>
-              </a:pPr>
-              <a:endParaRPr lang="en-US" sz="1200">
-                <a:solidFill>
-                  <a:srgbClr val="000000"/>
-                </a:solidFill>
-                <a:latin typeface="Segoe UI"/>
-              </a:endParaRPr>
-            </a:p>
-          </p:txBody>
-        </p:sp>
-        <p:sp>
-          <p:nvSpPr>
-            <p:cNvPr id="35" name="Content">
-              <a:extLst>
-                <a:ext uri="{FF2B5EF4-FFF2-40B4-BE49-F238E27FC236}">
-                  <a16:creationId xmlns:a16="http://schemas.microsoft.com/office/drawing/2014/main" id="{A45EB1E4-4D53-44F8-8A14-A1A3031B9874}"/>
-                </a:ext>
-              </a:extLst>
-            </p:cNvPr>
-            <p:cNvSpPr/>
-            <p:nvPr/>
-          </p:nvSpPr>
-          <p:spPr bwMode="auto">
-            <a:xfrm>
-              <a:off x="2498736" y="2819565"/>
-              <a:ext cx="1220102" cy="228600"/>
-            </a:xfrm>
-            <a:prstGeom prst="rect">
-              <a:avLst/>
-            </a:prstGeom>
-            <a:solidFill>
-              <a:sysClr val="window" lastClr="FFFFFF"/>
-            </a:solidFill>
-            <a:ln w="3175">
-              <a:solidFill>
-                <a:srgbClr val="000000">
-                  <a:lumMod val="50000"/>
-                  <a:lumOff val="50000"/>
-                </a:srgbClr>
-              </a:solidFill>
-            </a:ln>
-          </p:spPr>
-          <p:style>
-            <a:lnRef idx="2">
-              <a:srgbClr val="4F81BD">
-                <a:shade val="50000"/>
-              </a:srgbClr>
-            </a:lnRef>
-            <a:fillRef idx="1">
-              <a:srgbClr val="4F81BD"/>
-            </a:fillRef>
-            <a:effectRef idx="0">
-              <a:srgbClr val="4F81BD"/>
-            </a:effectRef>
-            <a:fontRef idx="minor">
-              <a:srgbClr val="000000"/>
-            </a:fontRef>
-          </p:style>
-          <p:txBody>
-            <a:bodyPr wrap="none" lIns="45720" tIns="18288" rIns="45720" bIns="18288" rtlCol="0" anchor="ctr">
-              <a:noAutofit/>
-            </a:bodyPr>
-            <a:lstStyle/>
-            <a:p>
-              <a:pPr>
-                <a:defRPr/>
-              </a:pPr>
-              <a:endParaRPr lang="en-US" sz="1200">
-                <a:solidFill>
-                  <a:srgbClr val="000000"/>
-                </a:solidFill>
-                <a:latin typeface="Segoe UI"/>
-              </a:endParaRPr>
-            </a:p>
-          </p:txBody>
-        </p:sp>
-        <p:sp>
-          <p:nvSpPr>
-            <p:cNvPr id="36" name="Content">
-              <a:extLst>
-                <a:ext uri="{FF2B5EF4-FFF2-40B4-BE49-F238E27FC236}">
-                  <a16:creationId xmlns:a16="http://schemas.microsoft.com/office/drawing/2014/main" id="{E0F9A35F-5A1F-428C-96F9-F00ED4AA1BB4}"/>
-                </a:ext>
-              </a:extLst>
-            </p:cNvPr>
-            <p:cNvSpPr/>
-            <p:nvPr/>
-          </p:nvSpPr>
-          <p:spPr bwMode="auto">
-            <a:xfrm>
-              <a:off x="2498736" y="3335508"/>
-              <a:ext cx="1220102" cy="228600"/>
-            </a:xfrm>
-            <a:prstGeom prst="rect">
-              <a:avLst/>
-            </a:prstGeom>
-            <a:solidFill>
-              <a:sysClr val="window" lastClr="FFFFFF"/>
-            </a:solidFill>
-            <a:ln w="3175">
-              <a:solidFill>
-                <a:srgbClr val="000000">
-                  <a:lumMod val="50000"/>
-                  <a:lumOff val="50000"/>
-                </a:srgbClr>
-              </a:solidFill>
-            </a:ln>
-          </p:spPr>
-          <p:style>
-            <a:lnRef idx="2">
-              <a:srgbClr val="4F81BD">
-                <a:shade val="50000"/>
-              </a:srgbClr>
-            </a:lnRef>
-            <a:fillRef idx="1">
-              <a:srgbClr val="4F81BD"/>
-            </a:fillRef>
-            <a:effectRef idx="0">
-              <a:srgbClr val="4F81BD"/>
-            </a:effectRef>
-            <a:fontRef idx="minor">
-              <a:srgbClr val="000000"/>
-            </a:fontRef>
-          </p:style>
-          <p:txBody>
-            <a:bodyPr wrap="none" lIns="45720" tIns="18288" rIns="45720" bIns="18288" rtlCol="0" anchor="ctr">
-              <a:noAutofit/>
-            </a:bodyPr>
-            <a:lstStyle/>
-            <a:p>
-              <a:pPr>
-                <a:defRPr/>
-              </a:pPr>
-              <a:endParaRPr lang="en-US" sz="1200">
-                <a:solidFill>
-                  <a:srgbClr val="000000"/>
-                </a:solidFill>
-                <a:latin typeface="Segoe UI"/>
-              </a:endParaRPr>
-            </a:p>
-          </p:txBody>
-        </p:sp>
-      </p:grpSp>
-      <p:pic>
-        <p:nvPicPr>
-          <p:cNvPr id="16" name="Grafik 15" descr="Pfeil: 180-Grad">
-            <a:extLst>
-              <a:ext uri="{FF2B5EF4-FFF2-40B4-BE49-F238E27FC236}">
-                <a16:creationId xmlns:a16="http://schemas.microsoft.com/office/drawing/2014/main" id="{507C093E-8950-416D-99FA-7D54714386F5}"/>
-              </a:ext>
-            </a:extLst>
-          </p:cNvPr>
-          <p:cNvPicPr>
-            <a:picLocks noChangeAspect="1"/>
-          </p:cNvPicPr>
-          <p:nvPr/>
-        </p:nvPicPr>
-        <p:blipFill>
-          <a:blip r:embed="rId3">
-            <a:extLst>
-              <a:ext uri="{28A0092B-C50C-407E-A947-70E740481C1C}">
-                <a14:useLocalDpi xmlns:a14="http://schemas.microsoft.com/office/drawing/2010/main" val="0"/>
-              </a:ext>
-              <a:ext uri="{96DAC541-7B7A-43D3-8B79-37D633B846F1}">
-                <asvg:svgBlip xmlns:asvg="http://schemas.microsoft.com/office/drawing/2016/SVG/main" r:embed="rId4"/>
-              </a:ext>
-            </a:extLst>
-          </a:blip>
-          <a:stretch>
-            <a:fillRect/>
-          </a:stretch>
-        </p:blipFill>
-        <p:spPr>
-          <a:xfrm>
-            <a:off x="8832304" y="422165"/>
-            <a:ext cx="454288" cy="454288"/>
-          </a:xfrm>
-          <a:prstGeom prst="rect">
-            <a:avLst/>
-          </a:prstGeom>
-        </p:spPr>
-      </p:pic>
-      <p:pic>
-        <p:nvPicPr>
-          <p:cNvPr id="17" name="Grafik 16" descr="Heim">
-            <a:extLst>
-              <a:ext uri="{FF2B5EF4-FFF2-40B4-BE49-F238E27FC236}">
-                <a16:creationId xmlns:a16="http://schemas.microsoft.com/office/drawing/2014/main" id="{0E50BB4A-F067-4417-BDF9-B4798DD41A1F}"/>
-              </a:ext>
-            </a:extLst>
-          </p:cNvPr>
-          <p:cNvPicPr>
-            <a:picLocks noChangeAspect="1"/>
-          </p:cNvPicPr>
-          <p:nvPr/>
-        </p:nvPicPr>
-        <p:blipFill>
-          <a:blip r:embed="rId5">
-            <a:extLst>
-              <a:ext uri="{28A0092B-C50C-407E-A947-70E740481C1C}">
-                <a14:useLocalDpi xmlns:a14="http://schemas.microsoft.com/office/drawing/2010/main" val="0"/>
-              </a:ext>
-              <a:ext uri="{96DAC541-7B7A-43D3-8B79-37D633B846F1}">
-                <asvg:svgBlip xmlns:asvg="http://schemas.microsoft.com/office/drawing/2016/SVG/main" r:embed="rId6"/>
-              </a:ext>
-            </a:extLst>
-          </a:blip>
-          <a:stretch>
-            <a:fillRect/>
-          </a:stretch>
-        </p:blipFill>
-        <p:spPr>
-          <a:xfrm>
-            <a:off x="9458135" y="404664"/>
-            <a:ext cx="454289" cy="454289"/>
-          </a:xfrm>
-          <a:prstGeom prst="rect">
-            <a:avLst/>
-          </a:prstGeom>
-        </p:spPr>
-      </p:pic>
-    </p:spTree>
-    <p:extLst>
-      <p:ext uri="{BB962C8B-B14F-4D97-AF65-F5344CB8AC3E}">
-        <p14:creationId xmlns:p14="http://schemas.microsoft.com/office/powerpoint/2010/main" val="1703187243"/>
-      </p:ext>
-    </p:extLst>
-  </p:cSld>
-  <p:clrMapOvr>
-    <a:masterClrMapping/>
-  </p:clrMapOvr>
-</p:sld>
-</file>
-
-<file path=ppt/slides/slide20.xml><?xml version="1.0" encoding="utf-8"?>
+<file path=ppt/slides/slide21.xml><?xml version="1.0" encoding="utf-8"?>
 <p:sld xmlns:a="http://schemas.openxmlformats.org/drawingml/2006/main" xmlns:r="http://schemas.openxmlformats.org/officeDocument/2006/relationships" xmlns:p="http://schemas.openxmlformats.org/presentationml/2006/main">
   <p:cSld>
     <p:spTree>
@@ -24128,7 +25118,7 @@
 </p:sld>
 </file>
 
-<file path=ppt/slides/slide21.xml><?xml version="1.0" encoding="utf-8"?>
+<file path=ppt/slides/slide22.xml><?xml version="1.0" encoding="utf-8"?>
 <p:sld xmlns:a="http://schemas.openxmlformats.org/drawingml/2006/main" xmlns:r="http://schemas.openxmlformats.org/officeDocument/2006/relationships" xmlns:p="http://schemas.openxmlformats.org/presentationml/2006/main">
   <p:cSld>
     <p:spTree>
@@ -24336,7 +25326,7 @@
 </p:sld>
 </file>
 
-<file path=ppt/slides/slide22.xml><?xml version="1.0" encoding="utf-8"?>
+<file path=ppt/slides/slide23.xml><?xml version="1.0" encoding="utf-8"?>
 <p:sld xmlns:a="http://schemas.openxmlformats.org/drawingml/2006/main" xmlns:r="http://schemas.openxmlformats.org/officeDocument/2006/relationships" xmlns:p="http://schemas.openxmlformats.org/presentationml/2006/main">
   <p:cSld>
     <p:spTree>
@@ -24618,7 +25608,7 @@
 </p:sld>
 </file>
 
-<file path=ppt/slides/slide23.xml><?xml version="1.0" encoding="utf-8"?>
+<file path=ppt/slides/slide24.xml><?xml version="1.0" encoding="utf-8"?>
 <p:sld xmlns:a="http://schemas.openxmlformats.org/drawingml/2006/main" xmlns:r="http://schemas.openxmlformats.org/officeDocument/2006/relationships" xmlns:p="http://schemas.openxmlformats.org/presentationml/2006/main">
   <p:cSld>
     <p:spTree>
@@ -24752,7 +25742,7 @@
 </p:sld>
 </file>
 
-<file path=ppt/slides/slide24.xml><?xml version="1.0" encoding="utf-8"?>
+<file path=ppt/slides/slide25.xml><?xml version="1.0" encoding="utf-8"?>
 <p:sld xmlns:a="http://schemas.openxmlformats.org/drawingml/2006/main" xmlns:r="http://schemas.openxmlformats.org/officeDocument/2006/relationships" xmlns:p="http://schemas.openxmlformats.org/presentationml/2006/main">
   <p:cSld>
     <p:spTree>
@@ -24960,7 +25950,7 @@
 </p:sld>
 </file>
 
-<file path=ppt/slides/slide25.xml><?xml version="1.0" encoding="utf-8"?>
+<file path=ppt/slides/slide26.xml><?xml version="1.0" encoding="utf-8"?>
 <p:sld xmlns:a="http://schemas.openxmlformats.org/drawingml/2006/main" xmlns:r="http://schemas.openxmlformats.org/officeDocument/2006/relationships" xmlns:p="http://schemas.openxmlformats.org/presentationml/2006/main">
   <p:cSld>
     <p:spTree>
@@ -25242,7 +26232,7 @@
 </p:sld>
 </file>
 
-<file path=ppt/slides/slide26.xml><?xml version="1.0" encoding="utf-8"?>
+<file path=ppt/slides/slide27.xml><?xml version="1.0" encoding="utf-8"?>
 <p:sld xmlns:a="http://schemas.openxmlformats.org/drawingml/2006/main" xmlns:r="http://schemas.openxmlformats.org/officeDocument/2006/relationships" xmlns:p="http://schemas.openxmlformats.org/presentationml/2006/main">
   <p:cSld>
     <p:spTree>
@@ -25525,6 +26515,509 @@
 </file>
 
 <file path=ppt/slides/slide3.xml><?xml version="1.0" encoding="utf-8"?>
+<p:sld xmlns:a="http://schemas.openxmlformats.org/drawingml/2006/main" xmlns:r="http://schemas.openxmlformats.org/officeDocument/2006/relationships" xmlns:p="http://schemas.openxmlformats.org/presentationml/2006/main">
+  <p:cSld>
+    <p:spTree>
+      <p:nvGrpSpPr>
+        <p:cNvPr id="1" name=""/>
+        <p:cNvGrpSpPr/>
+        <p:nvPr/>
+      </p:nvGrpSpPr>
+      <p:grpSpPr>
+        <a:xfrm>
+          <a:off x="0" y="0"/>
+          <a:ext cx="0" cy="0"/>
+          <a:chOff x="0" y="0"/>
+          <a:chExt cx="0" cy="0"/>
+        </a:xfrm>
+      </p:grpSpPr>
+      <p:pic>
+        <p:nvPicPr>
+          <p:cNvPr id="7" name="Grafik 6">
+            <a:extLst>
+              <a:ext uri="{FF2B5EF4-FFF2-40B4-BE49-F238E27FC236}">
+                <a16:creationId xmlns:a16="http://schemas.microsoft.com/office/drawing/2014/main" id="{89730167-1AB8-4780-AA26-37E1709F25C1}"/>
+              </a:ext>
+            </a:extLst>
+          </p:cNvPr>
+          <p:cNvPicPr>
+            <a:picLocks noChangeAspect="1"/>
+          </p:cNvPicPr>
+          <p:nvPr/>
+        </p:nvPicPr>
+        <p:blipFill>
+          <a:blip r:embed="rId2">
+            <a:extLst>
+              <a:ext uri="{28A0092B-C50C-407E-A947-70E740481C1C}">
+                <a14:useLocalDpi xmlns:a14="http://schemas.microsoft.com/office/drawing/2010/main" val="0"/>
+              </a:ext>
+            </a:extLst>
+          </a:blip>
+          <a:stretch>
+            <a:fillRect/>
+          </a:stretch>
+        </p:blipFill>
+        <p:spPr bwMode="auto">
+          <a:xfrm>
+            <a:off x="1517496" y="486245"/>
+            <a:ext cx="7674848" cy="5651481"/>
+          </a:xfrm>
+          <a:prstGeom prst="rect">
+            <a:avLst/>
+          </a:prstGeom>
+        </p:spPr>
+      </p:pic>
+      <p:sp>
+        <p:nvSpPr>
+          <p:cNvPr id="8" name="Content">
+            <a:extLst>
+              <a:ext uri="{FF2B5EF4-FFF2-40B4-BE49-F238E27FC236}">
+                <a16:creationId xmlns:a16="http://schemas.microsoft.com/office/drawing/2014/main" id="{914115D2-3B49-4966-9402-93F86E07F7F3}"/>
+              </a:ext>
+            </a:extLst>
+          </p:cNvPr>
+          <p:cNvSpPr>
+            <a:spLocks/>
+          </p:cNvSpPr>
+          <p:nvPr/>
+        </p:nvSpPr>
+        <p:spPr bwMode="auto">
+          <a:xfrm>
+            <a:off x="3756721" y="1076667"/>
+            <a:ext cx="3347391" cy="415498"/>
+          </a:xfrm>
+          <a:prstGeom prst="rect">
+            <a:avLst/>
+          </a:prstGeom>
+          <a:noFill/>
+        </p:spPr>
+        <p:txBody>
+          <a:bodyPr wrap="none" lIns="91440" tIns="18288" rIns="91440" bIns="27432" rtlCol="0" anchor="ctr" anchorCtr="0">
+            <a:spAutoFit/>
+          </a:bodyPr>
+          <a:lstStyle/>
+          <a:p>
+            <a:pPr>
+              <a:defRPr/>
+            </a:pPr>
+            <a:r>
+              <a:rPr lang="en-US" sz="2400" b="1" dirty="0" err="1">
+                <a:solidFill>
+                  <a:schemeClr val="bg1"/>
+                </a:solidFill>
+                <a:latin typeface="Segoe UI"/>
+                <a:ea typeface="Segoe UI"/>
+              </a:rPr>
+              <a:t>Kunden</a:t>
+            </a:r>
+            <a:r>
+              <a:rPr lang="en-US" sz="2400" b="1" dirty="0">
+                <a:solidFill>
+                  <a:schemeClr val="bg1"/>
+                </a:solidFill>
+                <a:latin typeface="Segoe UI"/>
+                <a:ea typeface="Segoe UI"/>
+              </a:rPr>
+              <a:t> </a:t>
+            </a:r>
+            <a:r>
+              <a:rPr lang="en-US" sz="2400" b="1" dirty="0" err="1">
+                <a:solidFill>
+                  <a:schemeClr val="bg1"/>
+                </a:solidFill>
+                <a:latin typeface="Segoe UI"/>
+                <a:ea typeface="Segoe UI"/>
+              </a:rPr>
+              <a:t>Registrierung</a:t>
+            </a:r>
+            <a:endParaRPr lang="en-US" sz="2400" b="1" dirty="0">
+              <a:solidFill>
+                <a:schemeClr val="bg1"/>
+              </a:solidFill>
+              <a:latin typeface="Segoe UI"/>
+              <a:ea typeface="Segoe UI"/>
+            </a:endParaRPr>
+          </a:p>
+        </p:txBody>
+      </p:sp>
+      <p:sp>
+        <p:nvSpPr>
+          <p:cNvPr id="66" name="Content">
+            <a:extLst>
+              <a:ext uri="{FF2B5EF4-FFF2-40B4-BE49-F238E27FC236}">
+                <a16:creationId xmlns:a16="http://schemas.microsoft.com/office/drawing/2014/main" id="{672A452B-59F2-42E6-8467-AEBB6D598EA7}"/>
+              </a:ext>
+            </a:extLst>
+          </p:cNvPr>
+          <p:cNvSpPr>
+            <a:spLocks/>
+          </p:cNvSpPr>
+          <p:nvPr/>
+        </p:nvSpPr>
+        <p:spPr bwMode="auto">
+          <a:xfrm>
+            <a:off x="3414287" y="2348880"/>
+            <a:ext cx="3834703" cy="2108269"/>
+          </a:xfrm>
+          <a:prstGeom prst="rect">
+            <a:avLst/>
+          </a:prstGeom>
+          <a:noFill/>
+        </p:spPr>
+        <p:txBody>
+          <a:bodyPr wrap="none" lIns="91440" tIns="18288" rIns="91440" bIns="27432" rtlCol="0" anchor="ctr" anchorCtr="0">
+            <a:spAutoFit/>
+          </a:bodyPr>
+          <a:lstStyle/>
+          <a:p>
+            <a:pPr algn="ctr">
+              <a:defRPr/>
+            </a:pPr>
+            <a:r>
+              <a:rPr lang="en-US" b="1" i="1" dirty="0" err="1">
+                <a:solidFill>
+                  <a:schemeClr val="bg1"/>
+                </a:solidFill>
+                <a:latin typeface="Segoe UI"/>
+                <a:ea typeface="Segoe UI"/>
+              </a:rPr>
+              <a:t>Vielen</a:t>
+            </a:r>
+            <a:r>
+              <a:rPr lang="en-US" b="1" i="1" dirty="0">
+                <a:solidFill>
+                  <a:schemeClr val="bg1"/>
+                </a:solidFill>
+                <a:latin typeface="Segoe UI"/>
+                <a:ea typeface="Segoe UI"/>
+              </a:rPr>
+              <a:t> Dank!</a:t>
+            </a:r>
+          </a:p>
+          <a:p>
+            <a:pPr algn="ctr">
+              <a:defRPr/>
+            </a:pPr>
+            <a:endParaRPr lang="en-US" b="1" i="1" dirty="0">
+              <a:solidFill>
+                <a:schemeClr val="bg1"/>
+              </a:solidFill>
+              <a:latin typeface="Segoe UI"/>
+              <a:ea typeface="Segoe UI"/>
+            </a:endParaRPr>
+          </a:p>
+          <a:p>
+            <a:pPr algn="ctr">
+              <a:defRPr/>
+            </a:pPr>
+            <a:r>
+              <a:rPr lang="en-US" b="1" i="1" dirty="0">
+                <a:solidFill>
+                  <a:schemeClr val="bg1"/>
+                </a:solidFill>
+                <a:latin typeface="Segoe UI"/>
+                <a:ea typeface="Segoe UI"/>
+              </a:rPr>
+              <a:t>Sie </a:t>
+            </a:r>
+            <a:r>
+              <a:rPr lang="en-US" b="1" i="1" dirty="0" err="1">
+                <a:solidFill>
+                  <a:schemeClr val="bg1"/>
+                </a:solidFill>
+                <a:latin typeface="Segoe UI"/>
+                <a:ea typeface="Segoe UI"/>
+              </a:rPr>
+              <a:t>wurden</a:t>
+            </a:r>
+            <a:r>
+              <a:rPr lang="en-US" b="1" i="1" dirty="0">
+                <a:solidFill>
+                  <a:schemeClr val="bg1"/>
+                </a:solidFill>
+                <a:latin typeface="Segoe UI"/>
+                <a:ea typeface="Segoe UI"/>
+              </a:rPr>
+              <a:t> </a:t>
+            </a:r>
+            <a:r>
+              <a:rPr lang="en-US" b="1" i="1" dirty="0" err="1">
+                <a:solidFill>
+                  <a:schemeClr val="bg1"/>
+                </a:solidFill>
+                <a:latin typeface="Segoe UI"/>
+                <a:ea typeface="Segoe UI"/>
+              </a:rPr>
+              <a:t>erfolgreich</a:t>
+            </a:r>
+            <a:r>
+              <a:rPr lang="en-US" b="1" i="1" dirty="0">
+                <a:solidFill>
+                  <a:schemeClr val="bg1"/>
+                </a:solidFill>
+                <a:latin typeface="Segoe UI"/>
+                <a:ea typeface="Segoe UI"/>
+              </a:rPr>
+              <a:t> </a:t>
+            </a:r>
+            <a:r>
+              <a:rPr lang="en-US" b="1" i="1" dirty="0" err="1">
+                <a:solidFill>
+                  <a:schemeClr val="bg1"/>
+                </a:solidFill>
+                <a:latin typeface="Segoe UI"/>
+                <a:ea typeface="Segoe UI"/>
+              </a:rPr>
+              <a:t>registriert</a:t>
+            </a:r>
+            <a:r>
+              <a:rPr lang="en-US" b="1" i="1" dirty="0">
+                <a:solidFill>
+                  <a:schemeClr val="bg1"/>
+                </a:solidFill>
+                <a:latin typeface="Segoe UI"/>
+                <a:ea typeface="Segoe UI"/>
+              </a:rPr>
+              <a:t>!</a:t>
+            </a:r>
+          </a:p>
+          <a:p>
+            <a:pPr algn="ctr">
+              <a:defRPr/>
+            </a:pPr>
+            <a:endParaRPr lang="en-US" sz="1600" b="1" i="1" dirty="0">
+              <a:solidFill>
+                <a:schemeClr val="bg1"/>
+              </a:solidFill>
+              <a:latin typeface="Segoe UI"/>
+              <a:ea typeface="Segoe UI"/>
+            </a:endParaRPr>
+          </a:p>
+          <a:p>
+            <a:pPr algn="ctr">
+              <a:defRPr/>
+            </a:pPr>
+            <a:endParaRPr lang="en-US" sz="1600" b="1" i="1" dirty="0">
+              <a:solidFill>
+                <a:schemeClr val="bg1"/>
+              </a:solidFill>
+              <a:latin typeface="Segoe UI"/>
+              <a:ea typeface="Segoe UI"/>
+            </a:endParaRPr>
+          </a:p>
+          <a:p>
+            <a:pPr algn="ctr">
+              <a:defRPr/>
+            </a:pPr>
+            <a:r>
+              <a:rPr lang="en-US" sz="1600" b="1" i="1" dirty="0" err="1">
+                <a:solidFill>
+                  <a:schemeClr val="bg1"/>
+                </a:solidFill>
+                <a:latin typeface="Segoe UI"/>
+                <a:ea typeface="Segoe UI"/>
+              </a:rPr>
+              <a:t>Ihre</a:t>
+            </a:r>
+            <a:r>
+              <a:rPr lang="en-US" sz="1600" b="1" i="1" dirty="0">
+                <a:solidFill>
+                  <a:schemeClr val="bg1"/>
+                </a:solidFill>
+                <a:latin typeface="Segoe UI"/>
+                <a:ea typeface="Segoe UI"/>
+              </a:rPr>
+              <a:t> </a:t>
+            </a:r>
+            <a:r>
+              <a:rPr lang="en-US" sz="1600" b="1" i="1" dirty="0" err="1">
+                <a:solidFill>
+                  <a:schemeClr val="bg1"/>
+                </a:solidFill>
+                <a:latin typeface="Segoe UI"/>
+                <a:ea typeface="Segoe UI"/>
+              </a:rPr>
+              <a:t>Kunden</a:t>
+            </a:r>
+            <a:r>
+              <a:rPr lang="en-US" sz="1600" b="1" i="1" dirty="0">
+                <a:solidFill>
+                  <a:schemeClr val="bg1"/>
+                </a:solidFill>
+                <a:latin typeface="Segoe UI"/>
+                <a:ea typeface="Segoe UI"/>
+              </a:rPr>
+              <a:t>-ID </a:t>
+            </a:r>
+            <a:r>
+              <a:rPr lang="en-US" sz="1600" b="1" i="1" dirty="0" err="1">
+                <a:solidFill>
+                  <a:schemeClr val="bg1"/>
+                </a:solidFill>
+                <a:latin typeface="Segoe UI"/>
+                <a:ea typeface="Segoe UI"/>
+              </a:rPr>
+              <a:t>lautet</a:t>
+            </a:r>
+            <a:r>
+              <a:rPr lang="en-US" sz="1600" b="1" i="1" dirty="0">
+                <a:solidFill>
+                  <a:schemeClr val="bg1"/>
+                </a:solidFill>
+                <a:latin typeface="Segoe UI"/>
+                <a:ea typeface="Segoe UI"/>
+              </a:rPr>
+              <a:t>:</a:t>
+            </a:r>
+          </a:p>
+          <a:p>
+            <a:pPr algn="ctr">
+              <a:defRPr/>
+            </a:pPr>
+            <a:endParaRPr lang="en-US" sz="1600" b="1" i="1" dirty="0">
+              <a:solidFill>
+                <a:schemeClr val="bg1"/>
+              </a:solidFill>
+              <a:latin typeface="Segoe UI"/>
+              <a:ea typeface="Segoe UI"/>
+            </a:endParaRPr>
+          </a:p>
+          <a:p>
+            <a:pPr algn="ctr">
+              <a:defRPr/>
+            </a:pPr>
+            <a:r>
+              <a:rPr lang="en-US" sz="1600" b="1" i="1" dirty="0">
+                <a:solidFill>
+                  <a:srgbClr val="FFFF00"/>
+                </a:solidFill>
+                <a:latin typeface="Segoe UI"/>
+                <a:ea typeface="Segoe UI"/>
+              </a:rPr>
+              <a:t>&lt;</a:t>
+            </a:r>
+            <a:r>
+              <a:rPr lang="en-US" sz="1600" b="1" i="1" dirty="0" err="1">
+                <a:solidFill>
+                  <a:srgbClr val="FFFF00"/>
+                </a:solidFill>
+                <a:latin typeface="Segoe UI"/>
+                <a:ea typeface="Segoe UI"/>
+              </a:rPr>
+              <a:t>Kunden</a:t>
+            </a:r>
+            <a:r>
+              <a:rPr lang="en-US" sz="1600" b="1" i="1" dirty="0">
+                <a:solidFill>
+                  <a:srgbClr val="FFFF00"/>
+                </a:solidFill>
+                <a:latin typeface="Segoe UI"/>
+                <a:ea typeface="Segoe UI"/>
+              </a:rPr>
+              <a:t>-ID&gt;</a:t>
+            </a:r>
+            <a:endParaRPr lang="en-US" sz="1600" dirty="0">
+              <a:solidFill>
+                <a:srgbClr val="FFFF00"/>
+              </a:solidFill>
+              <a:latin typeface="Segoe UI"/>
+              <a:ea typeface="Segoe UI"/>
+            </a:endParaRPr>
+          </a:p>
+        </p:txBody>
+      </p:sp>
+      <p:pic>
+        <p:nvPicPr>
+          <p:cNvPr id="3" name="Grafik 2" descr="Pfeil: 180-Grad">
+            <a:extLst>
+              <a:ext uri="{FF2B5EF4-FFF2-40B4-BE49-F238E27FC236}">
+                <a16:creationId xmlns:a16="http://schemas.microsoft.com/office/drawing/2014/main" id="{00B79F13-89B9-45AC-B393-28E7826245A9}"/>
+              </a:ext>
+            </a:extLst>
+          </p:cNvPr>
+          <p:cNvPicPr>
+            <a:picLocks noChangeAspect="1"/>
+          </p:cNvPicPr>
+          <p:nvPr/>
+        </p:nvPicPr>
+        <p:blipFill>
+          <a:blip r:embed="rId3">
+            <a:extLst>
+              <a:ext uri="{28A0092B-C50C-407E-A947-70E740481C1C}">
+                <a14:useLocalDpi xmlns:a14="http://schemas.microsoft.com/office/drawing/2010/main" val="0"/>
+              </a:ext>
+              <a:ext uri="{96DAC541-7B7A-43D3-8B79-37D633B846F1}">
+                <asvg:svgBlip xmlns:asvg="http://schemas.microsoft.com/office/drawing/2016/SVG/main" r:embed="rId4"/>
+              </a:ext>
+            </a:extLst>
+          </a:blip>
+          <a:stretch>
+            <a:fillRect/>
+          </a:stretch>
+        </p:blipFill>
+        <p:spPr>
+          <a:xfrm>
+            <a:off x="7968208" y="526441"/>
+            <a:ext cx="454288" cy="454288"/>
+          </a:xfrm>
+          <a:prstGeom prst="rect">
+            <a:avLst/>
+          </a:prstGeom>
+        </p:spPr>
+      </p:pic>
+      <p:pic>
+        <p:nvPicPr>
+          <p:cNvPr id="5" name="Grafik 4" descr="Heim">
+            <a:extLst>
+              <a:ext uri="{FF2B5EF4-FFF2-40B4-BE49-F238E27FC236}">
+                <a16:creationId xmlns:a16="http://schemas.microsoft.com/office/drawing/2014/main" id="{C30BBE14-8AE2-4084-B460-AF1616EAB79C}"/>
+              </a:ext>
+            </a:extLst>
+          </p:cNvPr>
+          <p:cNvPicPr>
+            <a:picLocks noChangeAspect="1"/>
+          </p:cNvPicPr>
+          <p:nvPr/>
+        </p:nvPicPr>
+        <p:blipFill>
+          <a:blip r:embed="rId5">
+            <a:extLst>
+              <a:ext uri="{28A0092B-C50C-407E-A947-70E740481C1C}">
+                <a14:useLocalDpi xmlns:a14="http://schemas.microsoft.com/office/drawing/2010/main" val="0"/>
+              </a:ext>
+              <a:ext uri="{96DAC541-7B7A-43D3-8B79-37D633B846F1}">
+                <asvg:svgBlip xmlns:asvg="http://schemas.microsoft.com/office/drawing/2016/SVG/main" r:embed="rId6"/>
+              </a:ext>
+            </a:extLst>
+          </a:blip>
+          <a:stretch>
+            <a:fillRect/>
+          </a:stretch>
+        </p:blipFill>
+        <p:spPr>
+          <a:xfrm>
+            <a:off x="8594039" y="508940"/>
+            <a:ext cx="454289" cy="454289"/>
+          </a:xfrm>
+          <a:prstGeom prst="rect">
+            <a:avLst/>
+          </a:prstGeom>
+        </p:spPr>
+      </p:pic>
+    </p:spTree>
+    <p:extLst>
+      <p:ext uri="{BB962C8B-B14F-4D97-AF65-F5344CB8AC3E}">
+        <p14:creationId xmlns:p14="http://schemas.microsoft.com/office/powerpoint/2010/main" val="3553915520"/>
+      </p:ext>
+    </p:extLst>
+  </p:cSld>
+  <p:clrMapOvr>
+    <a:masterClrMapping/>
+  </p:clrMapOvr>
+</p:sld>
+</file>
+
+<file path=ppt/slides/slide4.xml><?xml version="1.0" encoding="utf-8"?>
 <p:sld xmlns:a="http://schemas.openxmlformats.org/drawingml/2006/main" xmlns:r="http://schemas.openxmlformats.org/officeDocument/2006/relationships" xmlns:p="http://schemas.openxmlformats.org/presentationml/2006/main" showMasterPhAnim="0">
   <p:cSld>
     <p:spTree>
@@ -25804,23 +27297,8 @@
                     </a:solidFill>
                     <a:latin typeface="Segoe UI"/>
                   </a:rPr>
-                  <a:t>König der </a:t>
+                  <a:t>König der Löwen</a:t>
                 </a:r>
-                <a:r>
-                  <a:rPr lang="en-US" sz="1200" dirty="0" err="1">
-                    <a:solidFill>
-                      <a:sysClr val="windowText" lastClr="000000"/>
-                    </a:solidFill>
-                    <a:latin typeface="Segoe UI"/>
-                  </a:rPr>
-                  <a:t>Löwen</a:t>
-                </a:r>
-                <a:endParaRPr lang="en-US" sz="1200" dirty="0">
-                  <a:solidFill>
-                    <a:sysClr val="windowText" lastClr="000000"/>
-                  </a:solidFill>
-                  <a:latin typeface="Segoe UI"/>
-                </a:endParaRPr>
               </a:p>
               <a:p>
                 <a:pPr>
@@ -25848,23 +27326,8 @@
                     </a:solidFill>
                     <a:latin typeface="Segoe UI"/>
                   </a:rPr>
-                  <a:t>Herr der </a:t>
+                  <a:t>Herr der Ringe</a:t>
                 </a:r>
-                <a:r>
-                  <a:rPr lang="en-US" sz="1200" dirty="0" err="1">
-                    <a:solidFill>
-                      <a:sysClr val="windowText" lastClr="000000"/>
-                    </a:solidFill>
-                    <a:latin typeface="Segoe UI"/>
-                  </a:rPr>
-                  <a:t>Ringe</a:t>
-                </a:r>
-                <a:endParaRPr lang="en-US" sz="1200" dirty="0">
-                  <a:solidFill>
-                    <a:sysClr val="windowText" lastClr="000000"/>
-                  </a:solidFill>
-                  <a:latin typeface="Segoe UI"/>
-                </a:endParaRPr>
               </a:p>
               <a:p>
                 <a:pPr>
@@ -25907,23 +27370,8 @@
                     </a:solidFill>
                     <a:latin typeface="Segoe UI"/>
                   </a:rPr>
-                  <a:t>Die </a:t>
+                  <a:t>Die Unfassbaren</a:t>
                 </a:r>
-                <a:r>
-                  <a:rPr lang="en-US" sz="1200" dirty="0" err="1">
-                    <a:solidFill>
-                      <a:sysClr val="windowText" lastClr="000000"/>
-                    </a:solidFill>
-                    <a:latin typeface="Segoe UI"/>
-                  </a:rPr>
-                  <a:t>Unfassbaren</a:t>
-                </a:r>
-                <a:endParaRPr lang="en-US" sz="1200" dirty="0">
-                  <a:solidFill>
-                    <a:sysClr val="windowText" lastClr="000000"/>
-                  </a:solidFill>
-                  <a:latin typeface="Segoe UI"/>
-                </a:endParaRPr>
               </a:p>
             </p:txBody>
           </p:sp>
@@ -27467,7 +28915,7 @@
           <a:p>
             <a:pPr algn="ctr"/>
             <a:r>
-              <a:rPr lang="en-US" sz="1200" dirty="0" err="1">
+              <a:rPr lang="en-US" sz="1200" dirty="0">
                 <a:solidFill>
                   <a:srgbClr val="000000"/>
                 </a:solidFill>
@@ -27477,18 +28925,11 @@
               <a:t>Fil</a:t>
             </a:r>
             <a:r>
-              <a:rPr lang="en-US" sz="1200" dirty="0" err="1">
-                <a:latin typeface="Segoe UI" pitchFamily="34" charset="0"/>
-                <a:cs typeface="Segoe UI" pitchFamily="34" charset="0"/>
-              </a:rPr>
-              <a:t>me</a:t>
-            </a:r>
-            <a:r>
               <a:rPr lang="en-US" sz="1200" dirty="0">
                 <a:latin typeface="Segoe UI" pitchFamily="34" charset="0"/>
                 <a:cs typeface="Segoe UI" pitchFamily="34" charset="0"/>
               </a:rPr>
-              <a:t> </a:t>
+              <a:t>me </a:t>
             </a:r>
             <a:r>
               <a:rPr lang="en-US" sz="1200" dirty="0" err="1">
@@ -27689,7 +29130,7 @@
           <a:p>
             <a:pPr algn="ctr"/>
             <a:r>
-              <a:rPr lang="en-US" sz="1200" dirty="0" err="1">
+              <a:rPr lang="en-US" sz="1200" dirty="0">
                 <a:solidFill>
                   <a:srgbClr val="000000"/>
                 </a:solidFill>
@@ -27699,18 +29140,11 @@
               <a:t>Fil</a:t>
             </a:r>
             <a:r>
-              <a:rPr lang="en-US" sz="1200" dirty="0" err="1">
-                <a:latin typeface="Segoe UI" pitchFamily="34" charset="0"/>
-                <a:cs typeface="Segoe UI" pitchFamily="34" charset="0"/>
-              </a:rPr>
-              <a:t>me</a:t>
-            </a:r>
-            <a:r>
               <a:rPr lang="en-US" sz="1200" dirty="0">
                 <a:latin typeface="Segoe UI" pitchFamily="34" charset="0"/>
                 <a:cs typeface="Segoe UI" pitchFamily="34" charset="0"/>
               </a:rPr>
-              <a:t> </a:t>
+              <a:t>me </a:t>
             </a:r>
           </a:p>
           <a:p>
@@ -27901,7 +29335,7 @@
 </p:sld>
 </file>
 
-<file path=ppt/slides/slide4.xml><?xml version="1.0" encoding="utf-8"?>
+<file path=ppt/slides/slide5.xml><?xml version="1.0" encoding="utf-8"?>
 <p:sld xmlns:a="http://schemas.openxmlformats.org/drawingml/2006/main" xmlns:r="http://schemas.openxmlformats.org/officeDocument/2006/relationships" xmlns:p="http://schemas.openxmlformats.org/presentationml/2006/main">
   <p:cSld>
     <p:spTree>
@@ -29113,7 +30547,7 @@
 </p:sld>
 </file>
 
-<file path=ppt/slides/slide5.xml><?xml version="1.0" encoding="utf-8"?>
+<file path=ppt/slides/slide6.xml><?xml version="1.0" encoding="utf-8"?>
 <p:sld xmlns:a="http://schemas.openxmlformats.org/drawingml/2006/main" xmlns:r="http://schemas.openxmlformats.org/officeDocument/2006/relationships" xmlns:p="http://schemas.openxmlformats.org/presentationml/2006/main">
   <p:cSld>
     <p:spTree>
@@ -30807,7 +32241,7 @@
 </p:sld>
 </file>
 
-<file path=ppt/slides/slide6.xml><?xml version="1.0" encoding="utf-8"?>
+<file path=ppt/slides/slide7.xml><?xml version="1.0" encoding="utf-8"?>
 <p:sld xmlns:a="http://schemas.openxmlformats.org/drawingml/2006/main" xmlns:r="http://schemas.openxmlformats.org/officeDocument/2006/relationships" xmlns:p="http://schemas.openxmlformats.org/presentationml/2006/main">
   <p:cSld>
     <p:spTree>
@@ -32670,7 +34104,7 @@
 </p:sld>
 </file>
 
-<file path=ppt/slides/slide7.xml><?xml version="1.0" encoding="utf-8"?>
+<file path=ppt/slides/slide8.xml><?xml version="1.0" encoding="utf-8"?>
 <p:sld xmlns:a="http://schemas.openxmlformats.org/drawingml/2006/main" xmlns:r="http://schemas.openxmlformats.org/officeDocument/2006/relationships" xmlns:p="http://schemas.openxmlformats.org/presentationml/2006/main">
   <p:cSld>
     <p:spTree>
@@ -33796,7 +35230,7 @@
 </p:sld>
 </file>
 
-<file path=ppt/slides/slide8.xml><?xml version="1.0" encoding="utf-8"?>
+<file path=ppt/slides/slide9.xml><?xml version="1.0" encoding="utf-8"?>
 <p:sld xmlns:a="http://schemas.openxmlformats.org/drawingml/2006/main" xmlns:r="http://schemas.openxmlformats.org/officeDocument/2006/relationships" xmlns:p="http://schemas.openxmlformats.org/presentationml/2006/main">
   <p:cSld>
     <p:spTree>
@@ -34252,23 +35686,8 @@
                     </a:solidFill>
                     <a:latin typeface="Segoe UI"/>
                   </a:rPr>
-                  <a:t>König der </a:t>
+                  <a:t>König der Löwen</a:t>
                 </a:r>
-                <a:r>
-                  <a:rPr lang="en-US" sz="1200" dirty="0" err="1">
-                    <a:solidFill>
-                      <a:sysClr val="windowText" lastClr="000000"/>
-                    </a:solidFill>
-                    <a:latin typeface="Segoe UI"/>
-                  </a:rPr>
-                  <a:t>Löwen</a:t>
-                </a:r>
-                <a:endParaRPr lang="en-US" sz="1200" dirty="0">
-                  <a:solidFill>
-                    <a:sysClr val="windowText" lastClr="000000"/>
-                  </a:solidFill>
-                  <a:latin typeface="Segoe UI"/>
-                </a:endParaRPr>
               </a:p>
               <a:p>
                 <a:pPr>
@@ -34296,23 +35715,8 @@
                     </a:solidFill>
                     <a:latin typeface="Segoe UI"/>
                   </a:rPr>
-                  <a:t>Herr der </a:t>
+                  <a:t>Herr der Ringe</a:t>
                 </a:r>
-                <a:r>
-                  <a:rPr lang="en-US" sz="1200" dirty="0" err="1">
-                    <a:solidFill>
-                      <a:sysClr val="windowText" lastClr="000000"/>
-                    </a:solidFill>
-                    <a:latin typeface="Segoe UI"/>
-                  </a:rPr>
-                  <a:t>Ringe</a:t>
-                </a:r>
-                <a:endParaRPr lang="en-US" sz="1200" dirty="0">
-                  <a:solidFill>
-                    <a:sysClr val="windowText" lastClr="000000"/>
-                  </a:solidFill>
-                  <a:latin typeface="Segoe UI"/>
-                </a:endParaRPr>
               </a:p>
               <a:p>
                 <a:pPr>
@@ -34355,23 +35759,8 @@
                     </a:solidFill>
                     <a:latin typeface="Segoe UI"/>
                   </a:rPr>
-                  <a:t>Die </a:t>
+                  <a:t>Die Unfassbaren</a:t>
                 </a:r>
-                <a:r>
-                  <a:rPr lang="en-US" sz="1200" dirty="0" err="1">
-                    <a:solidFill>
-                      <a:sysClr val="windowText" lastClr="000000"/>
-                    </a:solidFill>
-                    <a:latin typeface="Segoe UI"/>
-                  </a:rPr>
-                  <a:t>Unfassbaren</a:t>
-                </a:r>
-                <a:endParaRPr lang="en-US" sz="1200" dirty="0">
-                  <a:solidFill>
-                    <a:sysClr val="windowText" lastClr="000000"/>
-                  </a:solidFill>
-                  <a:latin typeface="Segoe UI"/>
-                </a:endParaRPr>
               </a:p>
             </p:txBody>
           </p:sp>
@@ -34727,1353 +36116,6 @@
 </p:sld>
 </file>
 
-<file path=ppt/slides/slide9.xml><?xml version="1.0" encoding="utf-8"?>
-<p:sld xmlns:a="http://schemas.openxmlformats.org/drawingml/2006/main" xmlns:r="http://schemas.openxmlformats.org/officeDocument/2006/relationships" xmlns:p="http://schemas.openxmlformats.org/presentationml/2006/main">
-  <p:cSld>
-    <p:spTree>
-      <p:nvGrpSpPr>
-        <p:cNvPr id="1" name=""/>
-        <p:cNvGrpSpPr/>
-        <p:nvPr/>
-      </p:nvGrpSpPr>
-      <p:grpSpPr>
-        <a:xfrm>
-          <a:off x="0" y="0"/>
-          <a:ext cx="0" cy="0"/>
-          <a:chOff x="0" y="0"/>
-          <a:chExt cx="0" cy="0"/>
-        </a:xfrm>
-      </p:grpSpPr>
-      <p:pic>
-        <p:nvPicPr>
-          <p:cNvPr id="7" name="Grafik 6">
-            <a:extLst>
-              <a:ext uri="{FF2B5EF4-FFF2-40B4-BE49-F238E27FC236}">
-                <a16:creationId xmlns:a16="http://schemas.microsoft.com/office/drawing/2014/main" id="{89730167-1AB8-4780-AA26-37E1709F25C1}"/>
-              </a:ext>
-            </a:extLst>
-          </p:cNvPr>
-          <p:cNvPicPr>
-            <a:picLocks noChangeAspect="1"/>
-          </p:cNvPicPr>
-          <p:nvPr/>
-        </p:nvPicPr>
-        <p:blipFill>
-          <a:blip r:embed="rId2">
-            <a:extLst>
-              <a:ext uri="{28A0092B-C50C-407E-A947-70E740481C1C}">
-                <a14:useLocalDpi xmlns:a14="http://schemas.microsoft.com/office/drawing/2010/main" val="0"/>
-              </a:ext>
-            </a:extLst>
-          </a:blip>
-          <a:stretch>
-            <a:fillRect/>
-          </a:stretch>
-        </p:blipFill>
-        <p:spPr bwMode="auto">
-          <a:xfrm>
-            <a:off x="1517496" y="486245"/>
-            <a:ext cx="7674848" cy="5651481"/>
-          </a:xfrm>
-          <a:prstGeom prst="rect">
-            <a:avLst/>
-          </a:prstGeom>
-        </p:spPr>
-      </p:pic>
-      <p:sp>
-        <p:nvSpPr>
-          <p:cNvPr id="8" name="Content">
-            <a:extLst>
-              <a:ext uri="{FF2B5EF4-FFF2-40B4-BE49-F238E27FC236}">
-                <a16:creationId xmlns:a16="http://schemas.microsoft.com/office/drawing/2014/main" id="{914115D2-3B49-4966-9402-93F86E07F7F3}"/>
-              </a:ext>
-            </a:extLst>
-          </p:cNvPr>
-          <p:cNvSpPr>
-            <a:spLocks/>
-          </p:cNvSpPr>
-          <p:nvPr/>
-        </p:nvSpPr>
-        <p:spPr bwMode="auto">
-          <a:xfrm>
-            <a:off x="4455365" y="1076667"/>
-            <a:ext cx="2343911" cy="415498"/>
-          </a:xfrm>
-          <a:prstGeom prst="rect">
-            <a:avLst/>
-          </a:prstGeom>
-          <a:noFill/>
-        </p:spPr>
-        <p:txBody>
-          <a:bodyPr wrap="none" lIns="91440" tIns="18288" rIns="91440" bIns="27432" rtlCol="0" anchor="ctr" anchorCtr="0">
-            <a:spAutoFit/>
-          </a:bodyPr>
-          <a:lstStyle/>
-          <a:p>
-            <a:pPr>
-              <a:defRPr/>
-            </a:pPr>
-            <a:r>
-              <a:rPr lang="en-US" sz="2400" b="1" dirty="0">
-                <a:solidFill>
-                  <a:schemeClr val="bg1"/>
-                </a:solidFill>
-                <a:latin typeface="Segoe UI"/>
-                <a:ea typeface="Segoe UI"/>
-              </a:rPr>
-              <a:t>Film </a:t>
-            </a:r>
-            <a:r>
-              <a:rPr lang="en-US" sz="2400" b="1" dirty="0" err="1">
-                <a:solidFill>
-                  <a:schemeClr val="bg1"/>
-                </a:solidFill>
-                <a:latin typeface="Segoe UI"/>
-                <a:ea typeface="Segoe UI"/>
-              </a:rPr>
-              <a:t>Bewerten</a:t>
-            </a:r>
-            <a:r>
-              <a:rPr lang="en-US" sz="2400" b="1" dirty="0">
-                <a:solidFill>
-                  <a:schemeClr val="bg1"/>
-                </a:solidFill>
-                <a:latin typeface="Segoe UI"/>
-                <a:ea typeface="Segoe UI"/>
-              </a:rPr>
-              <a:t> </a:t>
-            </a:r>
-          </a:p>
-        </p:txBody>
-      </p:sp>
-      <p:sp>
-        <p:nvSpPr>
-          <p:cNvPr id="9" name="Content">
-            <a:extLst>
-              <a:ext uri="{FF2B5EF4-FFF2-40B4-BE49-F238E27FC236}">
-                <a16:creationId xmlns:a16="http://schemas.microsoft.com/office/drawing/2014/main" id="{5C2BB149-4843-40C6-9F18-05DD88084F9B}"/>
-              </a:ext>
-            </a:extLst>
-          </p:cNvPr>
-          <p:cNvSpPr/>
-          <p:nvPr/>
-        </p:nvSpPr>
-        <p:spPr bwMode="auto">
-          <a:xfrm>
-            <a:off x="4727848" y="4947277"/>
-            <a:ext cx="1537563" cy="569955"/>
-          </a:xfrm>
-          <a:prstGeom prst="roundRect">
-            <a:avLst>
-              <a:gd name="adj" fmla="val 16667"/>
-            </a:avLst>
-          </a:prstGeom>
-          <a:solidFill>
-            <a:srgbClr val="FFFFFF">
-              <a:lumMod val="95000"/>
-            </a:srgbClr>
-          </a:solidFill>
-          <a:ln w="3175">
-            <a:solidFill>
-              <a:srgbClr val="000000">
-                <a:lumMod val="50000"/>
-                <a:lumOff val="50000"/>
-              </a:srgbClr>
-            </a:solidFill>
-          </a:ln>
-        </p:spPr>
-        <p:style>
-          <a:lnRef idx="2">
-            <a:srgbClr val="4F81BD">
-              <a:shade val="50000"/>
-            </a:srgbClr>
-          </a:lnRef>
-          <a:fillRef idx="1">
-            <a:srgbClr val="4F81BD"/>
-          </a:fillRef>
-          <a:effectRef idx="0">
-            <a:srgbClr val="4F81BD"/>
-          </a:effectRef>
-          <a:fontRef idx="minor">
-            <a:srgbClr val="000000"/>
-          </a:fontRef>
-        </p:style>
-        <p:txBody>
-          <a:bodyPr wrap="square" lIns="91440" tIns="0" rIns="91440" bIns="9144" rtlCol="0" anchor="ctr">
-            <a:noAutofit/>
-          </a:bodyPr>
-          <a:lstStyle/>
-          <a:p>
-            <a:pPr algn="ctr">
-              <a:defRPr/>
-            </a:pPr>
-            <a:r>
-              <a:rPr lang="en-US" sz="1200" dirty="0" err="1">
-                <a:solidFill>
-                  <a:srgbClr val="000000"/>
-                </a:solidFill>
-                <a:latin typeface="Segoe UI"/>
-              </a:rPr>
-              <a:t>Bewertung</a:t>
-            </a:r>
-            <a:r>
-              <a:rPr lang="en-US" sz="1200" dirty="0">
-                <a:solidFill>
-                  <a:srgbClr val="000000"/>
-                </a:solidFill>
-                <a:latin typeface="Segoe UI"/>
-              </a:rPr>
-              <a:t> </a:t>
-            </a:r>
-            <a:r>
-              <a:rPr lang="en-US" sz="1200" dirty="0" err="1">
-                <a:solidFill>
-                  <a:srgbClr val="000000"/>
-                </a:solidFill>
-                <a:latin typeface="Segoe UI"/>
-              </a:rPr>
-              <a:t>abgeben</a:t>
-            </a:r>
-            <a:endParaRPr lang="en-US" sz="1200" dirty="0">
-              <a:solidFill>
-                <a:srgbClr val="000000"/>
-              </a:solidFill>
-              <a:latin typeface="Segoe UI"/>
-            </a:endParaRPr>
-          </a:p>
-        </p:txBody>
-      </p:sp>
-      <p:sp>
-        <p:nvSpPr>
-          <p:cNvPr id="66" name="Content">
-            <a:extLst>
-              <a:ext uri="{FF2B5EF4-FFF2-40B4-BE49-F238E27FC236}">
-                <a16:creationId xmlns:a16="http://schemas.microsoft.com/office/drawing/2014/main" id="{672A452B-59F2-42E6-8467-AEBB6D598EA7}"/>
-              </a:ext>
-            </a:extLst>
-          </p:cNvPr>
-          <p:cNvSpPr>
-            <a:spLocks/>
-          </p:cNvSpPr>
-          <p:nvPr/>
-        </p:nvSpPr>
-        <p:spPr bwMode="auto">
-          <a:xfrm>
-            <a:off x="2927648" y="1943254"/>
-            <a:ext cx="2467342" cy="261610"/>
-          </a:xfrm>
-          <a:prstGeom prst="rect">
-            <a:avLst/>
-          </a:prstGeom>
-          <a:noFill/>
-        </p:spPr>
-        <p:txBody>
-          <a:bodyPr wrap="none" lIns="91440" tIns="18288" rIns="91440" bIns="27432" rtlCol="0" anchor="ctr" anchorCtr="0">
-            <a:spAutoFit/>
-          </a:bodyPr>
-          <a:lstStyle/>
-          <a:p>
-            <a:pPr>
-              <a:defRPr/>
-            </a:pPr>
-            <a:r>
-              <a:rPr lang="en-US" sz="1400" b="1" i="1" dirty="0" err="1">
-                <a:solidFill>
-                  <a:schemeClr val="bg1"/>
-                </a:solidFill>
-                <a:latin typeface="Segoe UI"/>
-                <a:ea typeface="Segoe UI"/>
-              </a:rPr>
-              <a:t>Bisherige</a:t>
-            </a:r>
-            <a:r>
-              <a:rPr lang="en-US" sz="1400" b="1" i="1" dirty="0">
-                <a:solidFill>
-                  <a:schemeClr val="bg1"/>
-                </a:solidFill>
-                <a:latin typeface="Segoe UI"/>
-                <a:ea typeface="Segoe UI"/>
-              </a:rPr>
-              <a:t> </a:t>
-            </a:r>
-            <a:r>
-              <a:rPr lang="en-US" sz="1400" b="1" i="1" dirty="0" err="1">
-                <a:solidFill>
-                  <a:schemeClr val="bg1"/>
-                </a:solidFill>
-                <a:latin typeface="Segoe UI"/>
-                <a:ea typeface="Segoe UI"/>
-              </a:rPr>
-              <a:t>Bewertungen</a:t>
-            </a:r>
-            <a:r>
-              <a:rPr lang="en-US" sz="1400" b="1" i="1" dirty="0">
-                <a:solidFill>
-                  <a:schemeClr val="bg1"/>
-                </a:solidFill>
-                <a:latin typeface="Segoe UI"/>
-                <a:ea typeface="Segoe UI"/>
-              </a:rPr>
-              <a:t> </a:t>
-            </a:r>
-            <a:r>
-              <a:rPr lang="en-US" sz="1400" b="1" i="1" dirty="0" err="1">
-                <a:solidFill>
-                  <a:schemeClr val="bg1"/>
-                </a:solidFill>
-                <a:latin typeface="Segoe UI"/>
-                <a:ea typeface="Segoe UI"/>
-              </a:rPr>
-              <a:t>für</a:t>
-            </a:r>
-            <a:r>
-              <a:rPr lang="en-US" sz="1400" b="1" i="1" dirty="0">
-                <a:solidFill>
-                  <a:schemeClr val="bg1"/>
-                </a:solidFill>
-                <a:latin typeface="Segoe UI"/>
-                <a:ea typeface="Segoe UI"/>
-              </a:rPr>
-              <a:t>:</a:t>
-            </a:r>
-            <a:endParaRPr lang="en-US" sz="1200" dirty="0">
-              <a:solidFill>
-                <a:schemeClr val="bg1"/>
-              </a:solidFill>
-              <a:latin typeface="Segoe UI"/>
-              <a:ea typeface="Segoe UI"/>
-            </a:endParaRPr>
-          </a:p>
-        </p:txBody>
-      </p:sp>
-      <p:sp>
-        <p:nvSpPr>
-          <p:cNvPr id="16" name="Content">
-            <a:extLst>
-              <a:ext uri="{FF2B5EF4-FFF2-40B4-BE49-F238E27FC236}">
-                <a16:creationId xmlns:a16="http://schemas.microsoft.com/office/drawing/2014/main" id="{9D1D970A-0485-4400-9073-CC3FF2EECB05}"/>
-              </a:ext>
-            </a:extLst>
-          </p:cNvPr>
-          <p:cNvSpPr>
-            <a:spLocks/>
-          </p:cNvSpPr>
-          <p:nvPr/>
-        </p:nvSpPr>
-        <p:spPr bwMode="auto">
-          <a:xfrm>
-            <a:off x="4856812" y="2276872"/>
-            <a:ext cx="1152880" cy="261610"/>
-          </a:xfrm>
-          <a:prstGeom prst="rect">
-            <a:avLst/>
-          </a:prstGeom>
-          <a:noFill/>
-        </p:spPr>
-        <p:txBody>
-          <a:bodyPr wrap="none" lIns="91440" tIns="18288" rIns="91440" bIns="27432" rtlCol="0" anchor="ctr" anchorCtr="0">
-            <a:spAutoFit/>
-          </a:bodyPr>
-          <a:lstStyle/>
-          <a:p>
-            <a:pPr>
-              <a:defRPr/>
-            </a:pPr>
-            <a:r>
-              <a:rPr lang="en-US" sz="1400" b="1" i="1" dirty="0">
-                <a:solidFill>
-                  <a:schemeClr val="bg1"/>
-                </a:solidFill>
-                <a:latin typeface="Segoe UI"/>
-                <a:ea typeface="Segoe UI"/>
-              </a:rPr>
-              <a:t>&lt;</a:t>
-            </a:r>
-            <a:r>
-              <a:rPr lang="en-US" sz="1400" b="1" i="1" dirty="0" err="1">
-                <a:solidFill>
-                  <a:schemeClr val="bg1"/>
-                </a:solidFill>
-                <a:latin typeface="Segoe UI"/>
-                <a:ea typeface="Segoe UI"/>
-              </a:rPr>
-              <a:t>Filmtitel</a:t>
-            </a:r>
-            <a:r>
-              <a:rPr lang="en-US" sz="1400" b="1" i="1" dirty="0">
-                <a:solidFill>
-                  <a:schemeClr val="bg1"/>
-                </a:solidFill>
-                <a:latin typeface="Segoe UI"/>
-                <a:ea typeface="Segoe UI"/>
-              </a:rPr>
-              <a:t>&gt;</a:t>
-            </a:r>
-            <a:endParaRPr lang="en-US" sz="1200" dirty="0">
-              <a:solidFill>
-                <a:schemeClr val="bg1"/>
-              </a:solidFill>
-              <a:latin typeface="Segoe UI"/>
-              <a:ea typeface="Segoe UI"/>
-            </a:endParaRPr>
-          </a:p>
-        </p:txBody>
-      </p:sp>
-      <p:sp>
-        <p:nvSpPr>
-          <p:cNvPr id="17" name="Content">
-            <a:extLst>
-              <a:ext uri="{FF2B5EF4-FFF2-40B4-BE49-F238E27FC236}">
-                <a16:creationId xmlns:a16="http://schemas.microsoft.com/office/drawing/2014/main" id="{982C012F-818A-48F7-86B2-5A9A58F69FF4}"/>
-              </a:ext>
-            </a:extLst>
-          </p:cNvPr>
-          <p:cNvSpPr>
-            <a:spLocks/>
-          </p:cNvSpPr>
-          <p:nvPr/>
-        </p:nvSpPr>
-        <p:spPr bwMode="auto">
-          <a:xfrm>
-            <a:off x="4683306" y="2879358"/>
-            <a:ext cx="1484702" cy="261610"/>
-          </a:xfrm>
-          <a:prstGeom prst="rect">
-            <a:avLst/>
-          </a:prstGeom>
-          <a:noFill/>
-        </p:spPr>
-        <p:txBody>
-          <a:bodyPr wrap="none" lIns="91440" tIns="18288" rIns="91440" bIns="27432" rtlCol="0" anchor="ctr" anchorCtr="0">
-            <a:spAutoFit/>
-          </a:bodyPr>
-          <a:lstStyle/>
-          <a:p>
-            <a:pPr>
-              <a:defRPr/>
-            </a:pPr>
-            <a:r>
-              <a:rPr lang="en-US" sz="1400" b="1" i="1" dirty="0">
-                <a:solidFill>
-                  <a:srgbClr val="FFFF00"/>
-                </a:solidFill>
-                <a:latin typeface="Segoe UI"/>
-                <a:ea typeface="Segoe UI"/>
-              </a:rPr>
-              <a:t>3 von 5 </a:t>
-            </a:r>
-            <a:r>
-              <a:rPr lang="en-US" sz="1400" b="1" i="1" dirty="0" err="1">
-                <a:solidFill>
-                  <a:srgbClr val="FFFF00"/>
-                </a:solidFill>
-                <a:latin typeface="Segoe UI"/>
-                <a:ea typeface="Segoe UI"/>
-              </a:rPr>
-              <a:t>Sternen</a:t>
-            </a:r>
-            <a:endParaRPr lang="en-US" sz="1200" dirty="0">
-              <a:solidFill>
-                <a:srgbClr val="FFFF00"/>
-              </a:solidFill>
-              <a:latin typeface="Segoe UI"/>
-              <a:ea typeface="Segoe UI"/>
-            </a:endParaRPr>
-          </a:p>
-        </p:txBody>
-      </p:sp>
-      <p:sp>
-        <p:nvSpPr>
-          <p:cNvPr id="18" name="Content">
-            <a:extLst>
-              <a:ext uri="{FF2B5EF4-FFF2-40B4-BE49-F238E27FC236}">
-                <a16:creationId xmlns:a16="http://schemas.microsoft.com/office/drawing/2014/main" id="{68FF3A08-0656-47D9-B551-DF113321845F}"/>
-              </a:ext>
-            </a:extLst>
-          </p:cNvPr>
-          <p:cNvSpPr>
-            <a:spLocks/>
-          </p:cNvSpPr>
-          <p:nvPr/>
-        </p:nvSpPr>
-        <p:spPr bwMode="auto">
-          <a:xfrm>
-            <a:off x="4956325" y="3311986"/>
-            <a:ext cx="923651" cy="477054"/>
-          </a:xfrm>
-          <a:prstGeom prst="rect">
-            <a:avLst/>
-          </a:prstGeom>
-          <a:noFill/>
-          <a:ln>
-            <a:solidFill>
-              <a:schemeClr val="bg1">
-                <a:lumMod val="95000"/>
-              </a:schemeClr>
-            </a:solidFill>
-          </a:ln>
-        </p:spPr>
-        <p:txBody>
-          <a:bodyPr wrap="none" lIns="91440" tIns="18288" rIns="91440" bIns="27432" rtlCol="0" anchor="ctr" anchorCtr="0">
-            <a:spAutoFit/>
-          </a:bodyPr>
-          <a:lstStyle/>
-          <a:p>
-            <a:pPr>
-              <a:defRPr/>
-            </a:pPr>
-            <a:r>
-              <a:rPr lang="en-US" sz="1400" b="1" i="1" dirty="0">
-                <a:solidFill>
-                  <a:srgbClr val="FFFF00"/>
-                </a:solidFill>
-                <a:latin typeface="Segoe UI"/>
-                <a:ea typeface="Segoe UI"/>
-              </a:rPr>
-              <a:t> </a:t>
-            </a:r>
-            <a:r>
-              <a:rPr lang="en-US" sz="2800" b="1" i="1" dirty="0">
-                <a:solidFill>
-                  <a:srgbClr val="FFFF00"/>
-                </a:solidFill>
-                <a:latin typeface="Segoe UI"/>
-                <a:ea typeface="Segoe UI"/>
-              </a:rPr>
-              <a:t>* * *</a:t>
-            </a:r>
-            <a:endParaRPr lang="en-US" sz="1200" dirty="0">
-              <a:solidFill>
-                <a:srgbClr val="FFFF00"/>
-              </a:solidFill>
-              <a:latin typeface="Segoe UI"/>
-              <a:ea typeface="Segoe UI"/>
-            </a:endParaRPr>
-          </a:p>
-        </p:txBody>
-      </p:sp>
-      <p:grpSp>
-        <p:nvGrpSpPr>
-          <p:cNvPr id="19" name="CheckBoxChecked">
-            <a:extLst>
-              <a:ext uri="{FF2B5EF4-FFF2-40B4-BE49-F238E27FC236}">
-                <a16:creationId xmlns:a16="http://schemas.microsoft.com/office/drawing/2014/main" id="{483DA0D8-9F23-453D-895E-EE1C263440B7}"/>
-              </a:ext>
-            </a:extLst>
-          </p:cNvPr>
-          <p:cNvGrpSpPr/>
-          <p:nvPr/>
-        </p:nvGrpSpPr>
-        <p:grpSpPr bwMode="auto">
-          <a:xfrm>
-            <a:off x="4083385" y="4422304"/>
-            <a:ext cx="480585" cy="230832"/>
-            <a:chOff x="4317072" y="3312427"/>
-            <a:chExt cx="480585" cy="230832"/>
-          </a:xfrm>
-        </p:grpSpPr>
-        <p:grpSp>
-          <p:nvGrpSpPr>
-            <p:cNvPr id="29" name="Group 2">
-              <a:extLst>
-                <a:ext uri="{FF2B5EF4-FFF2-40B4-BE49-F238E27FC236}">
-                  <a16:creationId xmlns:a16="http://schemas.microsoft.com/office/drawing/2014/main" id="{CEE4AFB9-FDF2-4593-A450-6BD17648F9C2}"/>
-                </a:ext>
-              </a:extLst>
-            </p:cNvPr>
-            <p:cNvGrpSpPr/>
-            <p:nvPr/>
-          </p:nvGrpSpPr>
-          <p:grpSpPr bwMode="auto">
-            <a:xfrm>
-              <a:off x="4354459" y="3312427"/>
-              <a:ext cx="443198" cy="230832"/>
-              <a:chOff x="5179844" y="2087451"/>
-              <a:chExt cx="415365" cy="216403"/>
-            </a:xfrm>
-          </p:grpSpPr>
-          <p:sp>
-            <p:nvSpPr>
-              <p:cNvPr id="31" name="Content">
-                <a:extLst>
-                  <a:ext uri="{FF2B5EF4-FFF2-40B4-BE49-F238E27FC236}">
-                    <a16:creationId xmlns:a16="http://schemas.microsoft.com/office/drawing/2014/main" id="{0593246B-B7C5-4F1A-BEF3-D0A19840D957}"/>
-                  </a:ext>
-                </a:extLst>
-              </p:cNvPr>
-              <p:cNvSpPr>
-                <a:spLocks/>
-              </p:cNvSpPr>
-              <p:nvPr/>
-            </p:nvSpPr>
-            <p:spPr bwMode="auto">
-              <a:xfrm>
-                <a:off x="5179844" y="2087451"/>
-                <a:ext cx="415365" cy="216403"/>
-              </a:xfrm>
-              <a:prstGeom prst="rect">
-                <a:avLst/>
-              </a:prstGeom>
-              <a:noFill/>
-            </p:spPr>
-            <p:txBody>
-              <a:bodyPr wrap="none" lIns="164592" tIns="18288" rIns="45720" bIns="27432" rtlCol="0" anchor="ctr" anchorCtr="0">
-                <a:spAutoFit/>
-              </a:bodyPr>
-              <a:lstStyle/>
-              <a:p>
-                <a:pPr>
-                  <a:defRPr/>
-                </a:pPr>
-                <a:r>
-                  <a:rPr lang="en-US" sz="1200" dirty="0">
-                    <a:solidFill>
-                      <a:schemeClr val="bg1"/>
-                    </a:solidFill>
-                    <a:latin typeface="Segoe UI"/>
-                    <a:ea typeface="Segoe UI"/>
-                  </a:rPr>
-                  <a:t> 1 *</a:t>
-                </a:r>
-              </a:p>
-            </p:txBody>
-          </p:sp>
-          <p:sp>
-            <p:nvSpPr>
-              <p:cNvPr id="32" name="CheckBox">
-                <a:extLst>
-                  <a:ext uri="{FF2B5EF4-FFF2-40B4-BE49-F238E27FC236}">
-                    <a16:creationId xmlns:a16="http://schemas.microsoft.com/office/drawing/2014/main" id="{45AD0FF7-8677-4BBF-BBDB-0D3290B4217A}"/>
-                  </a:ext>
-                </a:extLst>
-              </p:cNvPr>
-              <p:cNvSpPr/>
-              <p:nvPr/>
-            </p:nvSpPr>
-            <p:spPr bwMode="auto">
-              <a:xfrm>
-                <a:off x="5179844" y="2146837"/>
-                <a:ext cx="100012" cy="97631"/>
-              </a:xfrm>
-              <a:prstGeom prst="rect">
-                <a:avLst/>
-              </a:prstGeom>
-              <a:solidFill>
-                <a:srgbClr val="FFFFFF"/>
-              </a:solidFill>
-              <a:ln w="3175">
-                <a:solidFill>
-                  <a:srgbClr val="FFFFFF">
-                    <a:lumMod val="65000"/>
-                  </a:srgbClr>
-                </a:solidFill>
-              </a:ln>
-            </p:spPr>
-            <p:style>
-              <a:lnRef idx="2">
-                <a:srgbClr val="4F81BD">
-                  <a:shade val="50000"/>
-                </a:srgbClr>
-              </a:lnRef>
-              <a:fillRef idx="1">
-                <a:srgbClr val="4F81BD"/>
-              </a:fillRef>
-              <a:effectRef idx="0">
-                <a:srgbClr val="4F81BD"/>
-              </a:effectRef>
-              <a:fontRef idx="minor">
-                <a:srgbClr val="000000"/>
-              </a:fontRef>
-            </p:style>
-            <p:txBody>
-              <a:bodyPr rtlCol="0" anchor="ctr"/>
-              <a:lstStyle/>
-              <a:p>
-                <a:pPr algn="ctr">
-                  <a:defRPr/>
-                </a:pPr>
-                <a:endParaRPr lang="en-US"/>
-              </a:p>
-            </p:txBody>
-          </p:sp>
-        </p:grpSp>
-        <p:pic>
-          <p:nvPicPr>
-            <p:cNvPr id="30" name="Check" descr="C:\Users\t-dantay\Documents\WPIcons\appbar.check.rest.png">
-              <a:extLst>
-                <a:ext uri="{FF2B5EF4-FFF2-40B4-BE49-F238E27FC236}">
-                  <a16:creationId xmlns:a16="http://schemas.microsoft.com/office/drawing/2014/main" id="{0F1A693C-9518-4E8D-ABAE-CA827923AEFD}"/>
-                </a:ext>
-              </a:extLst>
-            </p:cNvPr>
-            <p:cNvPicPr>
-              <a:picLocks noChangeAspect="1" noChangeArrowheads="1"/>
-            </p:cNvPicPr>
-            <p:nvPr/>
-          </p:nvPicPr>
-          <p:blipFill>
-            <a:blip r:embed="rId3"/>
-            <a:stretch/>
-          </p:blipFill>
-          <p:spPr bwMode="auto">
-            <a:xfrm>
-              <a:off x="4317072" y="3336403"/>
-              <a:ext cx="182880" cy="182880"/>
-            </a:xfrm>
-            <a:prstGeom prst="rect">
-              <a:avLst/>
-            </a:prstGeom>
-            <a:noFill/>
-          </p:spPr>
-        </p:pic>
-      </p:grpSp>
-      <p:grpSp>
-        <p:nvGrpSpPr>
-          <p:cNvPr id="33" name="CheckBoxUnchecked">
-            <a:extLst>
-              <a:ext uri="{FF2B5EF4-FFF2-40B4-BE49-F238E27FC236}">
-                <a16:creationId xmlns:a16="http://schemas.microsoft.com/office/drawing/2014/main" id="{3D841779-463A-4016-A725-5D08ED846721}"/>
-              </a:ext>
-            </a:extLst>
-          </p:cNvPr>
-          <p:cNvGrpSpPr/>
-          <p:nvPr/>
-        </p:nvGrpSpPr>
-        <p:grpSpPr bwMode="auto">
-          <a:xfrm>
-            <a:off x="4716692" y="4422304"/>
-            <a:ext cx="443204" cy="230832"/>
-            <a:chOff x="5179843" y="2087449"/>
-            <a:chExt cx="415372" cy="216403"/>
-          </a:xfrm>
-        </p:grpSpPr>
-        <p:sp>
-          <p:nvSpPr>
-            <p:cNvPr id="34" name="Content">
-              <a:extLst>
-                <a:ext uri="{FF2B5EF4-FFF2-40B4-BE49-F238E27FC236}">
-                  <a16:creationId xmlns:a16="http://schemas.microsoft.com/office/drawing/2014/main" id="{0A326726-9565-4EB9-8250-4044CD076E96}"/>
-                </a:ext>
-              </a:extLst>
-            </p:cNvPr>
-            <p:cNvSpPr>
-              <a:spLocks/>
-            </p:cNvSpPr>
-            <p:nvPr/>
-          </p:nvSpPr>
-          <p:spPr bwMode="auto">
-            <a:xfrm>
-              <a:off x="5179848" y="2087449"/>
-              <a:ext cx="415367" cy="216403"/>
-            </a:xfrm>
-            <a:prstGeom prst="rect">
-              <a:avLst/>
-            </a:prstGeom>
-            <a:noFill/>
-          </p:spPr>
-          <p:txBody>
-            <a:bodyPr wrap="none" lIns="164592" tIns="18288" rIns="45720" bIns="27432" rtlCol="0" anchor="ctr" anchorCtr="0">
-              <a:spAutoFit/>
-            </a:bodyPr>
-            <a:lstStyle/>
-            <a:p>
-              <a:pPr>
-                <a:defRPr/>
-              </a:pPr>
-              <a:r>
-                <a:rPr lang="en-US" sz="1200" dirty="0">
-                  <a:solidFill>
-                    <a:schemeClr val="bg1"/>
-                  </a:solidFill>
-                  <a:latin typeface="Segoe UI"/>
-                  <a:ea typeface="Segoe UI"/>
-                </a:rPr>
-                <a:t>2 *</a:t>
-              </a:r>
-              <a:r>
-                <a:rPr lang="en-US" sz="1200" dirty="0">
-                  <a:latin typeface="Segoe UI"/>
-                  <a:ea typeface="Segoe UI"/>
-                </a:rPr>
-                <a:t> </a:t>
-              </a:r>
-              <a:endParaRPr lang="en-US" sz="1200" dirty="0">
-                <a:solidFill>
-                  <a:schemeClr val="bg1"/>
-                </a:solidFill>
-                <a:latin typeface="Segoe UI"/>
-                <a:ea typeface="Segoe UI"/>
-              </a:endParaRPr>
-            </a:p>
-          </p:txBody>
-        </p:sp>
-        <p:sp>
-          <p:nvSpPr>
-            <p:cNvPr id="35" name="CheckBox">
-              <a:extLst>
-                <a:ext uri="{FF2B5EF4-FFF2-40B4-BE49-F238E27FC236}">
-                  <a16:creationId xmlns:a16="http://schemas.microsoft.com/office/drawing/2014/main" id="{7FD9B80D-0C05-44C1-B6BD-3A0311C12D25}"/>
-                </a:ext>
-              </a:extLst>
-            </p:cNvPr>
-            <p:cNvSpPr/>
-            <p:nvPr/>
-          </p:nvSpPr>
-          <p:spPr bwMode="auto">
-            <a:xfrm>
-              <a:off x="5179843" y="2146835"/>
-              <a:ext cx="100012" cy="97631"/>
-            </a:xfrm>
-            <a:prstGeom prst="rect">
-              <a:avLst/>
-            </a:prstGeom>
-            <a:solidFill>
-              <a:srgbClr val="FFFFFF"/>
-            </a:solidFill>
-            <a:ln w="3175">
-              <a:solidFill>
-                <a:srgbClr val="FFFFFF">
-                  <a:lumMod val="65000"/>
-                </a:srgbClr>
-              </a:solidFill>
-            </a:ln>
-          </p:spPr>
-          <p:style>
-            <a:lnRef idx="2">
-              <a:srgbClr val="4F81BD">
-                <a:shade val="50000"/>
-              </a:srgbClr>
-            </a:lnRef>
-            <a:fillRef idx="1">
-              <a:srgbClr val="4F81BD"/>
-            </a:fillRef>
-            <a:effectRef idx="0">
-              <a:srgbClr val="4F81BD"/>
-            </a:effectRef>
-            <a:fontRef idx="minor">
-              <a:srgbClr val="000000"/>
-            </a:fontRef>
-          </p:style>
-          <p:txBody>
-            <a:bodyPr rtlCol="0" anchor="ctr"/>
-            <a:lstStyle/>
-            <a:p>
-              <a:pPr algn="ctr">
-                <a:defRPr/>
-              </a:pPr>
-              <a:endParaRPr lang="en-US"/>
-            </a:p>
-          </p:txBody>
-        </p:sp>
-      </p:grpSp>
-      <p:grpSp>
-        <p:nvGrpSpPr>
-          <p:cNvPr id="36" name="CheckBoxUnchecked">
-            <a:extLst>
-              <a:ext uri="{FF2B5EF4-FFF2-40B4-BE49-F238E27FC236}">
-                <a16:creationId xmlns:a16="http://schemas.microsoft.com/office/drawing/2014/main" id="{F06A0FD0-E8AB-4D8E-958C-F9B4D7BD50EA}"/>
-              </a:ext>
-            </a:extLst>
-          </p:cNvPr>
-          <p:cNvGrpSpPr/>
-          <p:nvPr/>
-        </p:nvGrpSpPr>
-        <p:grpSpPr bwMode="auto">
-          <a:xfrm>
-            <a:off x="5292743" y="4422304"/>
-            <a:ext cx="443203" cy="230832"/>
-            <a:chOff x="5179843" y="2087449"/>
-            <a:chExt cx="415372" cy="216403"/>
-          </a:xfrm>
-        </p:grpSpPr>
-        <p:sp>
-          <p:nvSpPr>
-            <p:cNvPr id="37" name="Content">
-              <a:extLst>
-                <a:ext uri="{FF2B5EF4-FFF2-40B4-BE49-F238E27FC236}">
-                  <a16:creationId xmlns:a16="http://schemas.microsoft.com/office/drawing/2014/main" id="{6C5743CA-8C76-4764-B712-DF202C9B999B}"/>
-                </a:ext>
-              </a:extLst>
-            </p:cNvPr>
-            <p:cNvSpPr>
-              <a:spLocks/>
-            </p:cNvSpPr>
-            <p:nvPr/>
-          </p:nvSpPr>
-          <p:spPr bwMode="auto">
-            <a:xfrm>
-              <a:off x="5179848" y="2087449"/>
-              <a:ext cx="415367" cy="216403"/>
-            </a:xfrm>
-            <a:prstGeom prst="rect">
-              <a:avLst/>
-            </a:prstGeom>
-            <a:noFill/>
-          </p:spPr>
-          <p:txBody>
-            <a:bodyPr wrap="none" lIns="164592" tIns="18288" rIns="45720" bIns="27432" rtlCol="0" anchor="ctr" anchorCtr="0">
-              <a:spAutoFit/>
-            </a:bodyPr>
-            <a:lstStyle/>
-            <a:p>
-              <a:pPr>
-                <a:defRPr/>
-              </a:pPr>
-              <a:r>
-                <a:rPr lang="en-US" sz="1200" dirty="0">
-                  <a:solidFill>
-                    <a:schemeClr val="bg1"/>
-                  </a:solidFill>
-                  <a:latin typeface="Segoe UI"/>
-                  <a:ea typeface="Segoe UI"/>
-                </a:rPr>
-                <a:t>3 *</a:t>
-              </a:r>
-              <a:r>
-                <a:rPr lang="en-US" sz="1200" dirty="0">
-                  <a:latin typeface="Segoe UI"/>
-                  <a:ea typeface="Segoe UI"/>
-                </a:rPr>
-                <a:t> </a:t>
-              </a:r>
-              <a:endParaRPr lang="en-US" sz="1200" dirty="0">
-                <a:solidFill>
-                  <a:schemeClr val="bg1"/>
-                </a:solidFill>
-                <a:latin typeface="Segoe UI"/>
-                <a:ea typeface="Segoe UI"/>
-              </a:endParaRPr>
-            </a:p>
-          </p:txBody>
-        </p:sp>
-        <p:sp>
-          <p:nvSpPr>
-            <p:cNvPr id="38" name="CheckBox">
-              <a:extLst>
-                <a:ext uri="{FF2B5EF4-FFF2-40B4-BE49-F238E27FC236}">
-                  <a16:creationId xmlns:a16="http://schemas.microsoft.com/office/drawing/2014/main" id="{D60A6349-990E-4282-87F4-62D342F9E30E}"/>
-                </a:ext>
-              </a:extLst>
-            </p:cNvPr>
-            <p:cNvSpPr/>
-            <p:nvPr/>
-          </p:nvSpPr>
-          <p:spPr bwMode="auto">
-            <a:xfrm>
-              <a:off x="5179843" y="2146835"/>
-              <a:ext cx="100012" cy="97631"/>
-            </a:xfrm>
-            <a:prstGeom prst="rect">
-              <a:avLst/>
-            </a:prstGeom>
-            <a:solidFill>
-              <a:srgbClr val="FFFFFF"/>
-            </a:solidFill>
-            <a:ln w="3175">
-              <a:solidFill>
-                <a:srgbClr val="FFFFFF">
-                  <a:lumMod val="65000"/>
-                </a:srgbClr>
-              </a:solidFill>
-            </a:ln>
-          </p:spPr>
-          <p:style>
-            <a:lnRef idx="2">
-              <a:srgbClr val="4F81BD">
-                <a:shade val="50000"/>
-              </a:srgbClr>
-            </a:lnRef>
-            <a:fillRef idx="1">
-              <a:srgbClr val="4F81BD"/>
-            </a:fillRef>
-            <a:effectRef idx="0">
-              <a:srgbClr val="4F81BD"/>
-            </a:effectRef>
-            <a:fontRef idx="minor">
-              <a:srgbClr val="000000"/>
-            </a:fontRef>
-          </p:style>
-          <p:txBody>
-            <a:bodyPr rtlCol="0" anchor="ctr"/>
-            <a:lstStyle/>
-            <a:p>
-              <a:pPr algn="ctr">
-                <a:defRPr/>
-              </a:pPr>
-              <a:endParaRPr lang="en-US"/>
-            </a:p>
-          </p:txBody>
-        </p:sp>
-      </p:grpSp>
-      <p:grpSp>
-        <p:nvGrpSpPr>
-          <p:cNvPr id="39" name="CheckBoxUnchecked">
-            <a:extLst>
-              <a:ext uri="{FF2B5EF4-FFF2-40B4-BE49-F238E27FC236}">
-                <a16:creationId xmlns:a16="http://schemas.microsoft.com/office/drawing/2014/main" id="{CD55220B-F858-462A-91B0-F15F6564E6B8}"/>
-              </a:ext>
-            </a:extLst>
-          </p:cNvPr>
-          <p:cNvGrpSpPr/>
-          <p:nvPr/>
-        </p:nvGrpSpPr>
-        <p:grpSpPr bwMode="auto">
-          <a:xfrm>
-            <a:off x="5807968" y="4422304"/>
-            <a:ext cx="443204" cy="230832"/>
-            <a:chOff x="5179843" y="2087449"/>
-            <a:chExt cx="415372" cy="216403"/>
-          </a:xfrm>
-        </p:grpSpPr>
-        <p:sp>
-          <p:nvSpPr>
-            <p:cNvPr id="40" name="Content">
-              <a:extLst>
-                <a:ext uri="{FF2B5EF4-FFF2-40B4-BE49-F238E27FC236}">
-                  <a16:creationId xmlns:a16="http://schemas.microsoft.com/office/drawing/2014/main" id="{74D1FAD4-E9B6-4508-9857-9AF6CE0BF1FD}"/>
-                </a:ext>
-              </a:extLst>
-            </p:cNvPr>
-            <p:cNvSpPr>
-              <a:spLocks/>
-            </p:cNvSpPr>
-            <p:nvPr/>
-          </p:nvSpPr>
-          <p:spPr bwMode="auto">
-            <a:xfrm>
-              <a:off x="5179848" y="2087449"/>
-              <a:ext cx="415367" cy="216403"/>
-            </a:xfrm>
-            <a:prstGeom prst="rect">
-              <a:avLst/>
-            </a:prstGeom>
-            <a:noFill/>
-          </p:spPr>
-          <p:txBody>
-            <a:bodyPr wrap="none" lIns="164592" tIns="18288" rIns="45720" bIns="27432" rtlCol="0" anchor="ctr" anchorCtr="0">
-              <a:spAutoFit/>
-            </a:bodyPr>
-            <a:lstStyle/>
-            <a:p>
-              <a:pPr>
-                <a:defRPr/>
-              </a:pPr>
-              <a:r>
-                <a:rPr lang="en-US" sz="1200" dirty="0">
-                  <a:solidFill>
-                    <a:schemeClr val="bg1"/>
-                  </a:solidFill>
-                  <a:latin typeface="Segoe UI"/>
-                  <a:ea typeface="Segoe UI"/>
-                </a:rPr>
-                <a:t>4 *</a:t>
-              </a:r>
-              <a:r>
-                <a:rPr lang="en-US" sz="1200" dirty="0">
-                  <a:latin typeface="Segoe UI"/>
-                  <a:ea typeface="Segoe UI"/>
-                </a:rPr>
-                <a:t> </a:t>
-              </a:r>
-              <a:endParaRPr lang="en-US" sz="1200" dirty="0">
-                <a:solidFill>
-                  <a:schemeClr val="bg1"/>
-                </a:solidFill>
-                <a:latin typeface="Segoe UI"/>
-                <a:ea typeface="Segoe UI"/>
-              </a:endParaRPr>
-            </a:p>
-          </p:txBody>
-        </p:sp>
-        <p:sp>
-          <p:nvSpPr>
-            <p:cNvPr id="41" name="CheckBox">
-              <a:extLst>
-                <a:ext uri="{FF2B5EF4-FFF2-40B4-BE49-F238E27FC236}">
-                  <a16:creationId xmlns:a16="http://schemas.microsoft.com/office/drawing/2014/main" id="{BB4803A7-9F3C-4506-8E7F-1373FCC52864}"/>
-                </a:ext>
-              </a:extLst>
-            </p:cNvPr>
-            <p:cNvSpPr/>
-            <p:nvPr/>
-          </p:nvSpPr>
-          <p:spPr bwMode="auto">
-            <a:xfrm>
-              <a:off x="5179843" y="2146835"/>
-              <a:ext cx="100012" cy="97631"/>
-            </a:xfrm>
-            <a:prstGeom prst="rect">
-              <a:avLst/>
-            </a:prstGeom>
-            <a:solidFill>
-              <a:srgbClr val="FFFFFF"/>
-            </a:solidFill>
-            <a:ln w="3175">
-              <a:solidFill>
-                <a:srgbClr val="FFFFFF">
-                  <a:lumMod val="65000"/>
-                </a:srgbClr>
-              </a:solidFill>
-            </a:ln>
-          </p:spPr>
-          <p:style>
-            <a:lnRef idx="2">
-              <a:srgbClr val="4F81BD">
-                <a:shade val="50000"/>
-              </a:srgbClr>
-            </a:lnRef>
-            <a:fillRef idx="1">
-              <a:srgbClr val="4F81BD"/>
-            </a:fillRef>
-            <a:effectRef idx="0">
-              <a:srgbClr val="4F81BD"/>
-            </a:effectRef>
-            <a:fontRef idx="minor">
-              <a:srgbClr val="000000"/>
-            </a:fontRef>
-          </p:style>
-          <p:txBody>
-            <a:bodyPr rtlCol="0" anchor="ctr"/>
-            <a:lstStyle/>
-            <a:p>
-              <a:pPr algn="ctr">
-                <a:defRPr/>
-              </a:pPr>
-              <a:endParaRPr lang="en-US"/>
-            </a:p>
-          </p:txBody>
-        </p:sp>
-      </p:grpSp>
-      <p:grpSp>
-        <p:nvGrpSpPr>
-          <p:cNvPr id="42" name="CheckBoxUnchecked">
-            <a:extLst>
-              <a:ext uri="{FF2B5EF4-FFF2-40B4-BE49-F238E27FC236}">
-                <a16:creationId xmlns:a16="http://schemas.microsoft.com/office/drawing/2014/main" id="{E3256539-5680-48F6-861C-6B61BFFE4961}"/>
-              </a:ext>
-            </a:extLst>
-          </p:cNvPr>
-          <p:cNvGrpSpPr/>
-          <p:nvPr/>
-        </p:nvGrpSpPr>
-        <p:grpSpPr bwMode="auto">
-          <a:xfrm>
-            <a:off x="6372877" y="4422304"/>
-            <a:ext cx="443203" cy="230832"/>
-            <a:chOff x="5179843" y="2087449"/>
-            <a:chExt cx="415372" cy="216403"/>
-          </a:xfrm>
-        </p:grpSpPr>
-        <p:sp>
-          <p:nvSpPr>
-            <p:cNvPr id="43" name="Content">
-              <a:extLst>
-                <a:ext uri="{FF2B5EF4-FFF2-40B4-BE49-F238E27FC236}">
-                  <a16:creationId xmlns:a16="http://schemas.microsoft.com/office/drawing/2014/main" id="{4D360C9B-4F2F-4E43-8FAC-0698E6C4785D}"/>
-                </a:ext>
-              </a:extLst>
-            </p:cNvPr>
-            <p:cNvSpPr>
-              <a:spLocks/>
-            </p:cNvSpPr>
-            <p:nvPr/>
-          </p:nvSpPr>
-          <p:spPr bwMode="auto">
-            <a:xfrm>
-              <a:off x="5179848" y="2087449"/>
-              <a:ext cx="415367" cy="216403"/>
-            </a:xfrm>
-            <a:prstGeom prst="rect">
-              <a:avLst/>
-            </a:prstGeom>
-            <a:noFill/>
-          </p:spPr>
-          <p:txBody>
-            <a:bodyPr wrap="none" lIns="164592" tIns="18288" rIns="45720" bIns="27432" rtlCol="0" anchor="ctr" anchorCtr="0">
-              <a:spAutoFit/>
-            </a:bodyPr>
-            <a:lstStyle/>
-            <a:p>
-              <a:pPr>
-                <a:defRPr/>
-              </a:pPr>
-              <a:r>
-                <a:rPr lang="en-US" sz="1200" dirty="0">
-                  <a:solidFill>
-                    <a:schemeClr val="bg1"/>
-                  </a:solidFill>
-                  <a:latin typeface="Segoe UI"/>
-                  <a:ea typeface="Segoe UI"/>
-                </a:rPr>
-                <a:t>5 *</a:t>
-              </a:r>
-              <a:r>
-                <a:rPr lang="en-US" sz="1200" dirty="0">
-                  <a:latin typeface="Segoe UI"/>
-                  <a:ea typeface="Segoe UI"/>
-                </a:rPr>
-                <a:t> </a:t>
-              </a:r>
-              <a:endParaRPr lang="en-US" sz="1200" dirty="0">
-                <a:solidFill>
-                  <a:schemeClr val="bg1"/>
-                </a:solidFill>
-                <a:latin typeface="Segoe UI"/>
-                <a:ea typeface="Segoe UI"/>
-              </a:endParaRPr>
-            </a:p>
-          </p:txBody>
-        </p:sp>
-        <p:sp>
-          <p:nvSpPr>
-            <p:cNvPr id="44" name="CheckBox">
-              <a:extLst>
-                <a:ext uri="{FF2B5EF4-FFF2-40B4-BE49-F238E27FC236}">
-                  <a16:creationId xmlns:a16="http://schemas.microsoft.com/office/drawing/2014/main" id="{1F7B6D43-0BC6-4D84-86D8-64050FEED99F}"/>
-                </a:ext>
-              </a:extLst>
-            </p:cNvPr>
-            <p:cNvSpPr/>
-            <p:nvPr/>
-          </p:nvSpPr>
-          <p:spPr bwMode="auto">
-            <a:xfrm>
-              <a:off x="5179843" y="2146835"/>
-              <a:ext cx="100012" cy="97631"/>
-            </a:xfrm>
-            <a:prstGeom prst="rect">
-              <a:avLst/>
-            </a:prstGeom>
-            <a:solidFill>
-              <a:srgbClr val="FFFFFF"/>
-            </a:solidFill>
-            <a:ln w="3175">
-              <a:solidFill>
-                <a:srgbClr val="FFFFFF">
-                  <a:lumMod val="65000"/>
-                </a:srgbClr>
-              </a:solidFill>
-            </a:ln>
-          </p:spPr>
-          <p:style>
-            <a:lnRef idx="2">
-              <a:srgbClr val="4F81BD">
-                <a:shade val="50000"/>
-              </a:srgbClr>
-            </a:lnRef>
-            <a:fillRef idx="1">
-              <a:srgbClr val="4F81BD"/>
-            </a:fillRef>
-            <a:effectRef idx="0">
-              <a:srgbClr val="4F81BD"/>
-            </a:effectRef>
-            <a:fontRef idx="minor">
-              <a:srgbClr val="000000"/>
-            </a:fontRef>
-          </p:style>
-          <p:txBody>
-            <a:bodyPr rtlCol="0" anchor="ctr"/>
-            <a:lstStyle/>
-            <a:p>
-              <a:pPr algn="ctr">
-                <a:defRPr/>
-              </a:pPr>
-              <a:endParaRPr lang="en-US" dirty="0"/>
-            </a:p>
-          </p:txBody>
-        </p:sp>
-      </p:grpSp>
-      <p:pic>
-        <p:nvPicPr>
-          <p:cNvPr id="3" name="Grafik 2" descr="Pfeil: 180-Grad">
-            <a:extLst>
-              <a:ext uri="{FF2B5EF4-FFF2-40B4-BE49-F238E27FC236}">
-                <a16:creationId xmlns:a16="http://schemas.microsoft.com/office/drawing/2014/main" id="{00B79F13-89B9-45AC-B393-28E7826245A9}"/>
-              </a:ext>
-            </a:extLst>
-          </p:cNvPr>
-          <p:cNvPicPr>
-            <a:picLocks noChangeAspect="1"/>
-          </p:cNvPicPr>
-          <p:nvPr/>
-        </p:nvPicPr>
-        <p:blipFill>
-          <a:blip r:embed="rId4">
-            <a:extLst>
-              <a:ext uri="{28A0092B-C50C-407E-A947-70E740481C1C}">
-                <a14:useLocalDpi xmlns:a14="http://schemas.microsoft.com/office/drawing/2010/main" val="0"/>
-              </a:ext>
-              <a:ext uri="{96DAC541-7B7A-43D3-8B79-37D633B846F1}">
-                <asvg:svgBlip xmlns:asvg="http://schemas.microsoft.com/office/drawing/2016/SVG/main" r:embed="rId5"/>
-              </a:ext>
-            </a:extLst>
-          </a:blip>
-          <a:stretch>
-            <a:fillRect/>
-          </a:stretch>
-        </p:blipFill>
-        <p:spPr>
-          <a:xfrm>
-            <a:off x="7968208" y="526441"/>
-            <a:ext cx="454288" cy="454288"/>
-          </a:xfrm>
-          <a:prstGeom prst="rect">
-            <a:avLst/>
-          </a:prstGeom>
-        </p:spPr>
-      </p:pic>
-      <p:pic>
-        <p:nvPicPr>
-          <p:cNvPr id="5" name="Grafik 4" descr="Heim">
-            <a:extLst>
-              <a:ext uri="{FF2B5EF4-FFF2-40B4-BE49-F238E27FC236}">
-                <a16:creationId xmlns:a16="http://schemas.microsoft.com/office/drawing/2014/main" id="{C30BBE14-8AE2-4084-B460-AF1616EAB79C}"/>
-              </a:ext>
-            </a:extLst>
-          </p:cNvPr>
-          <p:cNvPicPr>
-            <a:picLocks noChangeAspect="1"/>
-          </p:cNvPicPr>
-          <p:nvPr/>
-        </p:nvPicPr>
-        <p:blipFill>
-          <a:blip r:embed="rId6">
-            <a:extLst>
-              <a:ext uri="{28A0092B-C50C-407E-A947-70E740481C1C}">
-                <a14:useLocalDpi xmlns:a14="http://schemas.microsoft.com/office/drawing/2010/main" val="0"/>
-              </a:ext>
-              <a:ext uri="{96DAC541-7B7A-43D3-8B79-37D633B846F1}">
-                <asvg:svgBlip xmlns:asvg="http://schemas.microsoft.com/office/drawing/2016/SVG/main" r:embed="rId7"/>
-              </a:ext>
-            </a:extLst>
-          </a:blip>
-          <a:stretch>
-            <a:fillRect/>
-          </a:stretch>
-        </p:blipFill>
-        <p:spPr>
-          <a:xfrm>
-            <a:off x="8594039" y="508940"/>
-            <a:ext cx="454289" cy="454289"/>
-          </a:xfrm>
-          <a:prstGeom prst="rect">
-            <a:avLst/>
-          </a:prstGeom>
-        </p:spPr>
-      </p:pic>
-    </p:spTree>
-    <p:extLst>
-      <p:ext uri="{BB962C8B-B14F-4D97-AF65-F5344CB8AC3E}">
-        <p14:creationId xmlns:p14="http://schemas.microsoft.com/office/powerpoint/2010/main" val="3465998000"/>
-      </p:ext>
-    </p:extLst>
-  </p:cSld>
-  <p:clrMapOvr>
-    <a:masterClrMapping/>
-  </p:clrMapOvr>
-</p:sld>
-</file>
-
 <file path=ppt/theme/theme1.xml><?xml version="1.0" encoding="utf-8"?>
 <a:theme xmlns:a="http://schemas.openxmlformats.org/drawingml/2006/main" name="Office">
   <a:themeElements>
@@ -36284,25 +36326,25 @@
 
 <file path=customXml/item1.xml><?xml version="1.0" encoding="utf-8"?>
 <Control xmlns="http://schemas.microsoft.com/VisualStudio/2011/storyboarding/control">
-  <Id Name="System.Storyboarding.Common.NumericStepper" Revision="1" Stencil="System.Storyboarding.Common" StencilVersion="0.1"/>
+  <Id Name="System.Storyboarding.Common.Text" Revision="1" Stencil="System.Storyboarding.Common" StencilVersion="0.1"/>
 </Control>
 </file>
 
 <file path=customXml/item10.xml><?xml version="1.0" encoding="utf-8"?>
 <Control xmlns="http://schemas.microsoft.com/VisualStudio/2011/storyboarding/control">
-  <Id Name="System.Storyboarding.Common.Text" Revision="1" Stencil="System.Storyboarding.Common" StencilVersion="0.1"/>
+  <Id Name="System.Storyboarding.Common.Button" Revision="1" Stencil="System.Storyboarding.Common" StencilVersion="0.1"/>
 </Control>
 </file>
 
 <file path=customXml/item11.xml><?xml version="1.0" encoding="utf-8"?>
 <Control xmlns="http://schemas.microsoft.com/VisualStudio/2011/storyboarding/control">
-  <Id Name="System.Storyboarding.Common.TextInput" Revision="1" Stencil="System.Storyboarding.Common" StencilVersion="0.1"/>
+  <Id Name="System.Storyboarding.Common.Text" Revision="1" Stencil="System.Storyboarding.Common" StencilVersion="0.1"/>
 </Control>
 </file>
 
 <file path=customXml/item12.xml><?xml version="1.0" encoding="utf-8"?>
 <Control xmlns="http://schemas.microsoft.com/VisualStudio/2011/storyboarding/control">
-  <Id Name="System.Storyboarding.Common.SearchBox" Revision="1" Stencil="System.Storyboarding.Common" StencilVersion="0.1"/>
+  <Id Name="System.Storyboarding.Common.Text" Revision="1" Stencil="System.Storyboarding.Common" StencilVersion="0.1"/>
 </Control>
 </file>
 
@@ -36314,43 +36356,43 @@
 
 <file path=customXml/item14.xml><?xml version="1.0" encoding="utf-8"?>
 <Control xmlns="http://schemas.microsoft.com/VisualStudio/2011/storyboarding/control">
-  <Id Name="System.Storyboarding.Common.Text" Revision="1" Stencil="System.Storyboarding.Common" StencilVersion="0.1"/>
+  <Id Name="System.Storyboarding.Common.NumericStepper" Revision="1" Stencil="System.Storyboarding.Common" StencilVersion="0.1"/>
 </Control>
 </file>
 
 <file path=customXml/item15.xml><?xml version="1.0" encoding="utf-8"?>
 <Control xmlns="http://schemas.microsoft.com/VisualStudio/2011/storyboarding/control">
-  <Id Name="System.Storyboarding.Common.TextInput" Revision="1" Stencil="System.Storyboarding.Common" StencilVersion="0.1"/>
+  <Id Name="System.Storyboarding.Common.NumericStepper" Revision="1" Stencil="System.Storyboarding.Common" StencilVersion="0.1"/>
 </Control>
 </file>
 
 <file path=customXml/item16.xml><?xml version="1.0" encoding="utf-8"?>
 <Control xmlns="http://schemas.microsoft.com/VisualStudio/2011/storyboarding/control">
-  <Id Name="System.Storyboarding.Common.TextInput" Revision="1" Stencil="System.Storyboarding.Common" StencilVersion="0.1"/>
+  <Id Name="System.Storyboarding.Common.Text" Revision="1" Stencil="System.Storyboarding.Common" StencilVersion="0.1"/>
 </Control>
 </file>
 
 <file path=customXml/item17.xml><?xml version="1.0" encoding="utf-8"?>
 <Control xmlns="http://schemas.microsoft.com/VisualStudio/2011/storyboarding/control">
-  <Id Name="System.Storyboarding.Common.Text" Revision="1" Stencil="System.Storyboarding.Common" StencilVersion="0.1"/>
+  <Id Name="System.Storyboarding.Common.TextInput" Revision="1" Stencil="System.Storyboarding.Common" StencilVersion="0.1"/>
 </Control>
 </file>
 
 <file path=customXml/item18.xml><?xml version="1.0" encoding="utf-8"?>
 <Control xmlns="http://schemas.microsoft.com/VisualStudio/2011/storyboarding/control">
-  <Id Name="System.Storyboarding.Common.NumericStepper" Revision="1" Stencil="System.Storyboarding.Common" StencilVersion="0.1"/>
+  <Id Name="System.Storyboarding.Common.Text" Revision="1" Stencil="System.Storyboarding.Common" StencilVersion="0.1"/>
 </Control>
 </file>
 
 <file path=customXml/item19.xml><?xml version="1.0" encoding="utf-8"?>
 <Control xmlns="http://schemas.microsoft.com/VisualStudio/2011/storyboarding/control">
-  <Id Name="System.Storyboarding.Common.Text" Revision="1" Stencil="System.Storyboarding.Common" StencilVersion="0.1"/>
+  <Id Name="System.Storyboarding.Common.SearchBox" Revision="1" Stencil="System.Storyboarding.Common" StencilVersion="0.1"/>
 </Control>
 </file>
 
 <file path=customXml/item2.xml><?xml version="1.0" encoding="utf-8"?>
 <Control xmlns="http://schemas.microsoft.com/VisualStudio/2011/storyboarding/control">
-  <Id Name="System.Storyboarding.Common.TextInput" Revision="1" Stencil="System.Storyboarding.Common" StencilVersion="0.1"/>
+  <Id Name="System.Storyboarding.Common.NumericStepper" Revision="1" Stencil="System.Storyboarding.Common" StencilVersion="0.1"/>
 </Control>
 </file>
 
@@ -36374,7 +36416,7 @@
 
 <file path=customXml/item23.xml><?xml version="1.0" encoding="utf-8"?>
 <Control xmlns="http://schemas.microsoft.com/VisualStudio/2011/storyboarding/control">
-  <Id Name="System.Storyboarding.Common.NumericStepper" Revision="1" Stencil="System.Storyboarding.Common" StencilVersion="0.1"/>
+  <Id Name="System.Storyboarding.Common.Button" Revision="1" Stencil="System.Storyboarding.Common" StencilVersion="0.1"/>
 </Control>
 </file>
 
@@ -36386,7 +36428,7 @@
 
 <file path=customXml/item25.xml><?xml version="1.0" encoding="utf-8"?>
 <Control xmlns="http://schemas.microsoft.com/VisualStudio/2011/storyboarding/control">
-  <Id Name="System.Storyboarding.Common.Text" Revision="1" Stencil="System.Storyboarding.Common" StencilVersion="0.1"/>
+  <Id Name="System.Storyboarding.Common.NumericStepper" Revision="1" Stencil="System.Storyboarding.Common" StencilVersion="0.1"/>
 </Control>
 </file>
 
@@ -36398,7 +36440,7 @@
 
 <file path=customXml/item27.xml><?xml version="1.0" encoding="utf-8"?>
 <Control xmlns="http://schemas.microsoft.com/VisualStudio/2011/storyboarding/control">
-  <Id Name="System.Storyboarding.Common.NumericStepper" Revision="1" Stencil="System.Storyboarding.Common" StencilVersion="0.1"/>
+  <Id Name="System.Storyboarding.Common.TextInput" Revision="1" Stencil="System.Storyboarding.Common" StencilVersion="0.1"/>
 </Control>
 </file>
 
@@ -36410,19 +36452,19 @@
 
 <file path=customXml/item29.xml><?xml version="1.0" encoding="utf-8"?>
 <Control xmlns="http://schemas.microsoft.com/VisualStudio/2011/storyboarding/control">
-  <Id Name="System.Storyboarding.Common.Text" Revision="1" Stencil="System.Storyboarding.Common" StencilVersion="0.1"/>
+  <Id Name="System.Storyboarding.Common.NumericStepper" Revision="1" Stencil="System.Storyboarding.Common" StencilVersion="0.1"/>
 </Control>
 </file>
 
 <file path=customXml/item3.xml><?xml version="1.0" encoding="utf-8"?>
 <Control xmlns="http://schemas.microsoft.com/VisualStudio/2011/storyboarding/control">
-  <Id Name="System.Storyboarding.Common.Text" Revision="1" Stencil="System.Storyboarding.Common" StencilVersion="0.1"/>
+  <Id Name="System.Storyboarding.Common.TextInput" Revision="1" Stencil="System.Storyboarding.Common" StencilVersion="0.1"/>
 </Control>
 </file>
 
 <file path=customXml/item30.xml><?xml version="1.0" encoding="utf-8"?>
 <Control xmlns="http://schemas.microsoft.com/VisualStudio/2011/storyboarding/control">
-  <Id Name="System.Storyboarding.Common.NumericStepper" Revision="1" Stencil="System.Storyboarding.Common" StencilVersion="0.1"/>
+  <Id Name="System.Storyboarding.Common.TextInput" Revision="1" Stencil="System.Storyboarding.Common" StencilVersion="0.1"/>
 </Control>
 </file>
 
@@ -36458,37 +36500,37 @@
 
 <file path=customXml/item36.xml><?xml version="1.0" encoding="utf-8"?>
 <Control xmlns="http://schemas.microsoft.com/VisualStudio/2011/storyboarding/control">
-  <Id Name="System.Storyboarding.Common.TextInput" Revision="1" Stencil="System.Storyboarding.Common" StencilVersion="0.1"/>
+  <Id Name="System.Storyboarding.Common.NumericStepper" Revision="1" Stencil="System.Storyboarding.Common" StencilVersion="0.1"/>
 </Control>
 </file>
 
 <file path=customXml/item37.xml><?xml version="1.0" encoding="utf-8"?>
 <Control xmlns="http://schemas.microsoft.com/VisualStudio/2011/storyboarding/control">
-  <Id Name="System.Storyboarding.Common.Button" Revision="1" Stencil="System.Storyboarding.Common" StencilVersion="0.1"/>
+  <Id Name="System.Storyboarding.Common.Text" Revision="1" Stencil="System.Storyboarding.Common" StencilVersion="0.1"/>
 </Control>
 </file>
 
 <file path=customXml/item38.xml><?xml version="1.0" encoding="utf-8"?>
 <Control xmlns="http://schemas.microsoft.com/VisualStudio/2011/storyboarding/control">
-  <Id Name="System.Storyboarding.Common.Button" Revision="1" Stencil="System.Storyboarding.Common" StencilVersion="0.1"/>
+  <Id Name="System.Storyboarding.Common.TextInput" Revision="1" Stencil="System.Storyboarding.Common" StencilVersion="0.1"/>
 </Control>
 </file>
 
 <file path=customXml/item39.xml><?xml version="1.0" encoding="utf-8"?>
 <Control xmlns="http://schemas.microsoft.com/VisualStudio/2011/storyboarding/control">
-  <Id Name="System.Storyboarding.Common.Text" Revision="1" Stencil="System.Storyboarding.Common" StencilVersion="0.1"/>
+  <Id Name="System.Storyboarding.Common.TextInput" Revision="1" Stencil="System.Storyboarding.Common" StencilVersion="0.1"/>
 </Control>
 </file>
 
 <file path=customXml/item4.xml><?xml version="1.0" encoding="utf-8"?>
 <Control xmlns="http://schemas.microsoft.com/VisualStudio/2011/storyboarding/control">
-  <Id Name="System.Storyboarding.Common.Text" Revision="1" Stencil="System.Storyboarding.Common" StencilVersion="0.1"/>
+  <Id Name="System.Storyboarding.Common.TextInput" Revision="1" Stencil="System.Storyboarding.Common" StencilVersion="0.1"/>
 </Control>
 </file>
 
 <file path=customXml/item5.xml><?xml version="1.0" encoding="utf-8"?>
 <Control xmlns="http://schemas.microsoft.com/VisualStudio/2011/storyboarding/control">
-  <Id Name="System.Storyboarding.Common.Button" Revision="1" Stencil="System.Storyboarding.Common" StencilVersion="0.1"/>
+  <Id Name="System.Storyboarding.Common.Text" Revision="1" Stencil="System.Storyboarding.Common" StencilVersion="0.1"/>
 </Control>
 </file>
 
@@ -36500,23 +36542,159 @@
 
 <file path=customXml/item7.xml><?xml version="1.0" encoding="utf-8"?>
 <Control xmlns="http://schemas.microsoft.com/VisualStudio/2011/storyboarding/control">
-  <Id Name="System.Storyboarding.Common.NumericStepper" Revision="1" Stencil="System.Storyboarding.Common" StencilVersion="0.1"/>
+  <Id Name="System.Storyboarding.Common.Text" Revision="1" Stencil="System.Storyboarding.Common" StencilVersion="0.1"/>
 </Control>
 </file>
 
 <file path=customXml/item8.xml><?xml version="1.0" encoding="utf-8"?>
 <Control xmlns="http://schemas.microsoft.com/VisualStudio/2011/storyboarding/control">
-  <Id Name="System.Storyboarding.Common.TextInput" Revision="1" Stencil="System.Storyboarding.Common" StencilVersion="0.1"/>
+  <Id Name="System.Storyboarding.Common.Text" Revision="1" Stencil="System.Storyboarding.Common" StencilVersion="0.1"/>
 </Control>
 </file>
 
 <file path=customXml/item9.xml><?xml version="1.0" encoding="utf-8"?>
 <Control xmlns="http://schemas.microsoft.com/VisualStudio/2011/storyboarding/control">
-  <Id Name="System.Storyboarding.Common.TextInput" Revision="1" Stencil="System.Storyboarding.Common" StencilVersion="0.1"/>
+  <Id Name="System.Storyboarding.Common.Button" Revision="1" Stencil="System.Storyboarding.Common" StencilVersion="0.1"/>
 </Control>
 </file>
 
 <file path=customXml/itemProps1.xml><?xml version="1.0" encoding="utf-8"?>
+<ds:datastoreItem xmlns:ds="http://schemas.openxmlformats.org/officeDocument/2006/customXml" ds:itemID="{BEBF4B86-4DCB-4560-9A9F-F9F3DB658E91}">
+  <ds:schemaRefs>
+    <ds:schemaRef ds:uri="http://schemas.microsoft.com/VisualStudio/2011/storyboarding/control"/>
+  </ds:schemaRefs>
+</ds:datastoreItem>
+</file>
+
+<file path=customXml/itemProps10.xml><?xml version="1.0" encoding="utf-8"?>
+<ds:datastoreItem xmlns:ds="http://schemas.openxmlformats.org/officeDocument/2006/customXml" ds:itemID="{2905FDFD-22EC-479A-8B1B-4103B5ADAA37}">
+  <ds:schemaRefs>
+    <ds:schemaRef ds:uri="http://schemas.microsoft.com/VisualStudio/2011/storyboarding/control"/>
+  </ds:schemaRefs>
+</ds:datastoreItem>
+</file>
+
+<file path=customXml/itemProps11.xml><?xml version="1.0" encoding="utf-8"?>
+<ds:datastoreItem xmlns:ds="http://schemas.openxmlformats.org/officeDocument/2006/customXml" ds:itemID="{CB055AB0-0028-4D09-ADB3-6143C66A5D32}">
+  <ds:schemaRefs>
+    <ds:schemaRef ds:uri="http://schemas.microsoft.com/VisualStudio/2011/storyboarding/control"/>
+  </ds:schemaRefs>
+</ds:datastoreItem>
+</file>
+
+<file path=customXml/itemProps12.xml><?xml version="1.0" encoding="utf-8"?>
+<ds:datastoreItem xmlns:ds="http://schemas.openxmlformats.org/officeDocument/2006/customXml" ds:itemID="{6EAC765F-2242-48AE-B3BD-46B330FA5A8F}">
+  <ds:schemaRefs>
+    <ds:schemaRef ds:uri="http://schemas.microsoft.com/VisualStudio/2011/storyboarding/control"/>
+  </ds:schemaRefs>
+</ds:datastoreItem>
+</file>
+
+<file path=customXml/itemProps13.xml><?xml version="1.0" encoding="utf-8"?>
+<ds:datastoreItem xmlns:ds="http://schemas.openxmlformats.org/officeDocument/2006/customXml" ds:itemID="{8A13702E-450F-4E53-BB16-096B6C080D25}">
+  <ds:schemaRefs>
+    <ds:schemaRef ds:uri="http://schemas.microsoft.com/VisualStudio/2011/storyboarding/control"/>
+  </ds:schemaRefs>
+</ds:datastoreItem>
+</file>
+
+<file path=customXml/itemProps14.xml><?xml version="1.0" encoding="utf-8"?>
+<ds:datastoreItem xmlns:ds="http://schemas.openxmlformats.org/officeDocument/2006/customXml" ds:itemID="{B5AC85C2-11DD-43F8-A7F4-5481A634412D}">
+  <ds:schemaRefs>
+    <ds:schemaRef ds:uri="http://schemas.microsoft.com/VisualStudio/2011/storyboarding/control"/>
+  </ds:schemaRefs>
+</ds:datastoreItem>
+</file>
+
+<file path=customXml/itemProps15.xml><?xml version="1.0" encoding="utf-8"?>
+<ds:datastoreItem xmlns:ds="http://schemas.openxmlformats.org/officeDocument/2006/customXml" ds:itemID="{10CE5D6D-DD39-4A0D-8B00-AE1981962846}">
+  <ds:schemaRefs>
+    <ds:schemaRef ds:uri="http://schemas.microsoft.com/VisualStudio/2011/storyboarding/control"/>
+  </ds:schemaRefs>
+</ds:datastoreItem>
+</file>
+
+<file path=customXml/itemProps16.xml><?xml version="1.0" encoding="utf-8"?>
+<ds:datastoreItem xmlns:ds="http://schemas.openxmlformats.org/officeDocument/2006/customXml" ds:itemID="{7E212E81-E07B-4AC7-9A34-C656B920CF4B}">
+  <ds:schemaRefs>
+    <ds:schemaRef ds:uri="http://schemas.microsoft.com/VisualStudio/2011/storyboarding/control"/>
+  </ds:schemaRefs>
+</ds:datastoreItem>
+</file>
+
+<file path=customXml/itemProps17.xml><?xml version="1.0" encoding="utf-8"?>
+<ds:datastoreItem xmlns:ds="http://schemas.openxmlformats.org/officeDocument/2006/customXml" ds:itemID="{8A53A2A0-A5D1-491B-A532-3A3F9E45C52A}">
+  <ds:schemaRefs>
+    <ds:schemaRef ds:uri="http://schemas.microsoft.com/VisualStudio/2011/storyboarding/control"/>
+  </ds:schemaRefs>
+</ds:datastoreItem>
+</file>
+
+<file path=customXml/itemProps18.xml><?xml version="1.0" encoding="utf-8"?>
+<ds:datastoreItem xmlns:ds="http://schemas.openxmlformats.org/officeDocument/2006/customXml" ds:itemID="{F9E4A7F1-50ED-4483-907F-D927A23F5E08}">
+  <ds:schemaRefs>
+    <ds:schemaRef ds:uri="http://schemas.microsoft.com/VisualStudio/2011/storyboarding/control"/>
+  </ds:schemaRefs>
+</ds:datastoreItem>
+</file>
+
+<file path=customXml/itemProps19.xml><?xml version="1.0" encoding="utf-8"?>
+<ds:datastoreItem xmlns:ds="http://schemas.openxmlformats.org/officeDocument/2006/customXml" ds:itemID="{C8DB6CF4-F4CF-4B70-8525-4B3135F620EC}">
+  <ds:schemaRefs>
+    <ds:schemaRef ds:uri="http://schemas.microsoft.com/VisualStudio/2011/storyboarding/control"/>
+  </ds:schemaRefs>
+</ds:datastoreItem>
+</file>
+
+<file path=customXml/itemProps2.xml><?xml version="1.0" encoding="utf-8"?>
+<ds:datastoreItem xmlns:ds="http://schemas.openxmlformats.org/officeDocument/2006/customXml" ds:itemID="{B9764BA0-3ABF-4AAD-9FF4-FF4338FAD3DA}">
+  <ds:schemaRefs>
+    <ds:schemaRef ds:uri="http://schemas.microsoft.com/VisualStudio/2011/storyboarding/control"/>
+  </ds:schemaRefs>
+</ds:datastoreItem>
+</file>
+
+<file path=customXml/itemProps20.xml><?xml version="1.0" encoding="utf-8"?>
+<ds:datastoreItem xmlns:ds="http://schemas.openxmlformats.org/officeDocument/2006/customXml" ds:itemID="{FBA8D82E-6811-4E5A-8FE6-4DC034227C9E}">
+  <ds:schemaRefs>
+    <ds:schemaRef ds:uri="http://schemas.microsoft.com/VisualStudio/2011/storyboarding/control"/>
+  </ds:schemaRefs>
+</ds:datastoreItem>
+</file>
+
+<file path=customXml/itemProps21.xml><?xml version="1.0" encoding="utf-8"?>
+<ds:datastoreItem xmlns:ds="http://schemas.openxmlformats.org/officeDocument/2006/customXml" ds:itemID="{BC27AAF3-8407-4BB8-97F2-1B0D3B490BF2}">
+  <ds:schemaRefs>
+    <ds:schemaRef ds:uri="http://schemas.microsoft.com/VisualStudio/2011/storyboarding/control"/>
+  </ds:schemaRefs>
+</ds:datastoreItem>
+</file>
+
+<file path=customXml/itemProps22.xml><?xml version="1.0" encoding="utf-8"?>
+<ds:datastoreItem xmlns:ds="http://schemas.openxmlformats.org/officeDocument/2006/customXml" ds:itemID="{D7CC20B6-E3BC-4460-88F2-20893DC1B1DF}">
+  <ds:schemaRefs>
+    <ds:schemaRef ds:uri="http://schemas.microsoft.com/VisualStudio/2011/storyboarding/control"/>
+  </ds:schemaRefs>
+</ds:datastoreItem>
+</file>
+
+<file path=customXml/itemProps23.xml><?xml version="1.0" encoding="utf-8"?>
+<ds:datastoreItem xmlns:ds="http://schemas.openxmlformats.org/officeDocument/2006/customXml" ds:itemID="{C2C89F1C-A6EB-4CD2-94B0-EF0427F4258D}">
+  <ds:schemaRefs>
+    <ds:schemaRef ds:uri="http://schemas.microsoft.com/VisualStudio/2011/storyboarding/control"/>
+  </ds:schemaRefs>
+</ds:datastoreItem>
+</file>
+
+<file path=customXml/itemProps24.xml><?xml version="1.0" encoding="utf-8"?>
+<ds:datastoreItem xmlns:ds="http://schemas.openxmlformats.org/officeDocument/2006/customXml" ds:itemID="{A82DB869-54D9-43BF-8651-2051F66192BE}">
+  <ds:schemaRefs>
+    <ds:schemaRef ds:uri="http://schemas.microsoft.com/VisualStudio/2011/storyboarding/control"/>
+  </ds:schemaRefs>
+</ds:datastoreItem>
+</file>
+
+<file path=customXml/itemProps25.xml><?xml version="1.0" encoding="utf-8"?>
 <ds:datastoreItem xmlns:ds="http://schemas.openxmlformats.org/officeDocument/2006/customXml" ds:itemID="{94B87DD5-B98B-412A-846F-3BE568FFE1AA}">
   <ds:schemaRefs>
     <ds:schemaRef ds:uri="http://schemas.microsoft.com/VisualStudio/2011/storyboarding/control"/>
@@ -36524,7 +36702,55 @@
 </ds:datastoreItem>
 </file>
 
-<file path=customXml/itemProps10.xml><?xml version="1.0" encoding="utf-8"?>
+<file path=customXml/itemProps26.xml><?xml version="1.0" encoding="utf-8"?>
+<ds:datastoreItem xmlns:ds="http://schemas.openxmlformats.org/officeDocument/2006/customXml" ds:itemID="{9CC8BF16-E508-4E5A-96EE-78AD32A47D4B}">
+  <ds:schemaRefs>
+    <ds:schemaRef ds:uri="http://schemas.microsoft.com/VisualStudio/2011/storyboarding/control"/>
+  </ds:schemaRefs>
+</ds:datastoreItem>
+</file>
+
+<file path=customXml/itemProps27.xml><?xml version="1.0" encoding="utf-8"?>
+<ds:datastoreItem xmlns:ds="http://schemas.openxmlformats.org/officeDocument/2006/customXml" ds:itemID="{B8230236-2E43-4B5E-B785-6775E9D3904B}">
+  <ds:schemaRefs>
+    <ds:schemaRef ds:uri="http://schemas.microsoft.com/VisualStudio/2011/storyboarding/control"/>
+  </ds:schemaRefs>
+</ds:datastoreItem>
+</file>
+
+<file path=customXml/itemProps28.xml><?xml version="1.0" encoding="utf-8"?>
+<ds:datastoreItem xmlns:ds="http://schemas.openxmlformats.org/officeDocument/2006/customXml" ds:itemID="{9C712AD9-BD71-419E-9FA0-F1347B25E8C2}">
+  <ds:schemaRefs>
+    <ds:schemaRef ds:uri="http://schemas.microsoft.com/VisualStudio/2011/storyboarding/control"/>
+  </ds:schemaRefs>
+</ds:datastoreItem>
+</file>
+
+<file path=customXml/itemProps29.xml><?xml version="1.0" encoding="utf-8"?>
+<ds:datastoreItem xmlns:ds="http://schemas.openxmlformats.org/officeDocument/2006/customXml" ds:itemID="{CE3DB4A7-0A83-4EB3-9F3C-C55D3D3EF5D9}">
+  <ds:schemaRefs>
+    <ds:schemaRef ds:uri="http://schemas.microsoft.com/VisualStudio/2011/storyboarding/control"/>
+  </ds:schemaRefs>
+</ds:datastoreItem>
+</file>
+
+<file path=customXml/itemProps3.xml><?xml version="1.0" encoding="utf-8"?>
+<ds:datastoreItem xmlns:ds="http://schemas.openxmlformats.org/officeDocument/2006/customXml" ds:itemID="{E74AF41B-4221-4940-812D-1880390F6D77}">
+  <ds:schemaRefs>
+    <ds:schemaRef ds:uri="http://schemas.microsoft.com/VisualStudio/2011/storyboarding/control"/>
+  </ds:schemaRefs>
+</ds:datastoreItem>
+</file>
+
+<file path=customXml/itemProps30.xml><?xml version="1.0" encoding="utf-8"?>
+<ds:datastoreItem xmlns:ds="http://schemas.openxmlformats.org/officeDocument/2006/customXml" ds:itemID="{3C5FD439-EEB6-46CC-9A97-C833212EA4D3}">
+  <ds:schemaRefs>
+    <ds:schemaRef ds:uri="http://schemas.microsoft.com/VisualStudio/2011/storyboarding/control"/>
+  </ds:schemaRefs>
+</ds:datastoreItem>
+</file>
+
+<file path=customXml/itemProps31.xml><?xml version="1.0" encoding="utf-8"?>
 <ds:datastoreItem xmlns:ds="http://schemas.openxmlformats.org/officeDocument/2006/customXml" ds:itemID="{F6D955B1-B421-4215-879C-14AA1C3AD96B}">
   <ds:schemaRefs>
     <ds:schemaRef ds:uri="http://schemas.microsoft.com/VisualStudio/2011/storyboarding/control"/>
@@ -36532,7 +36758,87 @@
 </ds:datastoreItem>
 </file>
 
-<file path=customXml/itemProps11.xml><?xml version="1.0" encoding="utf-8"?>
+<file path=customXml/itemProps32.xml><?xml version="1.0" encoding="utf-8"?>
+<ds:datastoreItem xmlns:ds="http://schemas.openxmlformats.org/officeDocument/2006/customXml" ds:itemID="{DD3F0187-4F03-49B1-B293-10003666DF18}">
+  <ds:schemaRefs>
+    <ds:schemaRef ds:uri="http://schemas.microsoft.com/VisualStudio/2011/storyboarding/control"/>
+  </ds:schemaRefs>
+</ds:datastoreItem>
+</file>
+
+<file path=customXml/itemProps33.xml><?xml version="1.0" encoding="utf-8"?>
+<ds:datastoreItem xmlns:ds="http://schemas.openxmlformats.org/officeDocument/2006/customXml" ds:itemID="{C9389C63-3711-4D71-B7E7-9467EABD2F0A}">
+  <ds:schemaRefs>
+    <ds:schemaRef ds:uri="http://schemas.microsoft.com/VisualStudio/2011/storyboarding/control"/>
+  </ds:schemaRefs>
+</ds:datastoreItem>
+</file>
+
+<file path=customXml/itemProps34.xml><?xml version="1.0" encoding="utf-8"?>
+<ds:datastoreItem xmlns:ds="http://schemas.openxmlformats.org/officeDocument/2006/customXml" ds:itemID="{8968AFB0-B005-4EEF-986F-1D8DCB402426}">
+  <ds:schemaRefs>
+    <ds:schemaRef ds:uri="http://schemas.microsoft.com/VisualStudio/2011/storyboarding/control"/>
+  </ds:schemaRefs>
+</ds:datastoreItem>
+</file>
+
+<file path=customXml/itemProps35.xml><?xml version="1.0" encoding="utf-8"?>
+<ds:datastoreItem xmlns:ds="http://schemas.openxmlformats.org/officeDocument/2006/customXml" ds:itemID="{AF00A564-181F-4D17-B8A1-A7651AC7E93B}">
+  <ds:schemaRefs>
+    <ds:schemaRef ds:uri="http://schemas.microsoft.com/VisualStudio/2011/storyboarding/control"/>
+  </ds:schemaRefs>
+</ds:datastoreItem>
+</file>
+
+<file path=customXml/itemProps36.xml><?xml version="1.0" encoding="utf-8"?>
+<ds:datastoreItem xmlns:ds="http://schemas.openxmlformats.org/officeDocument/2006/customXml" ds:itemID="{2D05733B-0B17-4A4A-B1D8-D3ECDBE9B41D}">
+  <ds:schemaRefs>
+    <ds:schemaRef ds:uri="http://schemas.microsoft.com/VisualStudio/2011/storyboarding/control"/>
+  </ds:schemaRefs>
+</ds:datastoreItem>
+</file>
+
+<file path=customXml/itemProps37.xml><?xml version="1.0" encoding="utf-8"?>
+<ds:datastoreItem xmlns:ds="http://schemas.openxmlformats.org/officeDocument/2006/customXml" ds:itemID="{05C67EAE-6D3D-43B6-88BA-FA4F53A2D056}">
+  <ds:schemaRefs>
+    <ds:schemaRef ds:uri="http://schemas.microsoft.com/VisualStudio/2011/storyboarding/control"/>
+  </ds:schemaRefs>
+</ds:datastoreItem>
+</file>
+
+<file path=customXml/itemProps38.xml><?xml version="1.0" encoding="utf-8"?>
+<ds:datastoreItem xmlns:ds="http://schemas.openxmlformats.org/officeDocument/2006/customXml" ds:itemID="{D889C2D4-5506-453B-8BC2-C3182C0D19CB}">
+  <ds:schemaRefs>
+    <ds:schemaRef ds:uri="http://schemas.microsoft.com/VisualStudio/2011/storyboarding/control"/>
+  </ds:schemaRefs>
+</ds:datastoreItem>
+</file>
+
+<file path=customXml/itemProps39.xml><?xml version="1.0" encoding="utf-8"?>
+<ds:datastoreItem xmlns:ds="http://schemas.openxmlformats.org/officeDocument/2006/customXml" ds:itemID="{80642EDE-2E48-49ED-8A9A-117DCDE1D86F}">
+  <ds:schemaRefs>
+    <ds:schemaRef ds:uri="http://schemas.microsoft.com/VisualStudio/2011/storyboarding/control"/>
+  </ds:schemaRefs>
+</ds:datastoreItem>
+</file>
+
+<file path=customXml/itemProps4.xml><?xml version="1.0" encoding="utf-8"?>
+<ds:datastoreItem xmlns:ds="http://schemas.openxmlformats.org/officeDocument/2006/customXml" ds:itemID="{C13C3C02-C566-41B5-8945-F6F1A9010893}">
+  <ds:schemaRefs>
+    <ds:schemaRef ds:uri="http://schemas.microsoft.com/VisualStudio/2011/storyboarding/control"/>
+  </ds:schemaRefs>
+</ds:datastoreItem>
+</file>
+
+<file path=customXml/itemProps5.xml><?xml version="1.0" encoding="utf-8"?>
+<ds:datastoreItem xmlns:ds="http://schemas.openxmlformats.org/officeDocument/2006/customXml" ds:itemID="{B5E045DC-FB9A-4D14-BADE-5420D7AEFB43}">
+  <ds:schemaRefs>
+    <ds:schemaRef ds:uri="http://schemas.microsoft.com/VisualStudio/2011/storyboarding/control"/>
+  </ds:schemaRefs>
+</ds:datastoreItem>
+</file>
+
+<file path=customXml/itemProps6.xml><?xml version="1.0" encoding="utf-8"?>
 <ds:datastoreItem xmlns:ds="http://schemas.openxmlformats.org/officeDocument/2006/customXml" ds:itemID="{8A4FCC22-9677-4F8C-882D-A7BC7A1349C6}">
   <ds:schemaRefs>
     <ds:schemaRef ds:uri="http://schemas.microsoft.com/VisualStudio/2011/storyboarding/control"/>
@@ -36540,111 +36846,7 @@
 </ds:datastoreItem>
 </file>
 
-<file path=customXml/itemProps12.xml><?xml version="1.0" encoding="utf-8"?>
-<ds:datastoreItem xmlns:ds="http://schemas.openxmlformats.org/officeDocument/2006/customXml" ds:itemID="{C8DB6CF4-F4CF-4B70-8525-4B3135F620EC}">
-  <ds:schemaRefs>
-    <ds:schemaRef ds:uri="http://schemas.microsoft.com/VisualStudio/2011/storyboarding/control"/>
-  </ds:schemaRefs>
-</ds:datastoreItem>
-</file>
-
-<file path=customXml/itemProps13.xml><?xml version="1.0" encoding="utf-8"?>
-<ds:datastoreItem xmlns:ds="http://schemas.openxmlformats.org/officeDocument/2006/customXml" ds:itemID="{AF00A564-181F-4D17-B8A1-A7651AC7E93B}">
-  <ds:schemaRefs>
-    <ds:schemaRef ds:uri="http://schemas.microsoft.com/VisualStudio/2011/storyboarding/control"/>
-  </ds:schemaRefs>
-</ds:datastoreItem>
-</file>
-
-<file path=customXml/itemProps14.xml><?xml version="1.0" encoding="utf-8"?>
-<ds:datastoreItem xmlns:ds="http://schemas.openxmlformats.org/officeDocument/2006/customXml" ds:itemID="{6EAC765F-2242-48AE-B3BD-46B330FA5A8F}">
-  <ds:schemaRefs>
-    <ds:schemaRef ds:uri="http://schemas.microsoft.com/VisualStudio/2011/storyboarding/control"/>
-  </ds:schemaRefs>
-</ds:datastoreItem>
-</file>
-
-<file path=customXml/itemProps15.xml><?xml version="1.0" encoding="utf-8"?>
-<ds:datastoreItem xmlns:ds="http://schemas.openxmlformats.org/officeDocument/2006/customXml" ds:itemID="{B8230236-2E43-4B5E-B785-6775E9D3904B}">
-  <ds:schemaRefs>
-    <ds:schemaRef ds:uri="http://schemas.microsoft.com/VisualStudio/2011/storyboarding/control"/>
-  </ds:schemaRefs>
-</ds:datastoreItem>
-</file>
-
-<file path=customXml/itemProps16.xml><?xml version="1.0" encoding="utf-8"?>
-<ds:datastoreItem xmlns:ds="http://schemas.openxmlformats.org/officeDocument/2006/customXml" ds:itemID="{C13C3C02-C566-41B5-8945-F6F1A9010893}">
-  <ds:schemaRefs>
-    <ds:schemaRef ds:uri="http://schemas.microsoft.com/VisualStudio/2011/storyboarding/control"/>
-  </ds:schemaRefs>
-</ds:datastoreItem>
-</file>
-
-<file path=customXml/itemProps17.xml><?xml version="1.0" encoding="utf-8"?>
-<ds:datastoreItem xmlns:ds="http://schemas.openxmlformats.org/officeDocument/2006/customXml" ds:itemID="{FBA8D82E-6811-4E5A-8FE6-4DC034227C9E}">
-  <ds:schemaRefs>
-    <ds:schemaRef ds:uri="http://schemas.microsoft.com/VisualStudio/2011/storyboarding/control"/>
-  </ds:schemaRefs>
-</ds:datastoreItem>
-</file>
-
-<file path=customXml/itemProps18.xml><?xml version="1.0" encoding="utf-8"?>
-<ds:datastoreItem xmlns:ds="http://schemas.openxmlformats.org/officeDocument/2006/customXml" ds:itemID="{2D05733B-0B17-4A4A-B1D8-D3ECDBE9B41D}">
-  <ds:schemaRefs>
-    <ds:schemaRef ds:uri="http://schemas.microsoft.com/VisualStudio/2011/storyboarding/control"/>
-  </ds:schemaRefs>
-</ds:datastoreItem>
-</file>
-
-<file path=customXml/itemProps19.xml><?xml version="1.0" encoding="utf-8"?>
-<ds:datastoreItem xmlns:ds="http://schemas.openxmlformats.org/officeDocument/2006/customXml" ds:itemID="{CB055AB0-0028-4D09-ADB3-6143C66A5D32}">
-  <ds:schemaRefs>
-    <ds:schemaRef ds:uri="http://schemas.microsoft.com/VisualStudio/2011/storyboarding/control"/>
-  </ds:schemaRefs>
-</ds:datastoreItem>
-</file>
-
-<file path=customXml/itemProps2.xml><?xml version="1.0" encoding="utf-8"?>
-<ds:datastoreItem xmlns:ds="http://schemas.openxmlformats.org/officeDocument/2006/customXml" ds:itemID="{E74AF41B-4221-4940-812D-1880390F6D77}">
-  <ds:schemaRefs>
-    <ds:schemaRef ds:uri="http://schemas.microsoft.com/VisualStudio/2011/storyboarding/control"/>
-  </ds:schemaRefs>
-</ds:datastoreItem>
-</file>
-
-<file path=customXml/itemProps20.xml><?xml version="1.0" encoding="utf-8"?>
-<ds:datastoreItem xmlns:ds="http://schemas.openxmlformats.org/officeDocument/2006/customXml" ds:itemID="{A82DB869-54D9-43BF-8651-2051F66192BE}">
-  <ds:schemaRefs>
-    <ds:schemaRef ds:uri="http://schemas.microsoft.com/VisualStudio/2011/storyboarding/control"/>
-  </ds:schemaRefs>
-</ds:datastoreItem>
-</file>
-
-<file path=customXml/itemProps21.xml><?xml version="1.0" encoding="utf-8"?>
-<ds:datastoreItem xmlns:ds="http://schemas.openxmlformats.org/officeDocument/2006/customXml" ds:itemID="{BEBF4B86-4DCB-4560-9A9F-F9F3DB658E91}">
-  <ds:schemaRefs>
-    <ds:schemaRef ds:uri="http://schemas.microsoft.com/VisualStudio/2011/storyboarding/control"/>
-  </ds:schemaRefs>
-</ds:datastoreItem>
-</file>
-
-<file path=customXml/itemProps22.xml><?xml version="1.0" encoding="utf-8"?>
-<ds:datastoreItem xmlns:ds="http://schemas.openxmlformats.org/officeDocument/2006/customXml" ds:itemID="{8A13702E-450F-4E53-BB16-096B6C080D25}">
-  <ds:schemaRefs>
-    <ds:schemaRef ds:uri="http://schemas.microsoft.com/VisualStudio/2011/storyboarding/control"/>
-  </ds:schemaRefs>
-</ds:datastoreItem>
-</file>
-
-<file path=customXml/itemProps23.xml><?xml version="1.0" encoding="utf-8"?>
-<ds:datastoreItem xmlns:ds="http://schemas.openxmlformats.org/officeDocument/2006/customXml" ds:itemID="{9C712AD9-BD71-419E-9FA0-F1347B25E8C2}">
-  <ds:schemaRefs>
-    <ds:schemaRef ds:uri="http://schemas.microsoft.com/VisualStudio/2011/storyboarding/control"/>
-  </ds:schemaRefs>
-</ds:datastoreItem>
-</file>
-
-<file path=customXml/itemProps24.xml><?xml version="1.0" encoding="utf-8"?>
+<file path=customXml/itemProps7.xml><?xml version="1.0" encoding="utf-8"?>
 <ds:datastoreItem xmlns:ds="http://schemas.openxmlformats.org/officeDocument/2006/customXml" ds:itemID="{4DC991AC-0DE1-41D9-9D89-71BA498D490E}">
   <ds:schemaRefs>
     <ds:schemaRef ds:uri="http://schemas.microsoft.com/VisualStudio/2011/storyboarding/control"/>
@@ -36652,71 +36854,7 @@
 </ds:datastoreItem>
 </file>
 
-<file path=customXml/itemProps25.xml><?xml version="1.0" encoding="utf-8"?>
-<ds:datastoreItem xmlns:ds="http://schemas.openxmlformats.org/officeDocument/2006/customXml" ds:itemID="{BC27AAF3-8407-4BB8-97F2-1B0D3B490BF2}">
-  <ds:schemaRefs>
-    <ds:schemaRef ds:uri="http://schemas.microsoft.com/VisualStudio/2011/storyboarding/control"/>
-  </ds:schemaRefs>
-</ds:datastoreItem>
-</file>
-
-<file path=customXml/itemProps26.xml><?xml version="1.0" encoding="utf-8"?>
-<ds:datastoreItem xmlns:ds="http://schemas.openxmlformats.org/officeDocument/2006/customXml" ds:itemID="{80642EDE-2E48-49ED-8A9A-117DCDE1D86F}">
-  <ds:schemaRefs>
-    <ds:schemaRef ds:uri="http://schemas.microsoft.com/VisualStudio/2011/storyboarding/control"/>
-  </ds:schemaRefs>
-</ds:datastoreItem>
-</file>
-
-<file path=customXml/itemProps27.xml><?xml version="1.0" encoding="utf-8"?>
-<ds:datastoreItem xmlns:ds="http://schemas.openxmlformats.org/officeDocument/2006/customXml" ds:itemID="{B5AC85C2-11DD-43F8-A7F4-5481A634412D}">
-  <ds:schemaRefs>
-    <ds:schemaRef ds:uri="http://schemas.microsoft.com/VisualStudio/2011/storyboarding/control"/>
-  </ds:schemaRefs>
-</ds:datastoreItem>
-</file>
-
-<file path=customXml/itemProps28.xml><?xml version="1.0" encoding="utf-8"?>
-<ds:datastoreItem xmlns:ds="http://schemas.openxmlformats.org/officeDocument/2006/customXml" ds:itemID="{CE3DB4A7-0A83-4EB3-9F3C-C55D3D3EF5D9}">
-  <ds:schemaRefs>
-    <ds:schemaRef ds:uri="http://schemas.microsoft.com/VisualStudio/2011/storyboarding/control"/>
-  </ds:schemaRefs>
-</ds:datastoreItem>
-</file>
-
-<file path=customXml/itemProps29.xml><?xml version="1.0" encoding="utf-8"?>
-<ds:datastoreItem xmlns:ds="http://schemas.openxmlformats.org/officeDocument/2006/customXml" ds:itemID="{B5E045DC-FB9A-4D14-BADE-5420D7AEFB43}">
-  <ds:schemaRefs>
-    <ds:schemaRef ds:uri="http://schemas.microsoft.com/VisualStudio/2011/storyboarding/control"/>
-  </ds:schemaRefs>
-</ds:datastoreItem>
-</file>
-
-<file path=customXml/itemProps3.xml><?xml version="1.0" encoding="utf-8"?>
-<ds:datastoreItem xmlns:ds="http://schemas.openxmlformats.org/officeDocument/2006/customXml" ds:itemID="{F9E4A7F1-50ED-4483-907F-D927A23F5E08}">
-  <ds:schemaRefs>
-    <ds:schemaRef ds:uri="http://schemas.microsoft.com/VisualStudio/2011/storyboarding/control"/>
-  </ds:schemaRefs>
-</ds:datastoreItem>
-</file>
-
-<file path=customXml/itemProps30.xml><?xml version="1.0" encoding="utf-8"?>
-<ds:datastoreItem xmlns:ds="http://schemas.openxmlformats.org/officeDocument/2006/customXml" ds:itemID="{10CE5D6D-DD39-4A0D-8B00-AE1981962846}">
-  <ds:schemaRefs>
-    <ds:schemaRef ds:uri="http://schemas.microsoft.com/VisualStudio/2011/storyboarding/control"/>
-  </ds:schemaRefs>
-</ds:datastoreItem>
-</file>
-
-<file path=customXml/itemProps31.xml><?xml version="1.0" encoding="utf-8"?>
-<ds:datastoreItem xmlns:ds="http://schemas.openxmlformats.org/officeDocument/2006/customXml" ds:itemID="{DD3F0187-4F03-49B1-B293-10003666DF18}">
-  <ds:schemaRefs>
-    <ds:schemaRef ds:uri="http://schemas.microsoft.com/VisualStudio/2011/storyboarding/control"/>
-  </ds:schemaRefs>
-</ds:datastoreItem>
-</file>
-
-<file path=customXml/itemProps32.xml><?xml version="1.0" encoding="utf-8"?>
+<file path=customXml/itemProps8.xml><?xml version="1.0" encoding="utf-8"?>
 <ds:datastoreItem xmlns:ds="http://schemas.openxmlformats.org/officeDocument/2006/customXml" ds:itemID="{E7DF92A3-1B11-4A38-8364-51A7CB2A5A41}">
   <ds:schemaRefs>
     <ds:schemaRef ds:uri="http://schemas.microsoft.com/VisualStudio/2011/storyboarding/control"/>
@@ -36724,106 +36862,10 @@
 </ds:datastoreItem>
 </file>
 
-<file path=customXml/itemProps33.xml><?xml version="1.0" encoding="utf-8"?>
-<ds:datastoreItem xmlns:ds="http://schemas.openxmlformats.org/officeDocument/2006/customXml" ds:itemID="{D7CC20B6-E3BC-4460-88F2-20893DC1B1DF}">
-  <ds:schemaRefs>
-    <ds:schemaRef ds:uri="http://schemas.microsoft.com/VisualStudio/2011/storyboarding/control"/>
-  </ds:schemaRefs>
-</ds:datastoreItem>
-</file>
-
-<file path=customXml/itemProps34.xml><?xml version="1.0" encoding="utf-8"?>
-<ds:datastoreItem xmlns:ds="http://schemas.openxmlformats.org/officeDocument/2006/customXml" ds:itemID="{D889C2D4-5506-453B-8BC2-C3182C0D19CB}">
-  <ds:schemaRefs>
-    <ds:schemaRef ds:uri="http://schemas.microsoft.com/VisualStudio/2011/storyboarding/control"/>
-  </ds:schemaRefs>
-</ds:datastoreItem>
-</file>
-
-<file path=customXml/itemProps35.xml><?xml version="1.0" encoding="utf-8"?>
-<ds:datastoreItem xmlns:ds="http://schemas.openxmlformats.org/officeDocument/2006/customXml" ds:itemID="{7E212E81-E07B-4AC7-9A34-C656B920CF4B}">
-  <ds:schemaRefs>
-    <ds:schemaRef ds:uri="http://schemas.microsoft.com/VisualStudio/2011/storyboarding/control"/>
-  </ds:schemaRefs>
-</ds:datastoreItem>
-</file>
-
-<file path=customXml/itemProps36.xml><?xml version="1.0" encoding="utf-8"?>
-<ds:datastoreItem xmlns:ds="http://schemas.openxmlformats.org/officeDocument/2006/customXml" ds:itemID="{3C5FD439-EEB6-46CC-9A97-C833212EA4D3}">
-  <ds:schemaRefs>
-    <ds:schemaRef ds:uri="http://schemas.microsoft.com/VisualStudio/2011/storyboarding/control"/>
-  </ds:schemaRefs>
-</ds:datastoreItem>
-</file>
-
-<file path=customXml/itemProps37.xml><?xml version="1.0" encoding="utf-8"?>
+<file path=customXml/itemProps9.xml><?xml version="1.0" encoding="utf-8"?>
 <ds:datastoreItem xmlns:ds="http://schemas.openxmlformats.org/officeDocument/2006/customXml" ds:itemID="{171EA052-223B-496E-8C01-DAABCF6205E4}">
   <ds:schemaRefs>
     <ds:schemaRef ds:uri="http://schemas.microsoft.com/VisualStudio/2011/storyboarding/control"/>
   </ds:schemaRefs>
 </ds:datastoreItem>
-</file>
-
-<file path=customXml/itemProps38.xml><?xml version="1.0" encoding="utf-8"?>
-<ds:datastoreItem xmlns:ds="http://schemas.openxmlformats.org/officeDocument/2006/customXml" ds:itemID="{C2C89F1C-A6EB-4CD2-94B0-EF0427F4258D}">
-  <ds:schemaRefs>
-    <ds:schemaRef ds:uri="http://schemas.microsoft.com/VisualStudio/2011/storyboarding/control"/>
-  </ds:schemaRefs>
-</ds:datastoreItem>
-</file>
-
-<file path=customXml/itemProps39.xml><?xml version="1.0" encoding="utf-8"?>
-<ds:datastoreItem xmlns:ds="http://schemas.openxmlformats.org/officeDocument/2006/customXml" ds:itemID="{05C67EAE-6D3D-43B6-88BA-FA4F53A2D056}">
-  <ds:schemaRefs>
-    <ds:schemaRef ds:uri="http://schemas.microsoft.com/VisualStudio/2011/storyboarding/control"/>
-  </ds:schemaRefs>
-</ds:datastoreItem>
-</file>
-
-<file path=customXml/itemProps4.xml><?xml version="1.0" encoding="utf-8"?>
-<ds:datastoreItem xmlns:ds="http://schemas.openxmlformats.org/officeDocument/2006/customXml" ds:itemID="{C9389C63-3711-4D71-B7E7-9467EABD2F0A}">
-  <ds:schemaRefs>
-    <ds:schemaRef ds:uri="http://schemas.microsoft.com/VisualStudio/2011/storyboarding/control"/>
-  </ds:schemaRefs>
-</ds:datastoreItem>
-</file>
-
-<file path=customXml/itemProps5.xml><?xml version="1.0" encoding="utf-8"?>
-<ds:datastoreItem xmlns:ds="http://schemas.openxmlformats.org/officeDocument/2006/customXml" ds:itemID="{2905FDFD-22EC-479A-8B1B-4103B5ADAA37}">
-  <ds:schemaRefs>
-    <ds:schemaRef ds:uri="http://schemas.microsoft.com/VisualStudio/2011/storyboarding/control"/>
-  </ds:schemaRefs>
-</ds:datastoreItem>
-</file>
-
-<file path=customXml/itemProps6.xml><?xml version="1.0" encoding="utf-8"?>
-<ds:datastoreItem xmlns:ds="http://schemas.openxmlformats.org/officeDocument/2006/customXml" ds:itemID="{9CC8BF16-E508-4E5A-96EE-78AD32A47D4B}">
-  <ds:schemaRefs>
-    <ds:schemaRef ds:uri="http://schemas.microsoft.com/VisualStudio/2011/storyboarding/control"/>
-  </ds:schemaRefs>
-</ds:datastoreItem>
-</file>
-
-<file path=customXml/itemProps7.xml><?xml version="1.0" encoding="utf-8"?>
-<ds:datastoreItem xmlns:ds="http://schemas.openxmlformats.org/officeDocument/2006/customXml" ds:itemID="{B9764BA0-3ABF-4AAD-9FF4-FF4338FAD3DA}">
-  <ds:schemaRefs>
-    <ds:schemaRef ds:uri="http://schemas.microsoft.com/VisualStudio/2011/storyboarding/control"/>
-  </ds:schemaRefs>
-</ds:datastoreItem>
-</file>
-
-<file path=customXml/itemProps8.xml><?xml version="1.0" encoding="utf-8"?>
-<ds:datastoreItem xmlns:ds="http://schemas.openxmlformats.org/officeDocument/2006/customXml" ds:itemID="{8A53A2A0-A5D1-491B-A532-3A3F9E45C52A}">
-  <ds:schemaRefs>
-    <ds:schemaRef ds:uri="http://schemas.microsoft.com/VisualStudio/2011/storyboarding/control"/>
-  </ds:schemaRefs>
-</ds:datastoreItem>
-</file>
-
-<file path=customXml/itemProps9.xml><?xml version="1.0" encoding="utf-8"?>
-<ds:datastoreItem xmlns:ds="http://schemas.openxmlformats.org/officeDocument/2006/customXml" ds:itemID="{8968AFB0-B005-4EEF-986F-1D8DCB402426}">
-  <ds:schemaRefs>
-    <ds:schemaRef ds:uri="http://schemas.microsoft.com/VisualStudio/2011/storyboarding/control"/>
-  </ds:schemaRefs>
-</ds:datastoreItem>
 </file>